--- a/ヘルメット/卒論/初稿/figure/source/fig_data.pptx
+++ b/ヘルメット/卒論/初稿/figure/source/fig_data.pptx
@@ -5,12 +5,14 @@
     <p:sldMasterId id="2147483660" r:id="rId1"/>
   </p:sldMasterIdLst>
   <p:notesMasterIdLst>
-    <p:notesMasterId r:id="rId5"/>
+    <p:notesMasterId r:id="rId7"/>
   </p:notesMasterIdLst>
   <p:sldIdLst>
     <p:sldId id="273" r:id="rId2"/>
     <p:sldId id="274" r:id="rId3"/>
     <p:sldId id="275" r:id="rId4"/>
+    <p:sldId id="277" r:id="rId5"/>
+    <p:sldId id="276" r:id="rId6"/>
   </p:sldIdLst>
   <p:sldSz cx="12192000" cy="6858000"/>
   <p:notesSz cx="6858000" cy="9144000"/>
@@ -211,7 +213,7 @@
           <a:p>
             <a:fld id="{FE7EBC21-68F0-43CA-8DF5-D6844F9F3C2E}" type="datetimeFigureOut">
               <a:rPr kumimoji="1" lang="ja-JP" altLang="en-US" smtClean="0"/>
-              <a:t>2020/1/18</a:t>
+              <a:t>2020/1/24</a:t>
             </a:fld>
             <a:endParaRPr kumimoji="1" lang="ja-JP" altLang="en-US"/>
           </a:p>
@@ -731,7 +733,7 @@
           <a:p>
             <a:fld id="{28B1BEA1-2738-4C19-B133-02ABBF3E6E0C}" type="datetime1">
               <a:rPr kumimoji="1" lang="ja-JP" altLang="en-US" smtClean="0"/>
-              <a:t>2020/1/18</a:t>
+              <a:t>2020/1/24</a:t>
             </a:fld>
             <a:endParaRPr kumimoji="1" lang="ja-JP" altLang="en-US"/>
           </a:p>
@@ -1105,7 +1107,7 @@
           <a:p>
             <a:fld id="{321A0775-4641-4FD1-8F30-8577C8E45459}" type="datetime1">
               <a:rPr kumimoji="1" lang="ja-JP" altLang="en-US" smtClean="0"/>
-              <a:t>2020/1/18</a:t>
+              <a:t>2020/1/24</a:t>
             </a:fld>
             <a:endParaRPr kumimoji="1" lang="ja-JP" altLang="en-US"/>
           </a:p>
@@ -1315,7 +1317,7 @@
           <a:p>
             <a:fld id="{1A958096-B04A-44A1-BF3F-4EF7C63AEE7F}" type="datetime1">
               <a:rPr kumimoji="1" lang="ja-JP" altLang="en-US" smtClean="0"/>
-              <a:t>2020/1/18</a:t>
+              <a:t>2020/1/24</a:t>
             </a:fld>
             <a:endParaRPr kumimoji="1" lang="ja-JP" altLang="en-US"/>
           </a:p>
@@ -1515,7 +1517,7 @@
           <a:p>
             <a:fld id="{7E4BC299-9A2B-46B3-A868-72E6088D753F}" type="datetime1">
               <a:rPr kumimoji="1" lang="ja-JP" altLang="en-US" smtClean="0"/>
-              <a:t>2020/1/18</a:t>
+              <a:t>2020/1/24</a:t>
             </a:fld>
             <a:endParaRPr kumimoji="1" lang="ja-JP" altLang="en-US"/>
           </a:p>
@@ -1949,7 +1951,7 @@
           <a:p>
             <a:fld id="{5730D93F-C6A8-45DB-973B-2E9B74BB5747}" type="datetime1">
               <a:rPr kumimoji="1" lang="ja-JP" altLang="en-US" smtClean="0"/>
-              <a:t>2020/1/18</a:t>
+              <a:t>2020/1/24</a:t>
             </a:fld>
             <a:endParaRPr kumimoji="1" lang="ja-JP" altLang="en-US"/>
           </a:p>
@@ -2242,7 +2244,7 @@
           <a:p>
             <a:fld id="{8C8FBA03-08C5-445A-9675-5DD0E048D580}" type="datetime1">
               <a:rPr kumimoji="1" lang="ja-JP" altLang="en-US" smtClean="0"/>
-              <a:t>2020/1/18</a:t>
+              <a:t>2020/1/24</a:t>
             </a:fld>
             <a:endParaRPr kumimoji="1" lang="ja-JP" altLang="en-US"/>
           </a:p>
@@ -2670,7 +2672,7 @@
           <a:p>
             <a:fld id="{F22B3BE6-F63B-45DF-9657-6FEF2EDB1F30}" type="datetime1">
               <a:rPr kumimoji="1" lang="ja-JP" altLang="en-US" smtClean="0"/>
-              <a:t>2020/1/18</a:t>
+              <a:t>2020/1/24</a:t>
             </a:fld>
             <a:endParaRPr kumimoji="1" lang="ja-JP" altLang="en-US"/>
           </a:p>
@@ -2787,7 +2789,7 @@
           <a:p>
             <a:fld id="{C1D6E599-F080-45CC-8481-C833508C9D12}" type="datetime1">
               <a:rPr kumimoji="1" lang="ja-JP" altLang="en-US" smtClean="0"/>
-              <a:t>2020/1/18</a:t>
+              <a:t>2020/1/24</a:t>
             </a:fld>
             <a:endParaRPr kumimoji="1" lang="ja-JP" altLang="en-US"/>
           </a:p>
@@ -2882,7 +2884,7 @@
           <a:p>
             <a:fld id="{7D9B8A7E-64BC-4577-982E-7EC7218FD10F}" type="datetime1">
               <a:rPr kumimoji="1" lang="ja-JP" altLang="en-US" smtClean="0"/>
-              <a:t>2020/1/18</a:t>
+              <a:t>2020/1/24</a:t>
             </a:fld>
             <a:endParaRPr kumimoji="1" lang="ja-JP" altLang="en-US"/>
           </a:p>
@@ -3189,7 +3191,7 @@
           <a:p>
             <a:fld id="{8373066C-4ED1-4359-AD45-A7DE722C8BF8}" type="datetime1">
               <a:rPr kumimoji="1" lang="ja-JP" altLang="en-US" smtClean="0"/>
-              <a:t>2020/1/18</a:t>
+              <a:t>2020/1/24</a:t>
             </a:fld>
             <a:endParaRPr kumimoji="1" lang="ja-JP" altLang="en-US"/>
           </a:p>
@@ -3441,7 +3443,7 @@
           <a:p>
             <a:fld id="{BC0FD902-686B-4A0D-9EB1-37C4F06B03EF}" type="datetime1">
               <a:rPr kumimoji="1" lang="ja-JP" altLang="en-US" smtClean="0"/>
-              <a:t>2020/1/18</a:t>
+              <a:t>2020/1/24</a:t>
             </a:fld>
             <a:endParaRPr kumimoji="1" lang="ja-JP" altLang="en-US"/>
           </a:p>
@@ -3684,7 +3686,7 @@
           <a:p>
             <a:fld id="{E90FD2C9-6400-40CA-9626-E4ED2CBDBD1C}" type="datetime1">
               <a:rPr kumimoji="1" lang="ja-JP" altLang="en-US" smtClean="0"/>
-              <a:t>2020/1/18</a:t>
+              <a:t>2020/1/24</a:t>
             </a:fld>
             <a:endParaRPr kumimoji="1" lang="ja-JP" altLang="en-US"/>
           </a:p>
@@ -8848,7 +8850,6 @@
             <a:tailEnd/>
           </a:ln>
           <a:effectLst/>
-          <a:extLst/>
         </p:spPr>
         <p:txBody>
           <a:bodyPr rtlCol="0" anchor="ctr"/>
@@ -9317,6 +9318,529 @@
     <p:extLst>
       <p:ext uri="{BB962C8B-B14F-4D97-AF65-F5344CB8AC3E}">
         <p14:creationId xmlns:p14="http://schemas.microsoft.com/office/powerpoint/2010/main" val="3223434047"/>
+      </p:ext>
+    </p:extLst>
+  </p:cSld>
+  <p:clrMapOvr>
+    <a:masterClrMapping/>
+  </p:clrMapOvr>
+</p:sld>
+</file>
+
+<file path=ppt/slides/slide4.xml><?xml version="1.0" encoding="utf-8"?>
+<p:sld xmlns:a="http://schemas.openxmlformats.org/drawingml/2006/main" xmlns:r="http://schemas.openxmlformats.org/officeDocument/2006/relationships" xmlns:p="http://schemas.openxmlformats.org/presentationml/2006/main">
+  <p:cSld>
+    <p:spTree>
+      <p:nvGrpSpPr>
+        <p:cNvPr id="1" name=""/>
+        <p:cNvGrpSpPr/>
+        <p:nvPr/>
+      </p:nvGrpSpPr>
+      <p:grpSpPr>
+        <a:xfrm>
+          <a:off x="0" y="0"/>
+          <a:ext cx="0" cy="0"/>
+          <a:chOff x="0" y="0"/>
+          <a:chExt cx="0" cy="0"/>
+        </a:xfrm>
+      </p:grpSpPr>
+      <p:sp>
+        <p:nvSpPr>
+          <p:cNvPr id="4" name="スライド番号プレースホルダー 3">
+            <a:extLst>
+              <a:ext uri="{FF2B5EF4-FFF2-40B4-BE49-F238E27FC236}">
+                <a16:creationId xmlns:a16="http://schemas.microsoft.com/office/drawing/2014/main" id="{65F7E9CD-52F2-4792-AA5F-7F75C7A060DA}"/>
+              </a:ext>
+            </a:extLst>
+          </p:cNvPr>
+          <p:cNvSpPr>
+            <a:spLocks noGrp="1"/>
+          </p:cNvSpPr>
+          <p:nvPr>
+            <p:ph type="sldNum" sz="quarter" idx="12"/>
+          </p:nvPr>
+        </p:nvSpPr>
+        <p:spPr/>
+        <p:txBody>
+          <a:bodyPr/>
+          <a:lstStyle/>
+          <a:p>
+            <a:fld id="{92084505-5355-43A2-B929-FD06D0DABC31}" type="slidenum">
+              <a:rPr lang="ja-JP" altLang="en-US" smtClean="0"/>
+              <a:pPr/>
+              <a:t>4</a:t>
+            </a:fld>
+            <a:endParaRPr lang="ja-JP" altLang="en-US" dirty="0"/>
+          </a:p>
+        </p:txBody>
+      </p:sp>
+      <p:pic>
+        <p:nvPicPr>
+          <p:cNvPr id="6" name="図 5" descr="草, 衣料, ヘルメット, 頭飾り が含まれている画像&#10;&#10;自動的に生成された説明">
+            <a:extLst>
+              <a:ext uri="{FF2B5EF4-FFF2-40B4-BE49-F238E27FC236}">
+                <a16:creationId xmlns:a16="http://schemas.microsoft.com/office/drawing/2014/main" id="{D220AB8E-BDD0-4233-8BBF-ADBBC14A7426}"/>
+              </a:ext>
+            </a:extLst>
+          </p:cNvPr>
+          <p:cNvPicPr>
+            <a:picLocks noChangeAspect="1"/>
+          </p:cNvPicPr>
+          <p:nvPr/>
+        </p:nvPicPr>
+        <p:blipFill>
+          <a:blip r:embed="rId2">
+            <a:extLst>
+              <a:ext uri="{28A0092B-C50C-407E-A947-70E740481C1C}">
+                <a14:useLocalDpi xmlns:a14="http://schemas.microsoft.com/office/drawing/2010/main" val="0"/>
+              </a:ext>
+            </a:extLst>
+          </a:blip>
+          <a:stretch>
+            <a:fillRect/>
+          </a:stretch>
+        </p:blipFill>
+        <p:spPr>
+          <a:xfrm>
+            <a:off x="3333950" y="404261"/>
+            <a:ext cx="5524099" cy="5524099"/>
+          </a:xfrm>
+          <a:prstGeom prst="rect">
+            <a:avLst/>
+          </a:prstGeom>
+        </p:spPr>
+      </p:pic>
+      <p:grpSp>
+        <p:nvGrpSpPr>
+          <p:cNvPr id="16" name="グループ化 15">
+            <a:extLst>
+              <a:ext uri="{FF2B5EF4-FFF2-40B4-BE49-F238E27FC236}">
+                <a16:creationId xmlns:a16="http://schemas.microsoft.com/office/drawing/2014/main" id="{C7B0F796-BD9B-498A-9DE6-F9F12536DB6E}"/>
+              </a:ext>
+            </a:extLst>
+          </p:cNvPr>
+          <p:cNvGrpSpPr/>
+          <p:nvPr/>
+        </p:nvGrpSpPr>
+        <p:grpSpPr>
+          <a:xfrm>
+            <a:off x="3607706" y="4745590"/>
+            <a:ext cx="1726296" cy="497659"/>
+            <a:chOff x="744467" y="3429000"/>
+            <a:chExt cx="1726296" cy="497659"/>
+          </a:xfrm>
+        </p:grpSpPr>
+        <p:sp>
+          <p:nvSpPr>
+            <p:cNvPr id="8" name="吹き出し: 四角形 7">
+              <a:extLst>
+                <a:ext uri="{FF2B5EF4-FFF2-40B4-BE49-F238E27FC236}">
+                  <a16:creationId xmlns:a16="http://schemas.microsoft.com/office/drawing/2014/main" id="{9EECD64C-4F68-46F1-933A-AE6212AA8072}"/>
+                </a:ext>
+              </a:extLst>
+            </p:cNvPr>
+            <p:cNvSpPr/>
+            <p:nvPr/>
+          </p:nvSpPr>
+          <p:spPr>
+            <a:xfrm>
+              <a:off x="744467" y="3429000"/>
+              <a:ext cx="1726296" cy="497659"/>
+            </a:xfrm>
+            <a:prstGeom prst="wedgeRectCallout">
+              <a:avLst>
+                <a:gd name="adj1" fmla="val 69717"/>
+                <a:gd name="adj2" fmla="val 14302"/>
+              </a:avLst>
+            </a:prstGeom>
+            <a:ln/>
+          </p:spPr>
+          <p:style>
+            <a:lnRef idx="2">
+              <a:schemeClr val="dk1"/>
+            </a:lnRef>
+            <a:fillRef idx="1">
+              <a:schemeClr val="lt1"/>
+            </a:fillRef>
+            <a:effectRef idx="0">
+              <a:schemeClr val="dk1"/>
+            </a:effectRef>
+            <a:fontRef idx="minor">
+              <a:schemeClr val="dk1"/>
+            </a:fontRef>
+          </p:style>
+          <p:txBody>
+            <a:bodyPr rtlCol="0" anchor="ctr"/>
+            <a:lstStyle/>
+            <a:p>
+              <a:pPr algn="ctr"/>
+              <a:endParaRPr kumimoji="1" lang="ja-JP" altLang="en-US" dirty="0"/>
+            </a:p>
+          </p:txBody>
+        </p:sp>
+        <p:sp>
+          <p:nvSpPr>
+            <p:cNvPr id="9" name="テキスト ボックス 8">
+              <a:extLst>
+                <a:ext uri="{FF2B5EF4-FFF2-40B4-BE49-F238E27FC236}">
+                  <a16:creationId xmlns:a16="http://schemas.microsoft.com/office/drawing/2014/main" id="{A357B393-A2AC-48B2-A1E5-F7F6B1A01DA8}"/>
+                </a:ext>
+              </a:extLst>
+            </p:cNvPr>
+            <p:cNvSpPr txBox="1"/>
+            <p:nvPr/>
+          </p:nvSpPr>
+          <p:spPr>
+            <a:xfrm>
+              <a:off x="875286" y="3507718"/>
+              <a:ext cx="1464657" cy="340222"/>
+            </a:xfrm>
+            <a:prstGeom prst="rect">
+              <a:avLst/>
+            </a:prstGeom>
+            <a:noFill/>
+          </p:spPr>
+          <p:txBody>
+            <a:bodyPr wrap="square" rtlCol="0">
+              <a:spAutoFit/>
+            </a:bodyPr>
+            <a:lstStyle/>
+            <a:p>
+              <a:pPr algn="ctr"/>
+              <a:r>
+                <a:rPr kumimoji="1" lang="ja-JP" altLang="en-US" dirty="0"/>
+                <a:t>マイコン</a:t>
+              </a:r>
+              <a:r>
+                <a:rPr kumimoji="1" lang="en-US" altLang="ja-JP" dirty="0"/>
+                <a:t>2</a:t>
+              </a:r>
+              <a:r>
+                <a:rPr kumimoji="1" lang="ja-JP" altLang="en-US" dirty="0"/>
+                <a:t>機</a:t>
+              </a:r>
+            </a:p>
+          </p:txBody>
+        </p:sp>
+      </p:grpSp>
+      <p:grpSp>
+        <p:nvGrpSpPr>
+          <p:cNvPr id="15" name="グループ化 14">
+            <a:extLst>
+              <a:ext uri="{FF2B5EF4-FFF2-40B4-BE49-F238E27FC236}">
+                <a16:creationId xmlns:a16="http://schemas.microsoft.com/office/drawing/2014/main" id="{F84B0383-8597-46CA-80DC-7D66B5AC0F79}"/>
+              </a:ext>
+            </a:extLst>
+          </p:cNvPr>
+          <p:cNvGrpSpPr/>
+          <p:nvPr/>
+        </p:nvGrpSpPr>
+        <p:grpSpPr>
+          <a:xfrm>
+            <a:off x="5203182" y="2423201"/>
+            <a:ext cx="1726296" cy="497659"/>
+            <a:chOff x="9019924" y="2245176"/>
+            <a:chExt cx="1726296" cy="497659"/>
+          </a:xfrm>
+        </p:grpSpPr>
+        <p:sp>
+          <p:nvSpPr>
+            <p:cNvPr id="14" name="吹き出し: 四角形 13">
+              <a:extLst>
+                <a:ext uri="{FF2B5EF4-FFF2-40B4-BE49-F238E27FC236}">
+                  <a16:creationId xmlns:a16="http://schemas.microsoft.com/office/drawing/2014/main" id="{A0C1D4CF-6EEB-4299-A707-A5B974C95324}"/>
+                </a:ext>
+              </a:extLst>
+            </p:cNvPr>
+            <p:cNvSpPr/>
+            <p:nvPr/>
+          </p:nvSpPr>
+          <p:spPr>
+            <a:xfrm>
+              <a:off x="9019924" y="2245176"/>
+              <a:ext cx="1726296" cy="497659"/>
+            </a:xfrm>
+            <a:prstGeom prst="wedgeRectCallout">
+              <a:avLst>
+                <a:gd name="adj1" fmla="val 39717"/>
+                <a:gd name="adj2" fmla="val 92351"/>
+              </a:avLst>
+            </a:prstGeom>
+            <a:ln/>
+          </p:spPr>
+          <p:style>
+            <a:lnRef idx="2">
+              <a:schemeClr val="dk1"/>
+            </a:lnRef>
+            <a:fillRef idx="1">
+              <a:schemeClr val="lt1"/>
+            </a:fillRef>
+            <a:effectRef idx="0">
+              <a:schemeClr val="dk1"/>
+            </a:effectRef>
+            <a:fontRef idx="minor">
+              <a:schemeClr val="dk1"/>
+            </a:fontRef>
+          </p:style>
+          <p:txBody>
+            <a:bodyPr rtlCol="0" anchor="ctr"/>
+            <a:lstStyle/>
+            <a:p>
+              <a:pPr algn="ctr"/>
+              <a:endParaRPr kumimoji="1" lang="ja-JP" altLang="en-US" dirty="0"/>
+            </a:p>
+          </p:txBody>
+        </p:sp>
+        <p:sp>
+          <p:nvSpPr>
+            <p:cNvPr id="12" name="テキスト ボックス 11">
+              <a:extLst>
+                <a:ext uri="{FF2B5EF4-FFF2-40B4-BE49-F238E27FC236}">
+                  <a16:creationId xmlns:a16="http://schemas.microsoft.com/office/drawing/2014/main" id="{2A8D8CE4-A9F4-4811-8FCD-0C5268A70574}"/>
+                </a:ext>
+              </a:extLst>
+            </p:cNvPr>
+            <p:cNvSpPr txBox="1"/>
+            <p:nvPr/>
+          </p:nvSpPr>
+          <p:spPr>
+            <a:xfrm>
+              <a:off x="9104890" y="2309339"/>
+              <a:ext cx="1556363" cy="369332"/>
+            </a:xfrm>
+            <a:prstGeom prst="rect">
+              <a:avLst/>
+            </a:prstGeom>
+            <a:noFill/>
+          </p:spPr>
+          <p:txBody>
+            <a:bodyPr wrap="square" rtlCol="0">
+              <a:spAutoFit/>
+            </a:bodyPr>
+            <a:lstStyle/>
+            <a:p>
+              <a:pPr algn="ctr"/>
+              <a:r>
+                <a:rPr lang="ja-JP" altLang="en-US" dirty="0"/>
+                <a:t>プリント基板</a:t>
+              </a:r>
+              <a:endParaRPr kumimoji="1" lang="ja-JP" altLang="en-US" dirty="0"/>
+            </a:p>
+          </p:txBody>
+        </p:sp>
+      </p:grpSp>
+    </p:spTree>
+    <p:extLst>
+      <p:ext uri="{BB962C8B-B14F-4D97-AF65-F5344CB8AC3E}">
+        <p14:creationId xmlns:p14="http://schemas.microsoft.com/office/powerpoint/2010/main" val="1294656661"/>
+      </p:ext>
+    </p:extLst>
+  </p:cSld>
+  <p:clrMapOvr>
+    <a:masterClrMapping/>
+  </p:clrMapOvr>
+</p:sld>
+</file>
+
+<file path=ppt/slides/slide5.xml><?xml version="1.0" encoding="utf-8"?>
+<p:sld xmlns:a="http://schemas.openxmlformats.org/drawingml/2006/main" xmlns:r="http://schemas.openxmlformats.org/officeDocument/2006/relationships" xmlns:p="http://schemas.openxmlformats.org/presentationml/2006/main">
+  <p:cSld>
+    <p:spTree>
+      <p:nvGrpSpPr>
+        <p:cNvPr id="1" name=""/>
+        <p:cNvGrpSpPr/>
+        <p:nvPr/>
+      </p:nvGrpSpPr>
+      <p:grpSpPr>
+        <a:xfrm>
+          <a:off x="0" y="0"/>
+          <a:ext cx="0" cy="0"/>
+          <a:chOff x="0" y="0"/>
+          <a:chExt cx="0" cy="0"/>
+        </a:xfrm>
+      </p:grpSpPr>
+      <p:sp>
+        <p:nvSpPr>
+          <p:cNvPr id="4" name="スライド番号プレースホルダー 3">
+            <a:extLst>
+              <a:ext uri="{FF2B5EF4-FFF2-40B4-BE49-F238E27FC236}">
+                <a16:creationId xmlns:a16="http://schemas.microsoft.com/office/drawing/2014/main" id="{C10D18B5-4435-4DF9-9DDA-9F0A4CBC2D7F}"/>
+              </a:ext>
+            </a:extLst>
+          </p:cNvPr>
+          <p:cNvSpPr>
+            <a:spLocks noGrp="1"/>
+          </p:cNvSpPr>
+          <p:nvPr>
+            <p:ph type="sldNum" sz="quarter" idx="12"/>
+          </p:nvPr>
+        </p:nvSpPr>
+        <p:spPr/>
+        <p:txBody>
+          <a:bodyPr/>
+          <a:lstStyle/>
+          <a:p>
+            <a:fld id="{92084505-5355-43A2-B929-FD06D0DABC31}" type="slidenum">
+              <a:rPr lang="ja-JP" altLang="en-US" smtClean="0"/>
+              <a:pPr/>
+              <a:t>5</a:t>
+            </a:fld>
+            <a:endParaRPr lang="ja-JP" altLang="en-US" dirty="0"/>
+          </a:p>
+        </p:txBody>
+      </p:sp>
+      <p:pic>
+        <p:nvPicPr>
+          <p:cNvPr id="6" name="図 5" descr="屋内, 座る, テーブル, 小さい が含まれている画像&#10;&#10;自動的に生成された説明">
+            <a:extLst>
+              <a:ext uri="{FF2B5EF4-FFF2-40B4-BE49-F238E27FC236}">
+                <a16:creationId xmlns:a16="http://schemas.microsoft.com/office/drawing/2014/main" id="{6B451DA9-083C-4702-A02A-BA96B5D186F9}"/>
+              </a:ext>
+            </a:extLst>
+          </p:cNvPr>
+          <p:cNvPicPr>
+            <a:picLocks noChangeAspect="1"/>
+          </p:cNvPicPr>
+          <p:nvPr/>
+        </p:nvPicPr>
+        <p:blipFill>
+          <a:blip r:embed="rId2">
+            <a:extLst>
+              <a:ext uri="{28A0092B-C50C-407E-A947-70E740481C1C}">
+                <a14:useLocalDpi xmlns:a14="http://schemas.microsoft.com/office/drawing/2010/main" val="0"/>
+              </a:ext>
+            </a:extLst>
+          </a:blip>
+          <a:stretch>
+            <a:fillRect/>
+          </a:stretch>
+        </p:blipFill>
+        <p:spPr>
+          <a:xfrm>
+            <a:off x="3071261" y="336883"/>
+            <a:ext cx="5616341" cy="5616341"/>
+          </a:xfrm>
+          <a:prstGeom prst="rect">
+            <a:avLst/>
+          </a:prstGeom>
+        </p:spPr>
+      </p:pic>
+      <p:grpSp>
+        <p:nvGrpSpPr>
+          <p:cNvPr id="9" name="グループ化 8">
+            <a:extLst>
+              <a:ext uri="{FF2B5EF4-FFF2-40B4-BE49-F238E27FC236}">
+                <a16:creationId xmlns:a16="http://schemas.microsoft.com/office/drawing/2014/main" id="{D3BE6BD9-B3E6-4180-BA8D-D019B355BFA3}"/>
+              </a:ext>
+            </a:extLst>
+          </p:cNvPr>
+          <p:cNvGrpSpPr/>
+          <p:nvPr/>
+        </p:nvGrpSpPr>
+        <p:grpSpPr>
+          <a:xfrm>
+            <a:off x="5696792" y="3212538"/>
+            <a:ext cx="2233401" cy="821341"/>
+            <a:chOff x="5648240" y="3066881"/>
+            <a:chExt cx="2233401" cy="821341"/>
+          </a:xfrm>
+        </p:grpSpPr>
+        <p:sp>
+          <p:nvSpPr>
+            <p:cNvPr id="7" name="吹き出し: 四角形 6">
+              <a:extLst>
+                <a:ext uri="{FF2B5EF4-FFF2-40B4-BE49-F238E27FC236}">
+                  <a16:creationId xmlns:a16="http://schemas.microsoft.com/office/drawing/2014/main" id="{57F03B5F-00EE-4EC7-BC07-947FCE43CB6F}"/>
+                </a:ext>
+              </a:extLst>
+            </p:cNvPr>
+            <p:cNvSpPr/>
+            <p:nvPr/>
+          </p:nvSpPr>
+          <p:spPr>
+            <a:xfrm>
+              <a:off x="5648240" y="3066881"/>
+              <a:ext cx="2233401" cy="821341"/>
+            </a:xfrm>
+            <a:prstGeom prst="wedgeRectCallout">
+              <a:avLst>
+                <a:gd name="adj1" fmla="val 39717"/>
+                <a:gd name="adj2" fmla="val 92351"/>
+              </a:avLst>
+            </a:prstGeom>
+            <a:ln/>
+          </p:spPr>
+          <p:style>
+            <a:lnRef idx="2">
+              <a:schemeClr val="dk1"/>
+            </a:lnRef>
+            <a:fillRef idx="1">
+              <a:schemeClr val="lt1"/>
+            </a:fillRef>
+            <a:effectRef idx="0">
+              <a:schemeClr val="dk1"/>
+            </a:effectRef>
+            <a:fontRef idx="minor">
+              <a:schemeClr val="dk1"/>
+            </a:fontRef>
+          </p:style>
+          <p:txBody>
+            <a:bodyPr rtlCol="0" anchor="ctr"/>
+            <a:lstStyle/>
+            <a:p>
+              <a:pPr algn="ctr"/>
+              <a:endParaRPr kumimoji="1" lang="ja-JP" altLang="en-US"/>
+            </a:p>
+          </p:txBody>
+        </p:sp>
+        <p:sp>
+          <p:nvSpPr>
+            <p:cNvPr id="8" name="テキスト ボックス 7">
+              <a:extLst>
+                <a:ext uri="{FF2B5EF4-FFF2-40B4-BE49-F238E27FC236}">
+                  <a16:creationId xmlns:a16="http://schemas.microsoft.com/office/drawing/2014/main" id="{7658DB2D-01AB-4352-9065-9F6303B5868F}"/>
+                </a:ext>
+              </a:extLst>
+            </p:cNvPr>
+            <p:cNvSpPr txBox="1"/>
+            <p:nvPr/>
+          </p:nvSpPr>
+          <p:spPr>
+            <a:xfrm>
+              <a:off x="5753435" y="3154385"/>
+              <a:ext cx="2023009" cy="646331"/>
+            </a:xfrm>
+            <a:prstGeom prst="rect">
+              <a:avLst/>
+            </a:prstGeom>
+            <a:noFill/>
+          </p:spPr>
+          <p:txBody>
+            <a:bodyPr wrap="square" rtlCol="0">
+              <a:spAutoFit/>
+            </a:bodyPr>
+            <a:lstStyle/>
+            <a:p>
+              <a:pPr algn="ctr"/>
+              <a:r>
+                <a:rPr kumimoji="1" lang="ja-JP" altLang="en-US" dirty="0"/>
+                <a:t>センサを挟んだ</a:t>
+              </a:r>
+              <a:endParaRPr kumimoji="1" lang="en-US" altLang="ja-JP" dirty="0"/>
+            </a:p>
+            <a:p>
+              <a:r>
+                <a:rPr kumimoji="1" lang="ja-JP" altLang="en-US" dirty="0"/>
+                <a:t>ウレタンスポンジ</a:t>
+              </a:r>
+            </a:p>
+          </p:txBody>
+        </p:sp>
+      </p:grpSp>
+    </p:spTree>
+    <p:extLst>
+      <p:ext uri="{BB962C8B-B14F-4D97-AF65-F5344CB8AC3E}">
+        <p14:creationId xmlns:p14="http://schemas.microsoft.com/office/powerpoint/2010/main" val="235643084"/>
       </p:ext>
     </p:extLst>
   </p:cSld>

--- a/ヘルメット/卒論/初稿/figure/source/fig_data.pptx
+++ b/ヘルメット/卒論/初稿/figure/source/fig_data.pptx
@@ -213,7 +213,7 @@
           <a:p>
             <a:fld id="{FE7EBC21-68F0-43CA-8DF5-D6844F9F3C2E}" type="datetimeFigureOut">
               <a:rPr kumimoji="1" lang="ja-JP" altLang="en-US" smtClean="0"/>
-              <a:t>2020/1/24</a:t>
+              <a:t>2020/1/27</a:t>
             </a:fld>
             <a:endParaRPr kumimoji="1" lang="ja-JP" altLang="en-US"/>
           </a:p>
@@ -733,7 +733,7 @@
           <a:p>
             <a:fld id="{28B1BEA1-2738-4C19-B133-02ABBF3E6E0C}" type="datetime1">
               <a:rPr kumimoji="1" lang="ja-JP" altLang="en-US" smtClean="0"/>
-              <a:t>2020/1/24</a:t>
+              <a:t>2020/1/27</a:t>
             </a:fld>
             <a:endParaRPr kumimoji="1" lang="ja-JP" altLang="en-US"/>
           </a:p>
@@ -1107,7 +1107,7 @@
           <a:p>
             <a:fld id="{321A0775-4641-4FD1-8F30-8577C8E45459}" type="datetime1">
               <a:rPr kumimoji="1" lang="ja-JP" altLang="en-US" smtClean="0"/>
-              <a:t>2020/1/24</a:t>
+              <a:t>2020/1/27</a:t>
             </a:fld>
             <a:endParaRPr kumimoji="1" lang="ja-JP" altLang="en-US"/>
           </a:p>
@@ -1317,7 +1317,7 @@
           <a:p>
             <a:fld id="{1A958096-B04A-44A1-BF3F-4EF7C63AEE7F}" type="datetime1">
               <a:rPr kumimoji="1" lang="ja-JP" altLang="en-US" smtClean="0"/>
-              <a:t>2020/1/24</a:t>
+              <a:t>2020/1/27</a:t>
             </a:fld>
             <a:endParaRPr kumimoji="1" lang="ja-JP" altLang="en-US"/>
           </a:p>
@@ -1517,7 +1517,7 @@
           <a:p>
             <a:fld id="{7E4BC299-9A2B-46B3-A868-72E6088D753F}" type="datetime1">
               <a:rPr kumimoji="1" lang="ja-JP" altLang="en-US" smtClean="0"/>
-              <a:t>2020/1/24</a:t>
+              <a:t>2020/1/27</a:t>
             </a:fld>
             <a:endParaRPr kumimoji="1" lang="ja-JP" altLang="en-US"/>
           </a:p>
@@ -1951,7 +1951,7 @@
           <a:p>
             <a:fld id="{5730D93F-C6A8-45DB-973B-2E9B74BB5747}" type="datetime1">
               <a:rPr kumimoji="1" lang="ja-JP" altLang="en-US" smtClean="0"/>
-              <a:t>2020/1/24</a:t>
+              <a:t>2020/1/27</a:t>
             </a:fld>
             <a:endParaRPr kumimoji="1" lang="ja-JP" altLang="en-US"/>
           </a:p>
@@ -2244,7 +2244,7 @@
           <a:p>
             <a:fld id="{8C8FBA03-08C5-445A-9675-5DD0E048D580}" type="datetime1">
               <a:rPr kumimoji="1" lang="ja-JP" altLang="en-US" smtClean="0"/>
-              <a:t>2020/1/24</a:t>
+              <a:t>2020/1/27</a:t>
             </a:fld>
             <a:endParaRPr kumimoji="1" lang="ja-JP" altLang="en-US"/>
           </a:p>
@@ -2672,7 +2672,7 @@
           <a:p>
             <a:fld id="{F22B3BE6-F63B-45DF-9657-6FEF2EDB1F30}" type="datetime1">
               <a:rPr kumimoji="1" lang="ja-JP" altLang="en-US" smtClean="0"/>
-              <a:t>2020/1/24</a:t>
+              <a:t>2020/1/27</a:t>
             </a:fld>
             <a:endParaRPr kumimoji="1" lang="ja-JP" altLang="en-US"/>
           </a:p>
@@ -2789,7 +2789,7 @@
           <a:p>
             <a:fld id="{C1D6E599-F080-45CC-8481-C833508C9D12}" type="datetime1">
               <a:rPr kumimoji="1" lang="ja-JP" altLang="en-US" smtClean="0"/>
-              <a:t>2020/1/24</a:t>
+              <a:t>2020/1/27</a:t>
             </a:fld>
             <a:endParaRPr kumimoji="1" lang="ja-JP" altLang="en-US"/>
           </a:p>
@@ -2884,7 +2884,7 @@
           <a:p>
             <a:fld id="{7D9B8A7E-64BC-4577-982E-7EC7218FD10F}" type="datetime1">
               <a:rPr kumimoji="1" lang="ja-JP" altLang="en-US" smtClean="0"/>
-              <a:t>2020/1/24</a:t>
+              <a:t>2020/1/27</a:t>
             </a:fld>
             <a:endParaRPr kumimoji="1" lang="ja-JP" altLang="en-US"/>
           </a:p>
@@ -3191,7 +3191,7 @@
           <a:p>
             <a:fld id="{8373066C-4ED1-4359-AD45-A7DE722C8BF8}" type="datetime1">
               <a:rPr kumimoji="1" lang="ja-JP" altLang="en-US" smtClean="0"/>
-              <a:t>2020/1/24</a:t>
+              <a:t>2020/1/27</a:t>
             </a:fld>
             <a:endParaRPr kumimoji="1" lang="ja-JP" altLang="en-US"/>
           </a:p>
@@ -3443,7 +3443,7 @@
           <a:p>
             <a:fld id="{BC0FD902-686B-4A0D-9EB1-37C4F06B03EF}" type="datetime1">
               <a:rPr kumimoji="1" lang="ja-JP" altLang="en-US" smtClean="0"/>
-              <a:t>2020/1/24</a:t>
+              <a:t>2020/1/27</a:t>
             </a:fld>
             <a:endParaRPr kumimoji="1" lang="ja-JP" altLang="en-US"/>
           </a:p>
@@ -3686,7 +3686,7 @@
           <a:p>
             <a:fld id="{E90FD2C9-6400-40CA-9626-E4ED2CBDBD1C}" type="datetime1">
               <a:rPr kumimoji="1" lang="ja-JP" altLang="en-US" smtClean="0"/>
-              <a:t>2020/1/24</a:t>
+              <a:t>2020/1/27</a:t>
             </a:fld>
             <a:endParaRPr kumimoji="1" lang="ja-JP" altLang="en-US"/>
           </a:p>
@@ -5230,3187 +5230,94 @@
           </a:p>
         </p:txBody>
       </p:sp>
-      <p:grpSp>
-        <p:nvGrpSpPr>
-          <p:cNvPr id="9" name="グループ化 8">
+      <p:sp>
+        <p:nvSpPr>
+          <p:cNvPr id="10" name="正方形/長方形 9">
             <a:extLst>
               <a:ext uri="{FF2B5EF4-FFF2-40B4-BE49-F238E27FC236}">
-                <a16:creationId xmlns:a16="http://schemas.microsoft.com/office/drawing/2014/main" id="{97DFE688-2C70-42EC-B830-CD1E47802A0E}"/>
+                <a16:creationId xmlns:a16="http://schemas.microsoft.com/office/drawing/2014/main" id="{DB936CDD-5BBD-4160-ABD9-4C90D48D73CC}"/>
               </a:ext>
             </a:extLst>
           </p:cNvPr>
-          <p:cNvGrpSpPr/>
+          <p:cNvSpPr/>
           <p:nvPr/>
-        </p:nvGrpSpPr>
-        <p:grpSpPr>
+        </p:nvSpPr>
+        <p:spPr>
           <a:xfrm>
-            <a:off x="4150792" y="679830"/>
-            <a:ext cx="3538229" cy="783772"/>
-            <a:chOff x="1446465" y="3112838"/>
-            <a:chExt cx="2487345" cy="783772"/>
-          </a:xfrm>
-        </p:grpSpPr>
-        <p:sp>
-          <p:nvSpPr>
-            <p:cNvPr id="7" name="楕円 6">
-              <a:extLst>
-                <a:ext uri="{FF2B5EF4-FFF2-40B4-BE49-F238E27FC236}">
-                  <a16:creationId xmlns:a16="http://schemas.microsoft.com/office/drawing/2014/main" id="{D4ECC1CF-71DB-4F92-A5F3-71594583D96D}"/>
-                </a:ext>
-              </a:extLst>
-            </p:cNvPr>
-            <p:cNvSpPr/>
-            <p:nvPr/>
-          </p:nvSpPr>
-          <p:spPr>
-            <a:xfrm>
-              <a:off x="1446467" y="3112838"/>
-              <a:ext cx="2487343" cy="783772"/>
-            </a:xfrm>
-            <a:prstGeom prst="ellipse">
-              <a:avLst/>
-            </a:prstGeom>
+            <a:off x="4148506" y="2088934"/>
+            <a:ext cx="3538228" cy="1320724"/>
+          </a:xfrm>
+          <a:prstGeom prst="rect">
+            <a:avLst/>
+          </a:prstGeom>
+          <a:noFill/>
+          <a:ln>
             <a:solidFill>
               <a:schemeClr val="tx1"/>
             </a:solidFill>
-            <a:ln>
-              <a:solidFill>
-                <a:schemeClr val="tx1"/>
-              </a:solidFill>
-            </a:ln>
-          </p:spPr>
-          <p:style>
-            <a:lnRef idx="2">
-              <a:schemeClr val="accent1">
-                <a:shade val="50000"/>
-              </a:schemeClr>
-            </a:lnRef>
-            <a:fillRef idx="1">
-              <a:schemeClr val="accent1"/>
-            </a:fillRef>
-            <a:effectRef idx="0">
-              <a:schemeClr val="accent1"/>
-            </a:effectRef>
-            <a:fontRef idx="minor">
-              <a:schemeClr val="lt1"/>
-            </a:fontRef>
-          </p:style>
-          <p:txBody>
-            <a:bodyPr rtlCol="0" anchor="ctr"/>
-            <a:lstStyle/>
-            <a:p>
-              <a:pPr algn="ctr"/>
-              <a:endParaRPr kumimoji="1" lang="ja-JP" altLang="en-US"/>
-            </a:p>
-          </p:txBody>
-        </p:sp>
-        <p:sp>
-          <p:nvSpPr>
-            <p:cNvPr id="8" name="テキスト ボックス 7">
-              <a:extLst>
-                <a:ext uri="{FF2B5EF4-FFF2-40B4-BE49-F238E27FC236}">
-                  <a16:creationId xmlns:a16="http://schemas.microsoft.com/office/drawing/2014/main" id="{37ABCC61-F588-4DBC-916A-CAE1C6ECCDDD}"/>
-                </a:ext>
-              </a:extLst>
-            </p:cNvPr>
-            <p:cNvSpPr txBox="1"/>
-            <p:nvPr/>
-          </p:nvSpPr>
-          <p:spPr>
-            <a:xfrm>
-              <a:off x="1446465" y="3320058"/>
-              <a:ext cx="2487345" cy="369332"/>
-            </a:xfrm>
-            <a:prstGeom prst="rect">
-              <a:avLst/>
-            </a:prstGeom>
-            <a:noFill/>
-          </p:spPr>
-          <p:txBody>
-            <a:bodyPr wrap="square" rtlCol="0">
-              <a:spAutoFit/>
-            </a:bodyPr>
-            <a:lstStyle/>
-            <a:p>
-              <a:pPr algn="ctr"/>
-              <a:r>
-                <a:rPr kumimoji="1" lang="ja-JP" altLang="en-US" dirty="0">
-                  <a:solidFill>
-                    <a:schemeClr val="bg1"/>
-                  </a:solidFill>
-                </a:rPr>
-                <a:t>プロトタイプデバイス</a:t>
-              </a:r>
-            </a:p>
-          </p:txBody>
-        </p:sp>
-      </p:grpSp>
-      <p:grpSp>
-        <p:nvGrpSpPr>
-          <p:cNvPr id="12" name="グループ化 11">
+          </a:ln>
+        </p:spPr>
+        <p:style>
+          <a:lnRef idx="2">
+            <a:schemeClr val="accent1">
+              <a:shade val="50000"/>
+            </a:schemeClr>
+          </a:lnRef>
+          <a:fillRef idx="1">
+            <a:schemeClr val="accent1"/>
+          </a:fillRef>
+          <a:effectRef idx="0">
+            <a:schemeClr val="accent1"/>
+          </a:effectRef>
+          <a:fontRef idx="minor">
+            <a:schemeClr val="lt1"/>
+          </a:fontRef>
+        </p:style>
+        <p:txBody>
+          <a:bodyPr rtlCol="0" anchor="ctr"/>
+          <a:lstStyle/>
+          <a:p>
+            <a:pPr algn="ctr"/>
+            <a:endParaRPr kumimoji="1" lang="ja-JP" altLang="en-US"/>
+          </a:p>
+        </p:txBody>
+      </p:sp>
+      <p:sp>
+        <p:nvSpPr>
+          <p:cNvPr id="11" name="テキスト ボックス 10">
             <a:extLst>
               <a:ext uri="{FF2B5EF4-FFF2-40B4-BE49-F238E27FC236}">
-                <a16:creationId xmlns:a16="http://schemas.microsoft.com/office/drawing/2014/main" id="{213A6B59-B5E0-44B1-A500-64665CF1F677}"/>
+                <a16:creationId xmlns:a16="http://schemas.microsoft.com/office/drawing/2014/main" id="{57C36E71-56A5-4B01-B35F-3A3BB51175D8}"/>
               </a:ext>
             </a:extLst>
           </p:cNvPr>
-          <p:cNvGrpSpPr/>
+          <p:cNvSpPr txBox="1"/>
           <p:nvPr/>
-        </p:nvGrpSpPr>
-        <p:grpSpPr>
+        </p:nvSpPr>
+        <p:spPr>
           <a:xfrm>
-            <a:off x="4150793" y="2120006"/>
-            <a:ext cx="3538228" cy="588696"/>
-            <a:chOff x="4725750" y="2840304"/>
-            <a:chExt cx="1974456" cy="588696"/>
-          </a:xfrm>
-        </p:grpSpPr>
-        <p:sp>
-          <p:nvSpPr>
-            <p:cNvPr id="10" name="正方形/長方形 9">
-              <a:extLst>
-                <a:ext uri="{FF2B5EF4-FFF2-40B4-BE49-F238E27FC236}">
-                  <a16:creationId xmlns:a16="http://schemas.microsoft.com/office/drawing/2014/main" id="{DB936CDD-5BBD-4160-ABD9-4C90D48D73CC}"/>
-                </a:ext>
-              </a:extLst>
-            </p:cNvPr>
-            <p:cNvSpPr/>
-            <p:nvPr/>
-          </p:nvSpPr>
-          <p:spPr>
-            <a:xfrm>
-              <a:off x="4725750" y="2840304"/>
-              <a:ext cx="1974456" cy="588696"/>
-            </a:xfrm>
-            <a:prstGeom prst="rect">
-              <a:avLst/>
-            </a:prstGeom>
-            <a:noFill/>
-            <a:ln>
-              <a:solidFill>
-                <a:schemeClr val="tx1"/>
-              </a:solidFill>
-            </a:ln>
-          </p:spPr>
-          <p:style>
-            <a:lnRef idx="2">
-              <a:schemeClr val="accent1">
-                <a:shade val="50000"/>
-              </a:schemeClr>
-            </a:lnRef>
-            <a:fillRef idx="1">
-              <a:schemeClr val="accent1"/>
-            </a:fillRef>
-            <a:effectRef idx="0">
-              <a:schemeClr val="accent1"/>
-            </a:effectRef>
-            <a:fontRef idx="minor">
-              <a:schemeClr val="lt1"/>
-            </a:fontRef>
-          </p:style>
-          <p:txBody>
-            <a:bodyPr rtlCol="0" anchor="ctr"/>
-            <a:lstStyle/>
-            <a:p>
-              <a:pPr algn="ctr"/>
-              <a:endParaRPr kumimoji="1" lang="ja-JP" altLang="en-US"/>
-            </a:p>
-          </p:txBody>
-        </p:sp>
-        <p:sp>
-          <p:nvSpPr>
-            <p:cNvPr id="11" name="テキスト ボックス 10">
-              <a:extLst>
-                <a:ext uri="{FF2B5EF4-FFF2-40B4-BE49-F238E27FC236}">
-                  <a16:creationId xmlns:a16="http://schemas.microsoft.com/office/drawing/2014/main" id="{57C36E71-56A5-4B01-B35F-3A3BB51175D8}"/>
-                </a:ext>
-              </a:extLst>
-            </p:cNvPr>
-            <p:cNvSpPr txBox="1"/>
-            <p:nvPr/>
-          </p:nvSpPr>
-          <p:spPr>
-            <a:xfrm>
-              <a:off x="4919958" y="2949986"/>
-              <a:ext cx="1586039" cy="369332"/>
-            </a:xfrm>
-            <a:prstGeom prst="rect">
-              <a:avLst/>
-            </a:prstGeom>
-            <a:noFill/>
-          </p:spPr>
-          <p:txBody>
-            <a:bodyPr wrap="square" rtlCol="0">
-              <a:spAutoFit/>
-            </a:bodyPr>
-            <a:lstStyle/>
-            <a:p>
-              <a:pPr algn="ctr"/>
-              <a:r>
-                <a:rPr kumimoji="1" lang="ja-JP" altLang="en-US" dirty="0"/>
-                <a:t>プリント基板</a:t>
-              </a:r>
-            </a:p>
-          </p:txBody>
-        </p:sp>
-      </p:grpSp>
-      <p:grpSp>
-        <p:nvGrpSpPr>
-          <p:cNvPr id="19" name="グループ化 18">
-            <a:extLst>
-              <a:ext uri="{FF2B5EF4-FFF2-40B4-BE49-F238E27FC236}">
-                <a16:creationId xmlns:a16="http://schemas.microsoft.com/office/drawing/2014/main" id="{D9171E12-5B1A-4304-86CE-1C08B7D35F64}"/>
-              </a:ext>
-            </a:extLst>
-          </p:cNvPr>
-          <p:cNvGrpSpPr/>
-          <p:nvPr/>
-        </p:nvGrpSpPr>
-        <p:grpSpPr>
-          <a:xfrm>
-            <a:off x="4153080" y="3363532"/>
-            <a:ext cx="1632565" cy="588696"/>
-            <a:chOff x="4191674" y="3936775"/>
-            <a:chExt cx="1104097" cy="588696"/>
-          </a:xfrm>
-        </p:grpSpPr>
-        <p:sp>
-          <p:nvSpPr>
-            <p:cNvPr id="14" name="正方形/長方形 13">
-              <a:extLst>
-                <a:ext uri="{FF2B5EF4-FFF2-40B4-BE49-F238E27FC236}">
-                  <a16:creationId xmlns:a16="http://schemas.microsoft.com/office/drawing/2014/main" id="{FB7087BF-D541-485F-A9A1-EA3D8B91FD8A}"/>
-                </a:ext>
-              </a:extLst>
-            </p:cNvPr>
-            <p:cNvSpPr/>
-            <p:nvPr/>
-          </p:nvSpPr>
-          <p:spPr>
-            <a:xfrm>
-              <a:off x="4191674" y="3936775"/>
-              <a:ext cx="1104097" cy="588696"/>
-            </a:xfrm>
-            <a:prstGeom prst="rect">
-              <a:avLst/>
-            </a:prstGeom>
-            <a:noFill/>
-            <a:ln>
-              <a:solidFill>
-                <a:schemeClr val="tx1"/>
-              </a:solidFill>
-            </a:ln>
-          </p:spPr>
-          <p:style>
-            <a:lnRef idx="2">
-              <a:schemeClr val="accent1">
-                <a:shade val="50000"/>
-              </a:schemeClr>
-            </a:lnRef>
-            <a:fillRef idx="1">
-              <a:schemeClr val="accent1"/>
-            </a:fillRef>
-            <a:effectRef idx="0">
-              <a:schemeClr val="accent1"/>
-            </a:effectRef>
-            <a:fontRef idx="minor">
-              <a:schemeClr val="lt1"/>
-            </a:fontRef>
-          </p:style>
-          <p:txBody>
-            <a:bodyPr rtlCol="0" anchor="ctr"/>
-            <a:lstStyle/>
-            <a:p>
-              <a:pPr algn="ctr"/>
-              <a:endParaRPr kumimoji="1" lang="ja-JP" altLang="en-US"/>
-            </a:p>
-          </p:txBody>
-        </p:sp>
-        <p:sp>
-          <p:nvSpPr>
-            <p:cNvPr id="15" name="テキスト ボックス 14">
-              <a:extLst>
-                <a:ext uri="{FF2B5EF4-FFF2-40B4-BE49-F238E27FC236}">
-                  <a16:creationId xmlns:a16="http://schemas.microsoft.com/office/drawing/2014/main" id="{BED16EF8-D75D-43AE-AFA8-E707A692DD6A}"/>
-                </a:ext>
-              </a:extLst>
-            </p:cNvPr>
-            <p:cNvSpPr txBox="1"/>
-            <p:nvPr/>
-          </p:nvSpPr>
-          <p:spPr>
-            <a:xfrm>
-              <a:off x="4191674" y="4046457"/>
-              <a:ext cx="1104097" cy="369332"/>
-            </a:xfrm>
-            <a:prstGeom prst="rect">
-              <a:avLst/>
-            </a:prstGeom>
-            <a:noFill/>
-          </p:spPr>
-          <p:txBody>
-            <a:bodyPr wrap="square" rtlCol="0">
-              <a:spAutoFit/>
-            </a:bodyPr>
-            <a:lstStyle/>
-            <a:p>
-              <a:pPr algn="ctr"/>
-              <a:r>
-                <a:rPr lang="ja-JP" altLang="en-US" dirty="0"/>
-                <a:t>マイコン</a:t>
-              </a:r>
-              <a:endParaRPr kumimoji="1" lang="ja-JP" altLang="en-US" dirty="0"/>
-            </a:p>
-          </p:txBody>
-        </p:sp>
-      </p:grpSp>
-      <p:grpSp>
-        <p:nvGrpSpPr>
-          <p:cNvPr id="20" name="グループ化 19">
-            <a:extLst>
-              <a:ext uri="{FF2B5EF4-FFF2-40B4-BE49-F238E27FC236}">
-                <a16:creationId xmlns:a16="http://schemas.microsoft.com/office/drawing/2014/main" id="{68369B98-4021-409D-A81B-53037A1C0CCA}"/>
-              </a:ext>
-            </a:extLst>
-          </p:cNvPr>
-          <p:cNvGrpSpPr/>
-          <p:nvPr/>
-        </p:nvGrpSpPr>
-        <p:grpSpPr>
-          <a:xfrm>
-            <a:off x="6056457" y="3363532"/>
-            <a:ext cx="1632564" cy="588696"/>
-            <a:chOff x="4191674" y="3936775"/>
-            <a:chExt cx="1104097" cy="588696"/>
-          </a:xfrm>
-        </p:grpSpPr>
-        <p:sp>
-          <p:nvSpPr>
-            <p:cNvPr id="21" name="正方形/長方形 20">
-              <a:extLst>
-                <a:ext uri="{FF2B5EF4-FFF2-40B4-BE49-F238E27FC236}">
-                  <a16:creationId xmlns:a16="http://schemas.microsoft.com/office/drawing/2014/main" id="{46B7E46D-5219-4376-8FDE-69A43AACC5C9}"/>
-                </a:ext>
-              </a:extLst>
-            </p:cNvPr>
-            <p:cNvSpPr/>
-            <p:nvPr/>
-          </p:nvSpPr>
-          <p:spPr>
-            <a:xfrm>
-              <a:off x="4191674" y="3936775"/>
-              <a:ext cx="1104097" cy="588696"/>
-            </a:xfrm>
-            <a:prstGeom prst="rect">
-              <a:avLst/>
-            </a:prstGeom>
-            <a:noFill/>
-            <a:ln>
-              <a:solidFill>
-                <a:schemeClr val="tx1"/>
-              </a:solidFill>
-            </a:ln>
-          </p:spPr>
-          <p:style>
-            <a:lnRef idx="2">
-              <a:schemeClr val="accent1">
-                <a:shade val="50000"/>
-              </a:schemeClr>
-            </a:lnRef>
-            <a:fillRef idx="1">
-              <a:schemeClr val="accent1"/>
-            </a:fillRef>
-            <a:effectRef idx="0">
-              <a:schemeClr val="accent1"/>
-            </a:effectRef>
-            <a:fontRef idx="minor">
-              <a:schemeClr val="lt1"/>
-            </a:fontRef>
-          </p:style>
-          <p:txBody>
-            <a:bodyPr rtlCol="0" anchor="ctr"/>
-            <a:lstStyle/>
-            <a:p>
-              <a:pPr algn="ctr"/>
-              <a:endParaRPr kumimoji="1" lang="ja-JP" altLang="en-US"/>
-            </a:p>
-          </p:txBody>
-        </p:sp>
-        <p:sp>
-          <p:nvSpPr>
-            <p:cNvPr id="22" name="テキスト ボックス 21">
-              <a:extLst>
-                <a:ext uri="{FF2B5EF4-FFF2-40B4-BE49-F238E27FC236}">
-                  <a16:creationId xmlns:a16="http://schemas.microsoft.com/office/drawing/2014/main" id="{8BAC3426-B195-4442-A030-98F480CB7FB0}"/>
-                </a:ext>
-              </a:extLst>
-            </p:cNvPr>
-            <p:cNvSpPr txBox="1"/>
-            <p:nvPr/>
-          </p:nvSpPr>
-          <p:spPr>
-            <a:xfrm>
-              <a:off x="4191674" y="4046457"/>
-              <a:ext cx="1104097" cy="369332"/>
-            </a:xfrm>
-            <a:prstGeom prst="rect">
-              <a:avLst/>
-            </a:prstGeom>
-            <a:noFill/>
-          </p:spPr>
-          <p:txBody>
-            <a:bodyPr wrap="square" rtlCol="0">
-              <a:spAutoFit/>
-            </a:bodyPr>
-            <a:lstStyle/>
-            <a:p>
-              <a:pPr algn="ctr"/>
-              <a:r>
-                <a:rPr lang="ja-JP" altLang="en-US" dirty="0"/>
-                <a:t>マイコン</a:t>
-              </a:r>
-              <a:endParaRPr kumimoji="1" lang="ja-JP" altLang="en-US" dirty="0"/>
-            </a:p>
-          </p:txBody>
-        </p:sp>
-      </p:grpSp>
-      <p:grpSp>
-        <p:nvGrpSpPr>
-          <p:cNvPr id="88" name="グループ化 87">
-            <a:extLst>
-              <a:ext uri="{FF2B5EF4-FFF2-40B4-BE49-F238E27FC236}">
-                <a16:creationId xmlns:a16="http://schemas.microsoft.com/office/drawing/2014/main" id="{CB46D980-071E-4FA9-9037-DDF7CFAD08E6}"/>
-              </a:ext>
-            </a:extLst>
-          </p:cNvPr>
-          <p:cNvGrpSpPr/>
-          <p:nvPr/>
-        </p:nvGrpSpPr>
-        <p:grpSpPr>
-          <a:xfrm>
-            <a:off x="4532546" y="1302214"/>
-            <a:ext cx="2774719" cy="817792"/>
-            <a:chOff x="2988000" y="1952002"/>
-            <a:chExt cx="3348000" cy="817792"/>
-          </a:xfrm>
-        </p:grpSpPr>
-        <p:cxnSp>
-          <p:nvCxnSpPr>
-            <p:cNvPr id="24" name="直線コネクタ 23">
-              <a:extLst>
-                <a:ext uri="{FF2B5EF4-FFF2-40B4-BE49-F238E27FC236}">
-                  <a16:creationId xmlns:a16="http://schemas.microsoft.com/office/drawing/2014/main" id="{8E418827-D7FF-430D-AD5A-7D043D3FDA67}"/>
-                </a:ext>
-              </a:extLst>
-            </p:cNvPr>
-            <p:cNvCxnSpPr/>
-            <p:nvPr/>
-          </p:nvCxnSpPr>
-          <p:spPr>
-            <a:xfrm>
-              <a:off x="2988000" y="1952002"/>
-              <a:ext cx="0" cy="817792"/>
-            </a:xfrm>
-            <a:prstGeom prst="line">
-              <a:avLst/>
-            </a:prstGeom>
-            <a:ln>
-              <a:solidFill>
-                <a:schemeClr val="tx1"/>
-              </a:solidFill>
-            </a:ln>
-          </p:spPr>
-          <p:style>
-            <a:lnRef idx="1">
-              <a:schemeClr val="accent1"/>
-            </a:lnRef>
-            <a:fillRef idx="0">
-              <a:schemeClr val="accent1"/>
-            </a:fillRef>
-            <a:effectRef idx="0">
-              <a:schemeClr val="accent1"/>
-            </a:effectRef>
-            <a:fontRef idx="minor">
-              <a:schemeClr val="tx1"/>
-            </a:fontRef>
-          </p:style>
-        </p:cxnSp>
-        <p:cxnSp>
-          <p:nvCxnSpPr>
-            <p:cNvPr id="25" name="直線コネクタ 24">
-              <a:extLst>
-                <a:ext uri="{FF2B5EF4-FFF2-40B4-BE49-F238E27FC236}">
-                  <a16:creationId xmlns:a16="http://schemas.microsoft.com/office/drawing/2014/main" id="{AC93BAE0-5530-4E99-8334-00F3CA52CC53}"/>
-                </a:ext>
-              </a:extLst>
-            </p:cNvPr>
-            <p:cNvCxnSpPr>
-              <a:cxnSpLocks/>
-            </p:cNvCxnSpPr>
-            <p:nvPr/>
-          </p:nvCxnSpPr>
-          <p:spPr>
-            <a:xfrm>
-              <a:off x="3096000" y="1984289"/>
-              <a:ext cx="0" cy="785505"/>
-            </a:xfrm>
-            <a:prstGeom prst="line">
-              <a:avLst/>
-            </a:prstGeom>
-            <a:ln>
-              <a:solidFill>
-                <a:schemeClr val="tx1"/>
-              </a:solidFill>
-            </a:ln>
-          </p:spPr>
-          <p:style>
-            <a:lnRef idx="1">
-              <a:schemeClr val="accent1"/>
-            </a:lnRef>
-            <a:fillRef idx="0">
-              <a:schemeClr val="accent1"/>
-            </a:fillRef>
-            <a:effectRef idx="0">
-              <a:schemeClr val="accent1"/>
-            </a:effectRef>
-            <a:fontRef idx="minor">
-              <a:schemeClr val="tx1"/>
-            </a:fontRef>
-          </p:style>
-        </p:cxnSp>
-        <p:cxnSp>
-          <p:nvCxnSpPr>
-            <p:cNvPr id="26" name="直線コネクタ 25">
-              <a:extLst>
-                <a:ext uri="{FF2B5EF4-FFF2-40B4-BE49-F238E27FC236}">
-                  <a16:creationId xmlns:a16="http://schemas.microsoft.com/office/drawing/2014/main" id="{CDC6695D-711D-4148-ABF6-278AF2934F94}"/>
-                </a:ext>
-              </a:extLst>
-            </p:cNvPr>
-            <p:cNvCxnSpPr>
-              <a:cxnSpLocks/>
-            </p:cNvCxnSpPr>
-            <p:nvPr/>
-          </p:nvCxnSpPr>
-          <p:spPr>
-            <a:xfrm>
-              <a:off x="3204000" y="1998156"/>
-              <a:ext cx="0" cy="771638"/>
-            </a:xfrm>
-            <a:prstGeom prst="line">
-              <a:avLst/>
-            </a:prstGeom>
-            <a:ln>
-              <a:solidFill>
-                <a:schemeClr val="tx1"/>
-              </a:solidFill>
-            </a:ln>
-          </p:spPr>
-          <p:style>
-            <a:lnRef idx="1">
-              <a:schemeClr val="accent1"/>
-            </a:lnRef>
-            <a:fillRef idx="0">
-              <a:schemeClr val="accent1"/>
-            </a:fillRef>
-            <a:effectRef idx="0">
-              <a:schemeClr val="accent1"/>
-            </a:effectRef>
-            <a:fontRef idx="minor">
-              <a:schemeClr val="tx1"/>
-            </a:fontRef>
-          </p:style>
-        </p:cxnSp>
-        <p:cxnSp>
-          <p:nvCxnSpPr>
-            <p:cNvPr id="27" name="直線コネクタ 26">
-              <a:extLst>
-                <a:ext uri="{FF2B5EF4-FFF2-40B4-BE49-F238E27FC236}">
-                  <a16:creationId xmlns:a16="http://schemas.microsoft.com/office/drawing/2014/main" id="{D06F21EA-E3CC-4E0B-A85D-82577148BEB0}"/>
-                </a:ext>
-              </a:extLst>
-            </p:cNvPr>
-            <p:cNvCxnSpPr>
-              <a:cxnSpLocks/>
-            </p:cNvCxnSpPr>
-            <p:nvPr/>
-          </p:nvCxnSpPr>
-          <p:spPr>
-            <a:xfrm>
-              <a:off x="3312000" y="1992269"/>
-              <a:ext cx="1" cy="777525"/>
-            </a:xfrm>
-            <a:prstGeom prst="line">
-              <a:avLst/>
-            </a:prstGeom>
-            <a:ln>
-              <a:solidFill>
-                <a:schemeClr val="tx1"/>
-              </a:solidFill>
-            </a:ln>
-          </p:spPr>
-          <p:style>
-            <a:lnRef idx="1">
-              <a:schemeClr val="accent1"/>
-            </a:lnRef>
-            <a:fillRef idx="0">
-              <a:schemeClr val="accent1"/>
-            </a:fillRef>
-            <a:effectRef idx="0">
-              <a:schemeClr val="accent1"/>
-            </a:effectRef>
-            <a:fontRef idx="minor">
-              <a:schemeClr val="tx1"/>
-            </a:fontRef>
-          </p:style>
-        </p:cxnSp>
-        <p:cxnSp>
-          <p:nvCxnSpPr>
-            <p:cNvPr id="28" name="直線コネクタ 27">
-              <a:extLst>
-                <a:ext uri="{FF2B5EF4-FFF2-40B4-BE49-F238E27FC236}">
-                  <a16:creationId xmlns:a16="http://schemas.microsoft.com/office/drawing/2014/main" id="{88C13727-A5F1-4801-9D62-A75660BBD798}"/>
-                </a:ext>
-              </a:extLst>
-            </p:cNvPr>
-            <p:cNvCxnSpPr>
-              <a:cxnSpLocks/>
-            </p:cNvCxnSpPr>
-            <p:nvPr/>
-          </p:nvCxnSpPr>
-          <p:spPr>
-            <a:xfrm>
-              <a:off x="3420000" y="1984289"/>
-              <a:ext cx="0" cy="785505"/>
-            </a:xfrm>
-            <a:prstGeom prst="line">
-              <a:avLst/>
-            </a:prstGeom>
-            <a:ln>
-              <a:solidFill>
-                <a:schemeClr val="tx1"/>
-              </a:solidFill>
-            </a:ln>
-          </p:spPr>
-          <p:style>
-            <a:lnRef idx="1">
-              <a:schemeClr val="accent1"/>
-            </a:lnRef>
-            <a:fillRef idx="0">
-              <a:schemeClr val="accent1"/>
-            </a:fillRef>
-            <a:effectRef idx="0">
-              <a:schemeClr val="accent1"/>
-            </a:effectRef>
-            <a:fontRef idx="minor">
-              <a:schemeClr val="tx1"/>
-            </a:fontRef>
-          </p:style>
-        </p:cxnSp>
-        <p:cxnSp>
-          <p:nvCxnSpPr>
-            <p:cNvPr id="29" name="直線コネクタ 28">
-              <a:extLst>
-                <a:ext uri="{FF2B5EF4-FFF2-40B4-BE49-F238E27FC236}">
-                  <a16:creationId xmlns:a16="http://schemas.microsoft.com/office/drawing/2014/main" id="{CD0B6D3B-4FDA-4EBD-A12F-CCBC1DD6F23C}"/>
-                </a:ext>
-              </a:extLst>
-            </p:cNvPr>
-            <p:cNvCxnSpPr/>
-            <p:nvPr/>
-          </p:nvCxnSpPr>
-          <p:spPr>
-            <a:xfrm>
-              <a:off x="3528000" y="1952002"/>
-              <a:ext cx="0" cy="817792"/>
-            </a:xfrm>
-            <a:prstGeom prst="line">
-              <a:avLst/>
-            </a:prstGeom>
-            <a:ln>
-              <a:solidFill>
-                <a:schemeClr val="tx1"/>
-              </a:solidFill>
-            </a:ln>
-          </p:spPr>
-          <p:style>
-            <a:lnRef idx="1">
-              <a:schemeClr val="accent1"/>
-            </a:lnRef>
-            <a:fillRef idx="0">
-              <a:schemeClr val="accent1"/>
-            </a:fillRef>
-            <a:effectRef idx="0">
-              <a:schemeClr val="accent1"/>
-            </a:effectRef>
-            <a:fontRef idx="minor">
-              <a:schemeClr val="tx1"/>
-            </a:fontRef>
-          </p:style>
-        </p:cxnSp>
-        <p:cxnSp>
-          <p:nvCxnSpPr>
-            <p:cNvPr id="30" name="直線コネクタ 29">
-              <a:extLst>
-                <a:ext uri="{FF2B5EF4-FFF2-40B4-BE49-F238E27FC236}">
-                  <a16:creationId xmlns:a16="http://schemas.microsoft.com/office/drawing/2014/main" id="{012A2F00-8D0A-4830-AAB5-6773981A6ACF}"/>
-                </a:ext>
-              </a:extLst>
-            </p:cNvPr>
-            <p:cNvCxnSpPr/>
-            <p:nvPr/>
-          </p:nvCxnSpPr>
-          <p:spPr>
-            <a:xfrm>
-              <a:off x="3636000" y="1952002"/>
-              <a:ext cx="0" cy="817792"/>
-            </a:xfrm>
-            <a:prstGeom prst="line">
-              <a:avLst/>
-            </a:prstGeom>
-            <a:ln>
-              <a:solidFill>
-                <a:schemeClr val="tx1"/>
-              </a:solidFill>
-            </a:ln>
-          </p:spPr>
-          <p:style>
-            <a:lnRef idx="1">
-              <a:schemeClr val="accent1"/>
-            </a:lnRef>
-            <a:fillRef idx="0">
-              <a:schemeClr val="accent1"/>
-            </a:fillRef>
-            <a:effectRef idx="0">
-              <a:schemeClr val="accent1"/>
-            </a:effectRef>
-            <a:fontRef idx="minor">
-              <a:schemeClr val="tx1"/>
-            </a:fontRef>
-          </p:style>
-        </p:cxnSp>
-        <p:cxnSp>
-          <p:nvCxnSpPr>
-            <p:cNvPr id="31" name="直線コネクタ 30">
-              <a:extLst>
-                <a:ext uri="{FF2B5EF4-FFF2-40B4-BE49-F238E27FC236}">
-                  <a16:creationId xmlns:a16="http://schemas.microsoft.com/office/drawing/2014/main" id="{77E6A4D2-BFDD-4470-9379-BAFACCA24BD2}"/>
-                </a:ext>
-              </a:extLst>
-            </p:cNvPr>
-            <p:cNvCxnSpPr/>
-            <p:nvPr/>
-          </p:nvCxnSpPr>
-          <p:spPr>
-            <a:xfrm>
-              <a:off x="3744000" y="1952002"/>
-              <a:ext cx="0" cy="817792"/>
-            </a:xfrm>
-            <a:prstGeom prst="line">
-              <a:avLst/>
-            </a:prstGeom>
-            <a:ln>
-              <a:solidFill>
-                <a:schemeClr val="tx1"/>
-              </a:solidFill>
-            </a:ln>
-          </p:spPr>
-          <p:style>
-            <a:lnRef idx="1">
-              <a:schemeClr val="accent1"/>
-            </a:lnRef>
-            <a:fillRef idx="0">
-              <a:schemeClr val="accent1"/>
-            </a:fillRef>
-            <a:effectRef idx="0">
-              <a:schemeClr val="accent1"/>
-            </a:effectRef>
-            <a:fontRef idx="minor">
-              <a:schemeClr val="tx1"/>
-            </a:fontRef>
-          </p:style>
-        </p:cxnSp>
-        <p:cxnSp>
-          <p:nvCxnSpPr>
-            <p:cNvPr id="32" name="直線コネクタ 31">
-              <a:extLst>
-                <a:ext uri="{FF2B5EF4-FFF2-40B4-BE49-F238E27FC236}">
-                  <a16:creationId xmlns:a16="http://schemas.microsoft.com/office/drawing/2014/main" id="{160BD32F-38F7-4DB3-B7ED-929A584C3180}"/>
-                </a:ext>
-              </a:extLst>
-            </p:cNvPr>
-            <p:cNvCxnSpPr/>
-            <p:nvPr/>
-          </p:nvCxnSpPr>
-          <p:spPr>
-            <a:xfrm>
-              <a:off x="3960000" y="1952002"/>
-              <a:ext cx="0" cy="817792"/>
-            </a:xfrm>
-            <a:prstGeom prst="line">
-              <a:avLst/>
-            </a:prstGeom>
-            <a:ln>
-              <a:solidFill>
-                <a:schemeClr val="tx1"/>
-              </a:solidFill>
-            </a:ln>
-          </p:spPr>
-          <p:style>
-            <a:lnRef idx="1">
-              <a:schemeClr val="accent1"/>
-            </a:lnRef>
-            <a:fillRef idx="0">
-              <a:schemeClr val="accent1"/>
-            </a:fillRef>
-            <a:effectRef idx="0">
-              <a:schemeClr val="accent1"/>
-            </a:effectRef>
-            <a:fontRef idx="minor">
-              <a:schemeClr val="tx1"/>
-            </a:fontRef>
-          </p:style>
-        </p:cxnSp>
-        <p:cxnSp>
-          <p:nvCxnSpPr>
-            <p:cNvPr id="33" name="直線コネクタ 32">
-              <a:extLst>
-                <a:ext uri="{FF2B5EF4-FFF2-40B4-BE49-F238E27FC236}">
-                  <a16:creationId xmlns:a16="http://schemas.microsoft.com/office/drawing/2014/main" id="{EBCA4813-2D1F-4669-AD67-35605408E30A}"/>
-                </a:ext>
-              </a:extLst>
-            </p:cNvPr>
-            <p:cNvCxnSpPr/>
-            <p:nvPr/>
-          </p:nvCxnSpPr>
-          <p:spPr>
-            <a:xfrm>
-              <a:off x="3852000" y="1952002"/>
-              <a:ext cx="0" cy="817792"/>
-            </a:xfrm>
-            <a:prstGeom prst="line">
-              <a:avLst/>
-            </a:prstGeom>
-            <a:ln>
-              <a:solidFill>
-                <a:schemeClr val="tx1"/>
-              </a:solidFill>
-            </a:ln>
-          </p:spPr>
-          <p:style>
-            <a:lnRef idx="1">
-              <a:schemeClr val="accent1"/>
-            </a:lnRef>
-            <a:fillRef idx="0">
-              <a:schemeClr val="accent1"/>
-            </a:fillRef>
-            <a:effectRef idx="0">
-              <a:schemeClr val="accent1"/>
-            </a:effectRef>
-            <a:fontRef idx="minor">
-              <a:schemeClr val="tx1"/>
-            </a:fontRef>
-          </p:style>
-        </p:cxnSp>
-        <p:cxnSp>
-          <p:nvCxnSpPr>
-            <p:cNvPr id="34" name="直線コネクタ 33">
-              <a:extLst>
-                <a:ext uri="{FF2B5EF4-FFF2-40B4-BE49-F238E27FC236}">
-                  <a16:creationId xmlns:a16="http://schemas.microsoft.com/office/drawing/2014/main" id="{3C1A6559-8AA7-46BA-B023-DA82CD150C62}"/>
-                </a:ext>
-              </a:extLst>
-            </p:cNvPr>
-            <p:cNvCxnSpPr/>
-            <p:nvPr/>
-          </p:nvCxnSpPr>
-          <p:spPr>
-            <a:xfrm>
-              <a:off x="4068000" y="1952002"/>
-              <a:ext cx="0" cy="817792"/>
-            </a:xfrm>
-            <a:prstGeom prst="line">
-              <a:avLst/>
-            </a:prstGeom>
-            <a:ln>
-              <a:solidFill>
-                <a:schemeClr val="tx1"/>
-              </a:solidFill>
-            </a:ln>
-          </p:spPr>
-          <p:style>
-            <a:lnRef idx="1">
-              <a:schemeClr val="accent1"/>
-            </a:lnRef>
-            <a:fillRef idx="0">
-              <a:schemeClr val="accent1"/>
-            </a:fillRef>
-            <a:effectRef idx="0">
-              <a:schemeClr val="accent1"/>
-            </a:effectRef>
-            <a:fontRef idx="minor">
-              <a:schemeClr val="tx1"/>
-            </a:fontRef>
-          </p:style>
-        </p:cxnSp>
-        <p:cxnSp>
-          <p:nvCxnSpPr>
-            <p:cNvPr id="66" name="直線コネクタ 65">
-              <a:extLst>
-                <a:ext uri="{FF2B5EF4-FFF2-40B4-BE49-F238E27FC236}">
-                  <a16:creationId xmlns:a16="http://schemas.microsoft.com/office/drawing/2014/main" id="{3CFB9B7F-C40D-4DE2-A2F2-A5F9C9AFECB5}"/>
-                </a:ext>
-              </a:extLst>
-            </p:cNvPr>
-            <p:cNvCxnSpPr/>
-            <p:nvPr/>
-          </p:nvCxnSpPr>
-          <p:spPr>
-            <a:xfrm>
-              <a:off x="4176000" y="1952002"/>
-              <a:ext cx="0" cy="817792"/>
-            </a:xfrm>
-            <a:prstGeom prst="line">
-              <a:avLst/>
-            </a:prstGeom>
-            <a:ln>
-              <a:solidFill>
-                <a:schemeClr val="tx1"/>
-              </a:solidFill>
-            </a:ln>
-          </p:spPr>
-          <p:style>
-            <a:lnRef idx="1">
-              <a:schemeClr val="accent1"/>
-            </a:lnRef>
-            <a:fillRef idx="0">
-              <a:schemeClr val="accent1"/>
-            </a:fillRef>
-            <a:effectRef idx="0">
-              <a:schemeClr val="accent1"/>
-            </a:effectRef>
-            <a:fontRef idx="minor">
-              <a:schemeClr val="tx1"/>
-            </a:fontRef>
-          </p:style>
-        </p:cxnSp>
-        <p:cxnSp>
-          <p:nvCxnSpPr>
-            <p:cNvPr id="67" name="直線コネクタ 66">
-              <a:extLst>
-                <a:ext uri="{FF2B5EF4-FFF2-40B4-BE49-F238E27FC236}">
-                  <a16:creationId xmlns:a16="http://schemas.microsoft.com/office/drawing/2014/main" id="{F61E52DD-3B36-4748-819F-89826CCFE463}"/>
-                </a:ext>
-              </a:extLst>
-            </p:cNvPr>
-            <p:cNvCxnSpPr>
-              <a:cxnSpLocks/>
-            </p:cNvCxnSpPr>
-            <p:nvPr/>
-          </p:nvCxnSpPr>
-          <p:spPr>
-            <a:xfrm>
-              <a:off x="4284000" y="1984289"/>
-              <a:ext cx="0" cy="785505"/>
-            </a:xfrm>
-            <a:prstGeom prst="line">
-              <a:avLst/>
-            </a:prstGeom>
-            <a:ln>
-              <a:solidFill>
-                <a:schemeClr val="tx1"/>
-              </a:solidFill>
-            </a:ln>
-          </p:spPr>
-          <p:style>
-            <a:lnRef idx="1">
-              <a:schemeClr val="accent1"/>
-            </a:lnRef>
-            <a:fillRef idx="0">
-              <a:schemeClr val="accent1"/>
-            </a:fillRef>
-            <a:effectRef idx="0">
-              <a:schemeClr val="accent1"/>
-            </a:effectRef>
-            <a:fontRef idx="minor">
-              <a:schemeClr val="tx1"/>
-            </a:fontRef>
-          </p:style>
-        </p:cxnSp>
-        <p:cxnSp>
-          <p:nvCxnSpPr>
-            <p:cNvPr id="68" name="直線コネクタ 67">
-              <a:extLst>
-                <a:ext uri="{FF2B5EF4-FFF2-40B4-BE49-F238E27FC236}">
-                  <a16:creationId xmlns:a16="http://schemas.microsoft.com/office/drawing/2014/main" id="{3617EB95-FF55-4BC2-A476-2E24B2BC4E4A}"/>
-                </a:ext>
-              </a:extLst>
-            </p:cNvPr>
-            <p:cNvCxnSpPr>
-              <a:cxnSpLocks/>
-            </p:cNvCxnSpPr>
-            <p:nvPr/>
-          </p:nvCxnSpPr>
-          <p:spPr>
-            <a:xfrm>
-              <a:off x="4392000" y="1998156"/>
-              <a:ext cx="0" cy="771638"/>
-            </a:xfrm>
-            <a:prstGeom prst="line">
-              <a:avLst/>
-            </a:prstGeom>
-            <a:ln>
-              <a:solidFill>
-                <a:schemeClr val="tx1"/>
-              </a:solidFill>
-            </a:ln>
-          </p:spPr>
-          <p:style>
-            <a:lnRef idx="1">
-              <a:schemeClr val="accent1"/>
-            </a:lnRef>
-            <a:fillRef idx="0">
-              <a:schemeClr val="accent1"/>
-            </a:fillRef>
-            <a:effectRef idx="0">
-              <a:schemeClr val="accent1"/>
-            </a:effectRef>
-            <a:fontRef idx="minor">
-              <a:schemeClr val="tx1"/>
-            </a:fontRef>
-          </p:style>
-        </p:cxnSp>
-        <p:cxnSp>
-          <p:nvCxnSpPr>
-            <p:cNvPr id="69" name="直線コネクタ 68">
-              <a:extLst>
-                <a:ext uri="{FF2B5EF4-FFF2-40B4-BE49-F238E27FC236}">
-                  <a16:creationId xmlns:a16="http://schemas.microsoft.com/office/drawing/2014/main" id="{00E20BFA-FFDF-4500-BBD1-23AB2EA332E0}"/>
-                </a:ext>
-              </a:extLst>
-            </p:cNvPr>
-            <p:cNvCxnSpPr>
-              <a:cxnSpLocks/>
-            </p:cNvCxnSpPr>
-            <p:nvPr/>
-          </p:nvCxnSpPr>
-          <p:spPr>
-            <a:xfrm>
-              <a:off x="4500000" y="1992269"/>
-              <a:ext cx="1" cy="777525"/>
-            </a:xfrm>
-            <a:prstGeom prst="line">
-              <a:avLst/>
-            </a:prstGeom>
-            <a:ln>
-              <a:solidFill>
-                <a:schemeClr val="tx1"/>
-              </a:solidFill>
-            </a:ln>
-          </p:spPr>
-          <p:style>
-            <a:lnRef idx="1">
-              <a:schemeClr val="accent1"/>
-            </a:lnRef>
-            <a:fillRef idx="0">
-              <a:schemeClr val="accent1"/>
-            </a:fillRef>
-            <a:effectRef idx="0">
-              <a:schemeClr val="accent1"/>
-            </a:effectRef>
-            <a:fontRef idx="minor">
-              <a:schemeClr val="tx1"/>
-            </a:fontRef>
-          </p:style>
-        </p:cxnSp>
-        <p:cxnSp>
-          <p:nvCxnSpPr>
-            <p:cNvPr id="70" name="直線コネクタ 69">
-              <a:extLst>
-                <a:ext uri="{FF2B5EF4-FFF2-40B4-BE49-F238E27FC236}">
-                  <a16:creationId xmlns:a16="http://schemas.microsoft.com/office/drawing/2014/main" id="{D8B8A8D7-C707-4789-8966-ED806F3595C1}"/>
-                </a:ext>
-              </a:extLst>
-            </p:cNvPr>
-            <p:cNvCxnSpPr>
-              <a:cxnSpLocks/>
-            </p:cNvCxnSpPr>
-            <p:nvPr/>
-          </p:nvCxnSpPr>
-          <p:spPr>
-            <a:xfrm>
-              <a:off x="4608000" y="1984289"/>
-              <a:ext cx="0" cy="785505"/>
-            </a:xfrm>
-            <a:prstGeom prst="line">
-              <a:avLst/>
-            </a:prstGeom>
-            <a:ln>
-              <a:solidFill>
-                <a:schemeClr val="tx1"/>
-              </a:solidFill>
-            </a:ln>
-          </p:spPr>
-          <p:style>
-            <a:lnRef idx="1">
-              <a:schemeClr val="accent1"/>
-            </a:lnRef>
-            <a:fillRef idx="0">
-              <a:schemeClr val="accent1"/>
-            </a:fillRef>
-            <a:effectRef idx="0">
-              <a:schemeClr val="accent1"/>
-            </a:effectRef>
-            <a:fontRef idx="minor">
-              <a:schemeClr val="tx1"/>
-            </a:fontRef>
-          </p:style>
-        </p:cxnSp>
-        <p:cxnSp>
-          <p:nvCxnSpPr>
-            <p:cNvPr id="71" name="直線コネクタ 70">
-              <a:extLst>
-                <a:ext uri="{FF2B5EF4-FFF2-40B4-BE49-F238E27FC236}">
-                  <a16:creationId xmlns:a16="http://schemas.microsoft.com/office/drawing/2014/main" id="{2C50D70F-D337-4895-951F-C139F187CB67}"/>
-                </a:ext>
-              </a:extLst>
-            </p:cNvPr>
-            <p:cNvCxnSpPr/>
-            <p:nvPr/>
-          </p:nvCxnSpPr>
-          <p:spPr>
-            <a:xfrm>
-              <a:off x="4716000" y="1952002"/>
-              <a:ext cx="0" cy="817792"/>
-            </a:xfrm>
-            <a:prstGeom prst="line">
-              <a:avLst/>
-            </a:prstGeom>
-            <a:ln>
-              <a:solidFill>
-                <a:schemeClr val="tx1"/>
-              </a:solidFill>
-            </a:ln>
-          </p:spPr>
-          <p:style>
-            <a:lnRef idx="1">
-              <a:schemeClr val="accent1"/>
-            </a:lnRef>
-            <a:fillRef idx="0">
-              <a:schemeClr val="accent1"/>
-            </a:fillRef>
-            <a:effectRef idx="0">
-              <a:schemeClr val="accent1"/>
-            </a:effectRef>
-            <a:fontRef idx="minor">
-              <a:schemeClr val="tx1"/>
-            </a:fontRef>
-          </p:style>
-        </p:cxnSp>
-        <p:cxnSp>
-          <p:nvCxnSpPr>
-            <p:cNvPr id="72" name="直線コネクタ 71">
-              <a:extLst>
-                <a:ext uri="{FF2B5EF4-FFF2-40B4-BE49-F238E27FC236}">
-                  <a16:creationId xmlns:a16="http://schemas.microsoft.com/office/drawing/2014/main" id="{C8FAE27F-B0AA-4C90-AFF8-14FB8674E8FF}"/>
-                </a:ext>
-              </a:extLst>
-            </p:cNvPr>
-            <p:cNvCxnSpPr/>
-            <p:nvPr/>
-          </p:nvCxnSpPr>
-          <p:spPr>
-            <a:xfrm>
-              <a:off x="4824000" y="1952002"/>
-              <a:ext cx="0" cy="817792"/>
-            </a:xfrm>
-            <a:prstGeom prst="line">
-              <a:avLst/>
-            </a:prstGeom>
-            <a:ln>
-              <a:solidFill>
-                <a:schemeClr val="tx1"/>
-              </a:solidFill>
-            </a:ln>
-          </p:spPr>
-          <p:style>
-            <a:lnRef idx="1">
-              <a:schemeClr val="accent1"/>
-            </a:lnRef>
-            <a:fillRef idx="0">
-              <a:schemeClr val="accent1"/>
-            </a:fillRef>
-            <a:effectRef idx="0">
-              <a:schemeClr val="accent1"/>
-            </a:effectRef>
-            <a:fontRef idx="minor">
-              <a:schemeClr val="tx1"/>
-            </a:fontRef>
-          </p:style>
-        </p:cxnSp>
-        <p:cxnSp>
-          <p:nvCxnSpPr>
-            <p:cNvPr id="73" name="直線コネクタ 72">
-              <a:extLst>
-                <a:ext uri="{FF2B5EF4-FFF2-40B4-BE49-F238E27FC236}">
-                  <a16:creationId xmlns:a16="http://schemas.microsoft.com/office/drawing/2014/main" id="{51837DED-CC22-4A96-8F6B-A06D47C1867F}"/>
-                </a:ext>
-              </a:extLst>
-            </p:cNvPr>
-            <p:cNvCxnSpPr/>
-            <p:nvPr/>
-          </p:nvCxnSpPr>
-          <p:spPr>
-            <a:xfrm>
-              <a:off x="4932000" y="1952002"/>
-              <a:ext cx="0" cy="817792"/>
-            </a:xfrm>
-            <a:prstGeom prst="line">
-              <a:avLst/>
-            </a:prstGeom>
-            <a:ln>
-              <a:solidFill>
-                <a:schemeClr val="tx1"/>
-              </a:solidFill>
-            </a:ln>
-          </p:spPr>
-          <p:style>
-            <a:lnRef idx="1">
-              <a:schemeClr val="accent1"/>
-            </a:lnRef>
-            <a:fillRef idx="0">
-              <a:schemeClr val="accent1"/>
-            </a:fillRef>
-            <a:effectRef idx="0">
-              <a:schemeClr val="accent1"/>
-            </a:effectRef>
-            <a:fontRef idx="minor">
-              <a:schemeClr val="tx1"/>
-            </a:fontRef>
-          </p:style>
-        </p:cxnSp>
-        <p:cxnSp>
-          <p:nvCxnSpPr>
-            <p:cNvPr id="74" name="直線コネクタ 73">
-              <a:extLst>
-                <a:ext uri="{FF2B5EF4-FFF2-40B4-BE49-F238E27FC236}">
-                  <a16:creationId xmlns:a16="http://schemas.microsoft.com/office/drawing/2014/main" id="{649ED44D-CF7D-4F55-8BA3-D297886FBDAE}"/>
-                </a:ext>
-              </a:extLst>
-            </p:cNvPr>
-            <p:cNvCxnSpPr/>
-            <p:nvPr/>
-          </p:nvCxnSpPr>
-          <p:spPr>
-            <a:xfrm>
-              <a:off x="5040000" y="1952002"/>
-              <a:ext cx="0" cy="817792"/>
-            </a:xfrm>
-            <a:prstGeom prst="line">
-              <a:avLst/>
-            </a:prstGeom>
-            <a:ln>
-              <a:solidFill>
-                <a:schemeClr val="tx1"/>
-              </a:solidFill>
-            </a:ln>
-          </p:spPr>
-          <p:style>
-            <a:lnRef idx="1">
-              <a:schemeClr val="accent1"/>
-            </a:lnRef>
-            <a:fillRef idx="0">
-              <a:schemeClr val="accent1"/>
-            </a:fillRef>
-            <a:effectRef idx="0">
-              <a:schemeClr val="accent1"/>
-            </a:effectRef>
-            <a:fontRef idx="minor">
-              <a:schemeClr val="tx1"/>
-            </a:fontRef>
-          </p:style>
-        </p:cxnSp>
-        <p:cxnSp>
-          <p:nvCxnSpPr>
-            <p:cNvPr id="75" name="直線コネクタ 74">
-              <a:extLst>
-                <a:ext uri="{FF2B5EF4-FFF2-40B4-BE49-F238E27FC236}">
-                  <a16:creationId xmlns:a16="http://schemas.microsoft.com/office/drawing/2014/main" id="{C53DDD10-1ACF-4D21-A8E9-628757805194}"/>
-                </a:ext>
-              </a:extLst>
-            </p:cNvPr>
-            <p:cNvCxnSpPr/>
-            <p:nvPr/>
-          </p:nvCxnSpPr>
-          <p:spPr>
-            <a:xfrm>
-              <a:off x="5148000" y="1952002"/>
-              <a:ext cx="0" cy="817792"/>
-            </a:xfrm>
-            <a:prstGeom prst="line">
-              <a:avLst/>
-            </a:prstGeom>
-            <a:ln>
-              <a:solidFill>
-                <a:schemeClr val="tx1"/>
-              </a:solidFill>
-            </a:ln>
-          </p:spPr>
-          <p:style>
-            <a:lnRef idx="1">
-              <a:schemeClr val="accent1"/>
-            </a:lnRef>
-            <a:fillRef idx="0">
-              <a:schemeClr val="accent1"/>
-            </a:fillRef>
-            <a:effectRef idx="0">
-              <a:schemeClr val="accent1"/>
-            </a:effectRef>
-            <a:fontRef idx="minor">
-              <a:schemeClr val="tx1"/>
-            </a:fontRef>
-          </p:style>
-        </p:cxnSp>
-        <p:cxnSp>
-          <p:nvCxnSpPr>
-            <p:cNvPr id="76" name="直線コネクタ 75">
-              <a:extLst>
-                <a:ext uri="{FF2B5EF4-FFF2-40B4-BE49-F238E27FC236}">
-                  <a16:creationId xmlns:a16="http://schemas.microsoft.com/office/drawing/2014/main" id="{01B26778-0659-497F-89A0-17C15CEBEF37}"/>
-                </a:ext>
-              </a:extLst>
-            </p:cNvPr>
-            <p:cNvCxnSpPr/>
-            <p:nvPr/>
-          </p:nvCxnSpPr>
-          <p:spPr>
-            <a:xfrm>
-              <a:off x="5256000" y="1952002"/>
-              <a:ext cx="0" cy="817792"/>
-            </a:xfrm>
-            <a:prstGeom prst="line">
-              <a:avLst/>
-            </a:prstGeom>
-            <a:ln>
-              <a:solidFill>
-                <a:schemeClr val="tx1"/>
-              </a:solidFill>
-            </a:ln>
-          </p:spPr>
-          <p:style>
-            <a:lnRef idx="1">
-              <a:schemeClr val="accent1"/>
-            </a:lnRef>
-            <a:fillRef idx="0">
-              <a:schemeClr val="accent1"/>
-            </a:fillRef>
-            <a:effectRef idx="0">
-              <a:schemeClr val="accent1"/>
-            </a:effectRef>
-            <a:fontRef idx="minor">
-              <a:schemeClr val="tx1"/>
-            </a:fontRef>
-          </p:style>
-        </p:cxnSp>
-        <p:cxnSp>
-          <p:nvCxnSpPr>
-            <p:cNvPr id="77" name="直線コネクタ 76">
-              <a:extLst>
-                <a:ext uri="{FF2B5EF4-FFF2-40B4-BE49-F238E27FC236}">
-                  <a16:creationId xmlns:a16="http://schemas.microsoft.com/office/drawing/2014/main" id="{95E36E6F-E2DB-40F9-A27F-A2BA78BACB86}"/>
-                </a:ext>
-              </a:extLst>
-            </p:cNvPr>
-            <p:cNvCxnSpPr/>
-            <p:nvPr/>
-          </p:nvCxnSpPr>
-          <p:spPr>
-            <a:xfrm>
-              <a:off x="5364000" y="1952002"/>
-              <a:ext cx="0" cy="817792"/>
-            </a:xfrm>
-            <a:prstGeom prst="line">
-              <a:avLst/>
-            </a:prstGeom>
-            <a:ln>
-              <a:solidFill>
-                <a:schemeClr val="tx1"/>
-              </a:solidFill>
-            </a:ln>
-          </p:spPr>
-          <p:style>
-            <a:lnRef idx="1">
-              <a:schemeClr val="accent1"/>
-            </a:lnRef>
-            <a:fillRef idx="0">
-              <a:schemeClr val="accent1"/>
-            </a:fillRef>
-            <a:effectRef idx="0">
-              <a:schemeClr val="accent1"/>
-            </a:effectRef>
-            <a:fontRef idx="minor">
-              <a:schemeClr val="tx1"/>
-            </a:fontRef>
-          </p:style>
-        </p:cxnSp>
-        <p:cxnSp>
-          <p:nvCxnSpPr>
-            <p:cNvPr id="78" name="直線コネクタ 77">
-              <a:extLst>
-                <a:ext uri="{FF2B5EF4-FFF2-40B4-BE49-F238E27FC236}">
-                  <a16:creationId xmlns:a16="http://schemas.microsoft.com/office/drawing/2014/main" id="{BDBE40FB-2E97-4FD6-B0FB-5E226E487329}"/>
-                </a:ext>
-              </a:extLst>
-            </p:cNvPr>
-            <p:cNvCxnSpPr>
-              <a:cxnSpLocks/>
-            </p:cNvCxnSpPr>
-            <p:nvPr/>
-          </p:nvCxnSpPr>
-          <p:spPr>
-            <a:xfrm>
-              <a:off x="5472000" y="1984289"/>
-              <a:ext cx="0" cy="785505"/>
-            </a:xfrm>
-            <a:prstGeom prst="line">
-              <a:avLst/>
-            </a:prstGeom>
-            <a:ln>
-              <a:solidFill>
-                <a:schemeClr val="tx1"/>
-              </a:solidFill>
-            </a:ln>
-          </p:spPr>
-          <p:style>
-            <a:lnRef idx="1">
-              <a:schemeClr val="accent1"/>
-            </a:lnRef>
-            <a:fillRef idx="0">
-              <a:schemeClr val="accent1"/>
-            </a:fillRef>
-            <a:effectRef idx="0">
-              <a:schemeClr val="accent1"/>
-            </a:effectRef>
-            <a:fontRef idx="minor">
-              <a:schemeClr val="tx1"/>
-            </a:fontRef>
-          </p:style>
-        </p:cxnSp>
-        <p:cxnSp>
-          <p:nvCxnSpPr>
-            <p:cNvPr id="79" name="直線コネクタ 78">
-              <a:extLst>
-                <a:ext uri="{FF2B5EF4-FFF2-40B4-BE49-F238E27FC236}">
-                  <a16:creationId xmlns:a16="http://schemas.microsoft.com/office/drawing/2014/main" id="{6C014B88-0C62-4FBA-9C53-D2D16AF8C53A}"/>
-                </a:ext>
-              </a:extLst>
-            </p:cNvPr>
-            <p:cNvCxnSpPr>
-              <a:cxnSpLocks/>
-            </p:cNvCxnSpPr>
-            <p:nvPr/>
-          </p:nvCxnSpPr>
-          <p:spPr>
-            <a:xfrm>
-              <a:off x="5580000" y="1998156"/>
-              <a:ext cx="0" cy="771638"/>
-            </a:xfrm>
-            <a:prstGeom prst="line">
-              <a:avLst/>
-            </a:prstGeom>
-            <a:ln>
-              <a:solidFill>
-                <a:schemeClr val="tx1"/>
-              </a:solidFill>
-            </a:ln>
-          </p:spPr>
-          <p:style>
-            <a:lnRef idx="1">
-              <a:schemeClr val="accent1"/>
-            </a:lnRef>
-            <a:fillRef idx="0">
-              <a:schemeClr val="accent1"/>
-            </a:fillRef>
-            <a:effectRef idx="0">
-              <a:schemeClr val="accent1"/>
-            </a:effectRef>
-            <a:fontRef idx="minor">
-              <a:schemeClr val="tx1"/>
-            </a:fontRef>
-          </p:style>
-        </p:cxnSp>
-        <p:cxnSp>
-          <p:nvCxnSpPr>
-            <p:cNvPr id="80" name="直線コネクタ 79">
-              <a:extLst>
-                <a:ext uri="{FF2B5EF4-FFF2-40B4-BE49-F238E27FC236}">
-                  <a16:creationId xmlns:a16="http://schemas.microsoft.com/office/drawing/2014/main" id="{F6EB41A3-9D3A-496A-AAD1-DA4DDEFB3F16}"/>
-                </a:ext>
-              </a:extLst>
-            </p:cNvPr>
-            <p:cNvCxnSpPr>
-              <a:cxnSpLocks/>
-            </p:cNvCxnSpPr>
-            <p:nvPr/>
-          </p:nvCxnSpPr>
-          <p:spPr>
-            <a:xfrm>
-              <a:off x="5688000" y="1992269"/>
-              <a:ext cx="1" cy="777525"/>
-            </a:xfrm>
-            <a:prstGeom prst="line">
-              <a:avLst/>
-            </a:prstGeom>
-            <a:ln>
-              <a:solidFill>
-                <a:schemeClr val="tx1"/>
-              </a:solidFill>
-            </a:ln>
-          </p:spPr>
-          <p:style>
-            <a:lnRef idx="1">
-              <a:schemeClr val="accent1"/>
-            </a:lnRef>
-            <a:fillRef idx="0">
-              <a:schemeClr val="accent1"/>
-            </a:fillRef>
-            <a:effectRef idx="0">
-              <a:schemeClr val="accent1"/>
-            </a:effectRef>
-            <a:fontRef idx="minor">
-              <a:schemeClr val="tx1"/>
-            </a:fontRef>
-          </p:style>
-        </p:cxnSp>
-        <p:cxnSp>
-          <p:nvCxnSpPr>
-            <p:cNvPr id="81" name="直線コネクタ 80">
-              <a:extLst>
-                <a:ext uri="{FF2B5EF4-FFF2-40B4-BE49-F238E27FC236}">
-                  <a16:creationId xmlns:a16="http://schemas.microsoft.com/office/drawing/2014/main" id="{04685A55-CA63-4D21-92F7-29AF778D5030}"/>
-                </a:ext>
-              </a:extLst>
-            </p:cNvPr>
-            <p:cNvCxnSpPr>
-              <a:cxnSpLocks/>
-            </p:cNvCxnSpPr>
-            <p:nvPr/>
-          </p:nvCxnSpPr>
-          <p:spPr>
-            <a:xfrm>
-              <a:off x="5796000" y="1984289"/>
-              <a:ext cx="0" cy="785505"/>
-            </a:xfrm>
-            <a:prstGeom prst="line">
-              <a:avLst/>
-            </a:prstGeom>
-            <a:ln>
-              <a:solidFill>
-                <a:schemeClr val="tx1"/>
-              </a:solidFill>
-            </a:ln>
-          </p:spPr>
-          <p:style>
-            <a:lnRef idx="1">
-              <a:schemeClr val="accent1"/>
-            </a:lnRef>
-            <a:fillRef idx="0">
-              <a:schemeClr val="accent1"/>
-            </a:fillRef>
-            <a:effectRef idx="0">
-              <a:schemeClr val="accent1"/>
-            </a:effectRef>
-            <a:fontRef idx="minor">
-              <a:schemeClr val="tx1"/>
-            </a:fontRef>
-          </p:style>
-        </p:cxnSp>
-        <p:cxnSp>
-          <p:nvCxnSpPr>
-            <p:cNvPr id="82" name="直線コネクタ 81">
-              <a:extLst>
-                <a:ext uri="{FF2B5EF4-FFF2-40B4-BE49-F238E27FC236}">
-                  <a16:creationId xmlns:a16="http://schemas.microsoft.com/office/drawing/2014/main" id="{C05C37FB-09DE-4FD4-9E52-A54C79EFED1D}"/>
-                </a:ext>
-              </a:extLst>
-            </p:cNvPr>
-            <p:cNvCxnSpPr/>
-            <p:nvPr/>
-          </p:nvCxnSpPr>
-          <p:spPr>
-            <a:xfrm>
-              <a:off x="5904000" y="1952002"/>
-              <a:ext cx="0" cy="817792"/>
-            </a:xfrm>
-            <a:prstGeom prst="line">
-              <a:avLst/>
-            </a:prstGeom>
-            <a:ln>
-              <a:solidFill>
-                <a:schemeClr val="tx1"/>
-              </a:solidFill>
-            </a:ln>
-          </p:spPr>
-          <p:style>
-            <a:lnRef idx="1">
-              <a:schemeClr val="accent1"/>
-            </a:lnRef>
-            <a:fillRef idx="0">
-              <a:schemeClr val="accent1"/>
-            </a:fillRef>
-            <a:effectRef idx="0">
-              <a:schemeClr val="accent1"/>
-            </a:effectRef>
-            <a:fontRef idx="minor">
-              <a:schemeClr val="tx1"/>
-            </a:fontRef>
-          </p:style>
-        </p:cxnSp>
-        <p:cxnSp>
-          <p:nvCxnSpPr>
-            <p:cNvPr id="83" name="直線コネクタ 82">
-              <a:extLst>
-                <a:ext uri="{FF2B5EF4-FFF2-40B4-BE49-F238E27FC236}">
-                  <a16:creationId xmlns:a16="http://schemas.microsoft.com/office/drawing/2014/main" id="{6ED27946-58A1-44E5-91E6-53BC70EB94DE}"/>
-                </a:ext>
-              </a:extLst>
-            </p:cNvPr>
-            <p:cNvCxnSpPr/>
-            <p:nvPr/>
-          </p:nvCxnSpPr>
-          <p:spPr>
-            <a:xfrm>
-              <a:off x="6012000" y="1952002"/>
-              <a:ext cx="0" cy="817792"/>
-            </a:xfrm>
-            <a:prstGeom prst="line">
-              <a:avLst/>
-            </a:prstGeom>
-            <a:ln>
-              <a:solidFill>
-                <a:schemeClr val="tx1"/>
-              </a:solidFill>
-            </a:ln>
-          </p:spPr>
-          <p:style>
-            <a:lnRef idx="1">
-              <a:schemeClr val="accent1"/>
-            </a:lnRef>
-            <a:fillRef idx="0">
-              <a:schemeClr val="accent1"/>
-            </a:fillRef>
-            <a:effectRef idx="0">
-              <a:schemeClr val="accent1"/>
-            </a:effectRef>
-            <a:fontRef idx="minor">
-              <a:schemeClr val="tx1"/>
-            </a:fontRef>
-          </p:style>
-        </p:cxnSp>
-        <p:cxnSp>
-          <p:nvCxnSpPr>
-            <p:cNvPr id="84" name="直線コネクタ 83">
-              <a:extLst>
-                <a:ext uri="{FF2B5EF4-FFF2-40B4-BE49-F238E27FC236}">
-                  <a16:creationId xmlns:a16="http://schemas.microsoft.com/office/drawing/2014/main" id="{45ABB265-613F-40BC-BA4A-520836E62E61}"/>
-                </a:ext>
-              </a:extLst>
-            </p:cNvPr>
-            <p:cNvCxnSpPr/>
-            <p:nvPr/>
-          </p:nvCxnSpPr>
-          <p:spPr>
-            <a:xfrm>
-              <a:off x="6120000" y="1952002"/>
-              <a:ext cx="0" cy="817792"/>
-            </a:xfrm>
-            <a:prstGeom prst="line">
-              <a:avLst/>
-            </a:prstGeom>
-            <a:ln>
-              <a:solidFill>
-                <a:schemeClr val="tx1"/>
-              </a:solidFill>
-            </a:ln>
-          </p:spPr>
-          <p:style>
-            <a:lnRef idx="1">
-              <a:schemeClr val="accent1"/>
-            </a:lnRef>
-            <a:fillRef idx="0">
-              <a:schemeClr val="accent1"/>
-            </a:fillRef>
-            <a:effectRef idx="0">
-              <a:schemeClr val="accent1"/>
-            </a:effectRef>
-            <a:fontRef idx="minor">
-              <a:schemeClr val="tx1"/>
-            </a:fontRef>
-          </p:style>
-        </p:cxnSp>
-        <p:cxnSp>
-          <p:nvCxnSpPr>
-            <p:cNvPr id="85" name="直線コネクタ 84">
-              <a:extLst>
-                <a:ext uri="{FF2B5EF4-FFF2-40B4-BE49-F238E27FC236}">
-                  <a16:creationId xmlns:a16="http://schemas.microsoft.com/office/drawing/2014/main" id="{2D9DE8D4-5764-4427-A674-83F85BDE52B8}"/>
-                </a:ext>
-              </a:extLst>
-            </p:cNvPr>
-            <p:cNvCxnSpPr/>
-            <p:nvPr/>
-          </p:nvCxnSpPr>
-          <p:spPr>
-            <a:xfrm>
-              <a:off x="6228000" y="1952002"/>
-              <a:ext cx="0" cy="817792"/>
-            </a:xfrm>
-            <a:prstGeom prst="line">
-              <a:avLst/>
-            </a:prstGeom>
-            <a:ln>
-              <a:solidFill>
-                <a:schemeClr val="tx1"/>
-              </a:solidFill>
-            </a:ln>
-          </p:spPr>
-          <p:style>
-            <a:lnRef idx="1">
-              <a:schemeClr val="accent1"/>
-            </a:lnRef>
-            <a:fillRef idx="0">
-              <a:schemeClr val="accent1"/>
-            </a:fillRef>
-            <a:effectRef idx="0">
-              <a:schemeClr val="accent1"/>
-            </a:effectRef>
-            <a:fontRef idx="minor">
-              <a:schemeClr val="tx1"/>
-            </a:fontRef>
-          </p:style>
-        </p:cxnSp>
-        <p:cxnSp>
-          <p:nvCxnSpPr>
-            <p:cNvPr id="86" name="直線コネクタ 85">
-              <a:extLst>
-                <a:ext uri="{FF2B5EF4-FFF2-40B4-BE49-F238E27FC236}">
-                  <a16:creationId xmlns:a16="http://schemas.microsoft.com/office/drawing/2014/main" id="{2144B3C6-EE44-4F46-B5A1-DF486208D9CE}"/>
-                </a:ext>
-              </a:extLst>
-            </p:cNvPr>
-            <p:cNvCxnSpPr/>
-            <p:nvPr/>
-          </p:nvCxnSpPr>
-          <p:spPr>
-            <a:xfrm>
-              <a:off x="6336000" y="1952002"/>
-              <a:ext cx="0" cy="817792"/>
-            </a:xfrm>
-            <a:prstGeom prst="line">
-              <a:avLst/>
-            </a:prstGeom>
-            <a:ln>
-              <a:solidFill>
-                <a:schemeClr val="tx1"/>
-              </a:solidFill>
-            </a:ln>
-          </p:spPr>
-          <p:style>
-            <a:lnRef idx="1">
-              <a:schemeClr val="accent1"/>
-            </a:lnRef>
-            <a:fillRef idx="0">
-              <a:schemeClr val="accent1"/>
-            </a:fillRef>
-            <a:effectRef idx="0">
-              <a:schemeClr val="accent1"/>
-            </a:effectRef>
-            <a:fontRef idx="minor">
-              <a:schemeClr val="tx1"/>
-            </a:fontRef>
-          </p:style>
-        </p:cxnSp>
-      </p:grpSp>
-      <p:grpSp>
-        <p:nvGrpSpPr>
-          <p:cNvPr id="125" name="グループ化 124">
-            <a:extLst>
-              <a:ext uri="{FF2B5EF4-FFF2-40B4-BE49-F238E27FC236}">
-                <a16:creationId xmlns:a16="http://schemas.microsoft.com/office/drawing/2014/main" id="{78C0EA6F-5AEE-4D18-B915-41FA9BF58EE4}"/>
-              </a:ext>
-            </a:extLst>
-          </p:cNvPr>
-          <p:cNvGrpSpPr/>
-          <p:nvPr/>
-        </p:nvGrpSpPr>
-        <p:grpSpPr>
-          <a:xfrm>
-            <a:off x="4298059" y="2708332"/>
-            <a:ext cx="1342606" cy="655200"/>
-            <a:chOff x="7736935" y="3600000"/>
-            <a:chExt cx="1342606" cy="655200"/>
-          </a:xfrm>
-        </p:grpSpPr>
-        <p:cxnSp>
-          <p:nvCxnSpPr>
-            <p:cNvPr id="90" name="直線コネクタ 89">
-              <a:extLst>
-                <a:ext uri="{FF2B5EF4-FFF2-40B4-BE49-F238E27FC236}">
-                  <a16:creationId xmlns:a16="http://schemas.microsoft.com/office/drawing/2014/main" id="{8144CD44-3517-42F6-8C16-995F245397BD}"/>
-                </a:ext>
-              </a:extLst>
-            </p:cNvPr>
-            <p:cNvCxnSpPr>
-              <a:cxnSpLocks/>
-            </p:cNvCxnSpPr>
-            <p:nvPr/>
-          </p:nvCxnSpPr>
-          <p:spPr>
-            <a:xfrm>
-              <a:off x="7736935" y="3600000"/>
-              <a:ext cx="0" cy="655200"/>
-            </a:xfrm>
-            <a:prstGeom prst="line">
-              <a:avLst/>
-            </a:prstGeom>
-            <a:ln>
-              <a:solidFill>
-                <a:schemeClr val="tx1"/>
-              </a:solidFill>
-            </a:ln>
-          </p:spPr>
-          <p:style>
-            <a:lnRef idx="1">
-              <a:schemeClr val="accent1"/>
-            </a:lnRef>
-            <a:fillRef idx="0">
-              <a:schemeClr val="accent1"/>
-            </a:fillRef>
-            <a:effectRef idx="0">
-              <a:schemeClr val="accent1"/>
-            </a:effectRef>
-            <a:fontRef idx="minor">
-              <a:schemeClr val="tx1"/>
-            </a:fontRef>
-          </p:style>
-        </p:cxnSp>
-        <p:cxnSp>
-          <p:nvCxnSpPr>
-            <p:cNvPr id="91" name="直線コネクタ 90">
-              <a:extLst>
-                <a:ext uri="{FF2B5EF4-FFF2-40B4-BE49-F238E27FC236}">
-                  <a16:creationId xmlns:a16="http://schemas.microsoft.com/office/drawing/2014/main" id="{A94A711D-7F7D-488E-9390-A2830BAE41A0}"/>
-                </a:ext>
-              </a:extLst>
-            </p:cNvPr>
-            <p:cNvCxnSpPr>
-              <a:cxnSpLocks/>
-            </p:cNvCxnSpPr>
-            <p:nvPr/>
-          </p:nvCxnSpPr>
-          <p:spPr>
-            <a:xfrm>
-              <a:off x="7826442" y="3600000"/>
-              <a:ext cx="0" cy="655200"/>
-            </a:xfrm>
-            <a:prstGeom prst="line">
-              <a:avLst/>
-            </a:prstGeom>
-            <a:ln>
-              <a:solidFill>
-                <a:schemeClr val="tx1"/>
-              </a:solidFill>
-            </a:ln>
-          </p:spPr>
-          <p:style>
-            <a:lnRef idx="1">
-              <a:schemeClr val="accent1"/>
-            </a:lnRef>
-            <a:fillRef idx="0">
-              <a:schemeClr val="accent1"/>
-            </a:fillRef>
-            <a:effectRef idx="0">
-              <a:schemeClr val="accent1"/>
-            </a:effectRef>
-            <a:fontRef idx="minor">
-              <a:schemeClr val="tx1"/>
-            </a:fontRef>
-          </p:style>
-        </p:cxnSp>
-        <p:cxnSp>
-          <p:nvCxnSpPr>
-            <p:cNvPr id="92" name="直線コネクタ 91">
-              <a:extLst>
-                <a:ext uri="{FF2B5EF4-FFF2-40B4-BE49-F238E27FC236}">
-                  <a16:creationId xmlns:a16="http://schemas.microsoft.com/office/drawing/2014/main" id="{D95EEF7F-B18F-40F4-8B2C-440E486AB85F}"/>
-                </a:ext>
-              </a:extLst>
-            </p:cNvPr>
-            <p:cNvCxnSpPr>
-              <a:cxnSpLocks/>
-            </p:cNvCxnSpPr>
-            <p:nvPr/>
-          </p:nvCxnSpPr>
-          <p:spPr>
-            <a:xfrm>
-              <a:off x="7915949" y="3600000"/>
-              <a:ext cx="0" cy="655200"/>
-            </a:xfrm>
-            <a:prstGeom prst="line">
-              <a:avLst/>
-            </a:prstGeom>
-            <a:ln>
-              <a:solidFill>
-                <a:schemeClr val="tx1"/>
-              </a:solidFill>
-            </a:ln>
-          </p:spPr>
-          <p:style>
-            <a:lnRef idx="1">
-              <a:schemeClr val="accent1"/>
-            </a:lnRef>
-            <a:fillRef idx="0">
-              <a:schemeClr val="accent1"/>
-            </a:fillRef>
-            <a:effectRef idx="0">
-              <a:schemeClr val="accent1"/>
-            </a:effectRef>
-            <a:fontRef idx="minor">
-              <a:schemeClr val="tx1"/>
-            </a:fontRef>
-          </p:style>
-        </p:cxnSp>
-        <p:cxnSp>
-          <p:nvCxnSpPr>
-            <p:cNvPr id="93" name="直線コネクタ 92">
-              <a:extLst>
-                <a:ext uri="{FF2B5EF4-FFF2-40B4-BE49-F238E27FC236}">
-                  <a16:creationId xmlns:a16="http://schemas.microsoft.com/office/drawing/2014/main" id="{DDF4F5CD-E45C-4B58-ABCE-5F1E39401602}"/>
-                </a:ext>
-              </a:extLst>
-            </p:cNvPr>
-            <p:cNvCxnSpPr>
-              <a:cxnSpLocks/>
-            </p:cNvCxnSpPr>
-            <p:nvPr/>
-          </p:nvCxnSpPr>
-          <p:spPr>
-            <a:xfrm>
-              <a:off x="8005456" y="3600000"/>
-              <a:ext cx="1" cy="655200"/>
-            </a:xfrm>
-            <a:prstGeom prst="line">
-              <a:avLst/>
-            </a:prstGeom>
-            <a:ln>
-              <a:solidFill>
-                <a:schemeClr val="tx1"/>
-              </a:solidFill>
-            </a:ln>
-          </p:spPr>
-          <p:style>
-            <a:lnRef idx="1">
-              <a:schemeClr val="accent1"/>
-            </a:lnRef>
-            <a:fillRef idx="0">
-              <a:schemeClr val="accent1"/>
-            </a:fillRef>
-            <a:effectRef idx="0">
-              <a:schemeClr val="accent1"/>
-            </a:effectRef>
-            <a:fontRef idx="minor">
-              <a:schemeClr val="tx1"/>
-            </a:fontRef>
-          </p:style>
-        </p:cxnSp>
-        <p:cxnSp>
-          <p:nvCxnSpPr>
-            <p:cNvPr id="94" name="直線コネクタ 93">
-              <a:extLst>
-                <a:ext uri="{FF2B5EF4-FFF2-40B4-BE49-F238E27FC236}">
-                  <a16:creationId xmlns:a16="http://schemas.microsoft.com/office/drawing/2014/main" id="{4557B199-49B5-494F-97F2-7BA9264040E8}"/>
-                </a:ext>
-              </a:extLst>
-            </p:cNvPr>
-            <p:cNvCxnSpPr>
-              <a:cxnSpLocks/>
-            </p:cNvCxnSpPr>
-            <p:nvPr/>
-          </p:nvCxnSpPr>
-          <p:spPr>
-            <a:xfrm>
-              <a:off x="8094963" y="3600000"/>
-              <a:ext cx="0" cy="655200"/>
-            </a:xfrm>
-            <a:prstGeom prst="line">
-              <a:avLst/>
-            </a:prstGeom>
-            <a:ln>
-              <a:solidFill>
-                <a:schemeClr val="tx1"/>
-              </a:solidFill>
-            </a:ln>
-          </p:spPr>
-          <p:style>
-            <a:lnRef idx="1">
-              <a:schemeClr val="accent1"/>
-            </a:lnRef>
-            <a:fillRef idx="0">
-              <a:schemeClr val="accent1"/>
-            </a:fillRef>
-            <a:effectRef idx="0">
-              <a:schemeClr val="accent1"/>
-            </a:effectRef>
-            <a:fontRef idx="minor">
-              <a:schemeClr val="tx1"/>
-            </a:fontRef>
-          </p:style>
-        </p:cxnSp>
-        <p:cxnSp>
-          <p:nvCxnSpPr>
-            <p:cNvPr id="95" name="直線コネクタ 94">
-              <a:extLst>
-                <a:ext uri="{FF2B5EF4-FFF2-40B4-BE49-F238E27FC236}">
-                  <a16:creationId xmlns:a16="http://schemas.microsoft.com/office/drawing/2014/main" id="{F2F6CC35-59C4-471D-BCAD-C5977C7F112D}"/>
-                </a:ext>
-              </a:extLst>
-            </p:cNvPr>
-            <p:cNvCxnSpPr/>
-            <p:nvPr/>
-          </p:nvCxnSpPr>
-          <p:spPr>
-            <a:xfrm>
-              <a:off x="8184470" y="3600000"/>
-              <a:ext cx="0" cy="655200"/>
-            </a:xfrm>
-            <a:prstGeom prst="line">
-              <a:avLst/>
-            </a:prstGeom>
-            <a:ln>
-              <a:solidFill>
-                <a:schemeClr val="tx1"/>
-              </a:solidFill>
-            </a:ln>
-          </p:spPr>
-          <p:style>
-            <a:lnRef idx="1">
-              <a:schemeClr val="accent1"/>
-            </a:lnRef>
-            <a:fillRef idx="0">
-              <a:schemeClr val="accent1"/>
-            </a:fillRef>
-            <a:effectRef idx="0">
-              <a:schemeClr val="accent1"/>
-            </a:effectRef>
-            <a:fontRef idx="minor">
-              <a:schemeClr val="tx1"/>
-            </a:fontRef>
-          </p:style>
-        </p:cxnSp>
-        <p:cxnSp>
-          <p:nvCxnSpPr>
-            <p:cNvPr id="96" name="直線コネクタ 95">
-              <a:extLst>
-                <a:ext uri="{FF2B5EF4-FFF2-40B4-BE49-F238E27FC236}">
-                  <a16:creationId xmlns:a16="http://schemas.microsoft.com/office/drawing/2014/main" id="{EBC9D8E4-0F32-4B39-A606-A0B0FB08B112}"/>
-                </a:ext>
-              </a:extLst>
-            </p:cNvPr>
-            <p:cNvCxnSpPr/>
-            <p:nvPr/>
-          </p:nvCxnSpPr>
-          <p:spPr>
-            <a:xfrm>
-              <a:off x="8273977" y="3600000"/>
-              <a:ext cx="0" cy="655200"/>
-            </a:xfrm>
-            <a:prstGeom prst="line">
-              <a:avLst/>
-            </a:prstGeom>
-            <a:ln>
-              <a:solidFill>
-                <a:schemeClr val="tx1"/>
-              </a:solidFill>
-            </a:ln>
-          </p:spPr>
-          <p:style>
-            <a:lnRef idx="1">
-              <a:schemeClr val="accent1"/>
-            </a:lnRef>
-            <a:fillRef idx="0">
-              <a:schemeClr val="accent1"/>
-            </a:fillRef>
-            <a:effectRef idx="0">
-              <a:schemeClr val="accent1"/>
-            </a:effectRef>
-            <a:fontRef idx="minor">
-              <a:schemeClr val="tx1"/>
-            </a:fontRef>
-          </p:style>
-        </p:cxnSp>
-        <p:cxnSp>
-          <p:nvCxnSpPr>
-            <p:cNvPr id="97" name="直線コネクタ 96">
-              <a:extLst>
-                <a:ext uri="{FF2B5EF4-FFF2-40B4-BE49-F238E27FC236}">
-                  <a16:creationId xmlns:a16="http://schemas.microsoft.com/office/drawing/2014/main" id="{37282B77-69E4-4172-815F-95EA49EF470A}"/>
-                </a:ext>
-              </a:extLst>
-            </p:cNvPr>
-            <p:cNvCxnSpPr/>
-            <p:nvPr/>
-          </p:nvCxnSpPr>
-          <p:spPr>
-            <a:xfrm>
-              <a:off x="8363484" y="3600000"/>
-              <a:ext cx="0" cy="655200"/>
-            </a:xfrm>
-            <a:prstGeom prst="line">
-              <a:avLst/>
-            </a:prstGeom>
-            <a:ln>
-              <a:solidFill>
-                <a:schemeClr val="tx1"/>
-              </a:solidFill>
-            </a:ln>
-          </p:spPr>
-          <p:style>
-            <a:lnRef idx="1">
-              <a:schemeClr val="accent1"/>
-            </a:lnRef>
-            <a:fillRef idx="0">
-              <a:schemeClr val="accent1"/>
-            </a:fillRef>
-            <a:effectRef idx="0">
-              <a:schemeClr val="accent1"/>
-            </a:effectRef>
-            <a:fontRef idx="minor">
-              <a:schemeClr val="tx1"/>
-            </a:fontRef>
-          </p:style>
-        </p:cxnSp>
-        <p:cxnSp>
-          <p:nvCxnSpPr>
-            <p:cNvPr id="98" name="直線コネクタ 97">
-              <a:extLst>
-                <a:ext uri="{FF2B5EF4-FFF2-40B4-BE49-F238E27FC236}">
-                  <a16:creationId xmlns:a16="http://schemas.microsoft.com/office/drawing/2014/main" id="{8839707A-1293-4AFC-B9A1-6079280FEF3F}"/>
-                </a:ext>
-              </a:extLst>
-            </p:cNvPr>
-            <p:cNvCxnSpPr/>
-            <p:nvPr/>
-          </p:nvCxnSpPr>
-          <p:spPr>
-            <a:xfrm>
-              <a:off x="8542499" y="3600000"/>
-              <a:ext cx="0" cy="655200"/>
-            </a:xfrm>
-            <a:prstGeom prst="line">
-              <a:avLst/>
-            </a:prstGeom>
-            <a:ln>
-              <a:solidFill>
-                <a:schemeClr val="tx1"/>
-              </a:solidFill>
-            </a:ln>
-          </p:spPr>
-          <p:style>
-            <a:lnRef idx="1">
-              <a:schemeClr val="accent1"/>
-            </a:lnRef>
-            <a:fillRef idx="0">
-              <a:schemeClr val="accent1"/>
-            </a:fillRef>
-            <a:effectRef idx="0">
-              <a:schemeClr val="accent1"/>
-            </a:effectRef>
-            <a:fontRef idx="minor">
-              <a:schemeClr val="tx1"/>
-            </a:fontRef>
-          </p:style>
-        </p:cxnSp>
-        <p:cxnSp>
-          <p:nvCxnSpPr>
-            <p:cNvPr id="99" name="直線コネクタ 98">
-              <a:extLst>
-                <a:ext uri="{FF2B5EF4-FFF2-40B4-BE49-F238E27FC236}">
-                  <a16:creationId xmlns:a16="http://schemas.microsoft.com/office/drawing/2014/main" id="{A31D6160-C387-4655-A27B-74524C184227}"/>
-                </a:ext>
-              </a:extLst>
-            </p:cNvPr>
-            <p:cNvCxnSpPr/>
-            <p:nvPr/>
-          </p:nvCxnSpPr>
-          <p:spPr>
-            <a:xfrm>
-              <a:off x="8452992" y="3600000"/>
-              <a:ext cx="0" cy="655200"/>
-            </a:xfrm>
-            <a:prstGeom prst="line">
-              <a:avLst/>
-            </a:prstGeom>
-            <a:ln>
-              <a:solidFill>
-                <a:schemeClr val="tx1"/>
-              </a:solidFill>
-            </a:ln>
-          </p:spPr>
-          <p:style>
-            <a:lnRef idx="1">
-              <a:schemeClr val="accent1"/>
-            </a:lnRef>
-            <a:fillRef idx="0">
-              <a:schemeClr val="accent1"/>
-            </a:fillRef>
-            <a:effectRef idx="0">
-              <a:schemeClr val="accent1"/>
-            </a:effectRef>
-            <a:fontRef idx="minor">
-              <a:schemeClr val="tx1"/>
-            </a:fontRef>
-          </p:style>
-        </p:cxnSp>
-        <p:cxnSp>
-          <p:nvCxnSpPr>
-            <p:cNvPr id="100" name="直線コネクタ 99">
-              <a:extLst>
-                <a:ext uri="{FF2B5EF4-FFF2-40B4-BE49-F238E27FC236}">
-                  <a16:creationId xmlns:a16="http://schemas.microsoft.com/office/drawing/2014/main" id="{9053C1DC-8957-46F2-9F55-DC954BCFEFE9}"/>
-                </a:ext>
-              </a:extLst>
-            </p:cNvPr>
-            <p:cNvCxnSpPr/>
-            <p:nvPr/>
-          </p:nvCxnSpPr>
-          <p:spPr>
-            <a:xfrm>
-              <a:off x="8632006" y="3600000"/>
-              <a:ext cx="0" cy="655200"/>
-            </a:xfrm>
-            <a:prstGeom prst="line">
-              <a:avLst/>
-            </a:prstGeom>
-            <a:ln>
-              <a:solidFill>
-                <a:schemeClr val="tx1"/>
-              </a:solidFill>
-            </a:ln>
-          </p:spPr>
-          <p:style>
-            <a:lnRef idx="1">
-              <a:schemeClr val="accent1"/>
-            </a:lnRef>
-            <a:fillRef idx="0">
-              <a:schemeClr val="accent1"/>
-            </a:fillRef>
-            <a:effectRef idx="0">
-              <a:schemeClr val="accent1"/>
-            </a:effectRef>
-            <a:fontRef idx="minor">
-              <a:schemeClr val="tx1"/>
-            </a:fontRef>
-          </p:style>
-        </p:cxnSp>
-        <p:cxnSp>
-          <p:nvCxnSpPr>
-            <p:cNvPr id="101" name="直線コネクタ 100">
-              <a:extLst>
-                <a:ext uri="{FF2B5EF4-FFF2-40B4-BE49-F238E27FC236}">
-                  <a16:creationId xmlns:a16="http://schemas.microsoft.com/office/drawing/2014/main" id="{6A4F3586-124E-43E8-A50D-CDA3CC5DD4AA}"/>
-                </a:ext>
-              </a:extLst>
-            </p:cNvPr>
-            <p:cNvCxnSpPr/>
-            <p:nvPr/>
-          </p:nvCxnSpPr>
-          <p:spPr>
-            <a:xfrm>
-              <a:off x="8721513" y="3600000"/>
-              <a:ext cx="0" cy="655200"/>
-            </a:xfrm>
-            <a:prstGeom prst="line">
-              <a:avLst/>
-            </a:prstGeom>
-            <a:ln>
-              <a:solidFill>
-                <a:schemeClr val="tx1"/>
-              </a:solidFill>
-            </a:ln>
-          </p:spPr>
-          <p:style>
-            <a:lnRef idx="1">
-              <a:schemeClr val="accent1"/>
-            </a:lnRef>
-            <a:fillRef idx="0">
-              <a:schemeClr val="accent1"/>
-            </a:fillRef>
-            <a:effectRef idx="0">
-              <a:schemeClr val="accent1"/>
-            </a:effectRef>
-            <a:fontRef idx="minor">
-              <a:schemeClr val="tx1"/>
-            </a:fontRef>
-          </p:style>
-        </p:cxnSp>
-        <p:cxnSp>
-          <p:nvCxnSpPr>
-            <p:cNvPr id="102" name="直線コネクタ 101">
-              <a:extLst>
-                <a:ext uri="{FF2B5EF4-FFF2-40B4-BE49-F238E27FC236}">
-                  <a16:creationId xmlns:a16="http://schemas.microsoft.com/office/drawing/2014/main" id="{4AA7DDB8-0451-4C6A-9100-E77E6F8CB04C}"/>
-                </a:ext>
-              </a:extLst>
-            </p:cNvPr>
-            <p:cNvCxnSpPr>
-              <a:cxnSpLocks/>
-            </p:cNvCxnSpPr>
-            <p:nvPr/>
-          </p:nvCxnSpPr>
-          <p:spPr>
-            <a:xfrm>
-              <a:off x="8811020" y="3600000"/>
-              <a:ext cx="0" cy="655200"/>
-            </a:xfrm>
-            <a:prstGeom prst="line">
-              <a:avLst/>
-            </a:prstGeom>
-            <a:ln>
-              <a:solidFill>
-                <a:schemeClr val="tx1"/>
-              </a:solidFill>
-            </a:ln>
-          </p:spPr>
-          <p:style>
-            <a:lnRef idx="1">
-              <a:schemeClr val="accent1"/>
-            </a:lnRef>
-            <a:fillRef idx="0">
-              <a:schemeClr val="accent1"/>
-            </a:fillRef>
-            <a:effectRef idx="0">
-              <a:schemeClr val="accent1"/>
-            </a:effectRef>
-            <a:fontRef idx="minor">
-              <a:schemeClr val="tx1"/>
-            </a:fontRef>
-          </p:style>
-        </p:cxnSp>
-        <p:cxnSp>
-          <p:nvCxnSpPr>
-            <p:cNvPr id="103" name="直線コネクタ 102">
-              <a:extLst>
-                <a:ext uri="{FF2B5EF4-FFF2-40B4-BE49-F238E27FC236}">
-                  <a16:creationId xmlns:a16="http://schemas.microsoft.com/office/drawing/2014/main" id="{AE309518-7900-4F29-B728-E485C894817F}"/>
-                </a:ext>
-              </a:extLst>
-            </p:cNvPr>
-            <p:cNvCxnSpPr>
-              <a:cxnSpLocks/>
-            </p:cNvCxnSpPr>
-            <p:nvPr/>
-          </p:nvCxnSpPr>
-          <p:spPr>
-            <a:xfrm>
-              <a:off x="8900527" y="3600000"/>
-              <a:ext cx="0" cy="655200"/>
-            </a:xfrm>
-            <a:prstGeom prst="line">
-              <a:avLst/>
-            </a:prstGeom>
-            <a:ln>
-              <a:solidFill>
-                <a:schemeClr val="tx1"/>
-              </a:solidFill>
-            </a:ln>
-          </p:spPr>
-          <p:style>
-            <a:lnRef idx="1">
-              <a:schemeClr val="accent1"/>
-            </a:lnRef>
-            <a:fillRef idx="0">
-              <a:schemeClr val="accent1"/>
-            </a:fillRef>
-            <a:effectRef idx="0">
-              <a:schemeClr val="accent1"/>
-            </a:effectRef>
-            <a:fontRef idx="minor">
-              <a:schemeClr val="tx1"/>
-            </a:fontRef>
-          </p:style>
-        </p:cxnSp>
-        <p:cxnSp>
-          <p:nvCxnSpPr>
-            <p:cNvPr id="104" name="直線コネクタ 103">
-              <a:extLst>
-                <a:ext uri="{FF2B5EF4-FFF2-40B4-BE49-F238E27FC236}">
-                  <a16:creationId xmlns:a16="http://schemas.microsoft.com/office/drawing/2014/main" id="{97FF167F-92DD-4C87-91B8-14BB527FEB15}"/>
-                </a:ext>
-              </a:extLst>
-            </p:cNvPr>
-            <p:cNvCxnSpPr>
-              <a:cxnSpLocks/>
-            </p:cNvCxnSpPr>
-            <p:nvPr/>
-          </p:nvCxnSpPr>
-          <p:spPr>
-            <a:xfrm>
-              <a:off x="8990034" y="3600000"/>
-              <a:ext cx="1" cy="655200"/>
-            </a:xfrm>
-            <a:prstGeom prst="line">
-              <a:avLst/>
-            </a:prstGeom>
-            <a:ln>
-              <a:solidFill>
-                <a:schemeClr val="tx1"/>
-              </a:solidFill>
-            </a:ln>
-          </p:spPr>
-          <p:style>
-            <a:lnRef idx="1">
-              <a:schemeClr val="accent1"/>
-            </a:lnRef>
-            <a:fillRef idx="0">
-              <a:schemeClr val="accent1"/>
-            </a:fillRef>
-            <a:effectRef idx="0">
-              <a:schemeClr val="accent1"/>
-            </a:effectRef>
-            <a:fontRef idx="minor">
-              <a:schemeClr val="tx1"/>
-            </a:fontRef>
-          </p:style>
-        </p:cxnSp>
-        <p:cxnSp>
-          <p:nvCxnSpPr>
-            <p:cNvPr id="105" name="直線コネクタ 104">
-              <a:extLst>
-                <a:ext uri="{FF2B5EF4-FFF2-40B4-BE49-F238E27FC236}">
-                  <a16:creationId xmlns:a16="http://schemas.microsoft.com/office/drawing/2014/main" id="{2495256D-B255-4CF5-BFB6-7C9E525EC47A}"/>
-                </a:ext>
-              </a:extLst>
-            </p:cNvPr>
-            <p:cNvCxnSpPr>
-              <a:cxnSpLocks/>
-            </p:cNvCxnSpPr>
-            <p:nvPr/>
-          </p:nvCxnSpPr>
-          <p:spPr>
-            <a:xfrm>
-              <a:off x="9079541" y="3600000"/>
-              <a:ext cx="0" cy="655200"/>
-            </a:xfrm>
-            <a:prstGeom prst="line">
-              <a:avLst/>
-            </a:prstGeom>
-            <a:ln>
-              <a:solidFill>
-                <a:schemeClr val="tx1"/>
-              </a:solidFill>
-            </a:ln>
-          </p:spPr>
-          <p:style>
-            <a:lnRef idx="1">
-              <a:schemeClr val="accent1"/>
-            </a:lnRef>
-            <a:fillRef idx="0">
-              <a:schemeClr val="accent1"/>
-            </a:fillRef>
-            <a:effectRef idx="0">
-              <a:schemeClr val="accent1"/>
-            </a:effectRef>
-            <a:fontRef idx="minor">
-              <a:schemeClr val="tx1"/>
-            </a:fontRef>
-          </p:style>
-        </p:cxnSp>
-      </p:grpSp>
-      <p:grpSp>
-        <p:nvGrpSpPr>
-          <p:cNvPr id="126" name="グループ化 125">
-            <a:extLst>
-              <a:ext uri="{FF2B5EF4-FFF2-40B4-BE49-F238E27FC236}">
-                <a16:creationId xmlns:a16="http://schemas.microsoft.com/office/drawing/2014/main" id="{8E4B9BB1-4586-4124-8A10-B8689DE8CF49}"/>
-              </a:ext>
-            </a:extLst>
-          </p:cNvPr>
-          <p:cNvGrpSpPr/>
-          <p:nvPr/>
-        </p:nvGrpSpPr>
-        <p:grpSpPr>
-          <a:xfrm>
-            <a:off x="6204913" y="2708332"/>
-            <a:ext cx="1342606" cy="655200"/>
-            <a:chOff x="9169048" y="3600000"/>
-            <a:chExt cx="1342606" cy="655200"/>
-          </a:xfrm>
-        </p:grpSpPr>
-        <p:cxnSp>
-          <p:nvCxnSpPr>
-            <p:cNvPr id="106" name="直線コネクタ 105">
-              <a:extLst>
-                <a:ext uri="{FF2B5EF4-FFF2-40B4-BE49-F238E27FC236}">
-                  <a16:creationId xmlns:a16="http://schemas.microsoft.com/office/drawing/2014/main" id="{18BF2FF6-56ED-40D7-AA3B-4AD325C9E6C9}"/>
-                </a:ext>
-              </a:extLst>
-            </p:cNvPr>
-            <p:cNvCxnSpPr/>
-            <p:nvPr/>
-          </p:nvCxnSpPr>
-          <p:spPr>
-            <a:xfrm>
-              <a:off x="9169048" y="3600000"/>
-              <a:ext cx="0" cy="655200"/>
-            </a:xfrm>
-            <a:prstGeom prst="line">
-              <a:avLst/>
-            </a:prstGeom>
-            <a:ln>
-              <a:solidFill>
-                <a:schemeClr val="tx1"/>
-              </a:solidFill>
-            </a:ln>
-          </p:spPr>
-          <p:style>
-            <a:lnRef idx="1">
-              <a:schemeClr val="accent1"/>
-            </a:lnRef>
-            <a:fillRef idx="0">
-              <a:schemeClr val="accent1"/>
-            </a:fillRef>
-            <a:effectRef idx="0">
-              <a:schemeClr val="accent1"/>
-            </a:effectRef>
-            <a:fontRef idx="minor">
-              <a:schemeClr val="tx1"/>
-            </a:fontRef>
-          </p:style>
-        </p:cxnSp>
-        <p:cxnSp>
-          <p:nvCxnSpPr>
-            <p:cNvPr id="107" name="直線コネクタ 106">
-              <a:extLst>
-                <a:ext uri="{FF2B5EF4-FFF2-40B4-BE49-F238E27FC236}">
-                  <a16:creationId xmlns:a16="http://schemas.microsoft.com/office/drawing/2014/main" id="{E2B995FA-363C-4490-8159-B83D30D5BC4B}"/>
-                </a:ext>
-              </a:extLst>
-            </p:cNvPr>
-            <p:cNvCxnSpPr/>
-            <p:nvPr/>
-          </p:nvCxnSpPr>
-          <p:spPr>
-            <a:xfrm>
-              <a:off x="9258555" y="3600000"/>
-              <a:ext cx="0" cy="655200"/>
-            </a:xfrm>
-            <a:prstGeom prst="line">
-              <a:avLst/>
-            </a:prstGeom>
-            <a:ln>
-              <a:solidFill>
-                <a:schemeClr val="tx1"/>
-              </a:solidFill>
-            </a:ln>
-          </p:spPr>
-          <p:style>
-            <a:lnRef idx="1">
-              <a:schemeClr val="accent1"/>
-            </a:lnRef>
-            <a:fillRef idx="0">
-              <a:schemeClr val="accent1"/>
-            </a:fillRef>
-            <a:effectRef idx="0">
-              <a:schemeClr val="accent1"/>
-            </a:effectRef>
-            <a:fontRef idx="minor">
-              <a:schemeClr val="tx1"/>
-            </a:fontRef>
-          </p:style>
-        </p:cxnSp>
-        <p:cxnSp>
-          <p:nvCxnSpPr>
-            <p:cNvPr id="108" name="直線コネクタ 107">
-              <a:extLst>
-                <a:ext uri="{FF2B5EF4-FFF2-40B4-BE49-F238E27FC236}">
-                  <a16:creationId xmlns:a16="http://schemas.microsoft.com/office/drawing/2014/main" id="{746FEFC7-CBFD-42F0-9AC8-F6BDC697A806}"/>
-                </a:ext>
-              </a:extLst>
-            </p:cNvPr>
-            <p:cNvCxnSpPr/>
-            <p:nvPr/>
-          </p:nvCxnSpPr>
-          <p:spPr>
-            <a:xfrm>
-              <a:off x="9348062" y="3600000"/>
-              <a:ext cx="0" cy="655200"/>
-            </a:xfrm>
-            <a:prstGeom prst="line">
-              <a:avLst/>
-            </a:prstGeom>
-            <a:ln>
-              <a:solidFill>
-                <a:schemeClr val="tx1"/>
-              </a:solidFill>
-            </a:ln>
-          </p:spPr>
-          <p:style>
-            <a:lnRef idx="1">
-              <a:schemeClr val="accent1"/>
-            </a:lnRef>
-            <a:fillRef idx="0">
-              <a:schemeClr val="accent1"/>
-            </a:fillRef>
-            <a:effectRef idx="0">
-              <a:schemeClr val="accent1"/>
-            </a:effectRef>
-            <a:fontRef idx="minor">
-              <a:schemeClr val="tx1"/>
-            </a:fontRef>
-          </p:style>
-        </p:cxnSp>
-        <p:cxnSp>
-          <p:nvCxnSpPr>
-            <p:cNvPr id="109" name="直線コネクタ 108">
-              <a:extLst>
-                <a:ext uri="{FF2B5EF4-FFF2-40B4-BE49-F238E27FC236}">
-                  <a16:creationId xmlns:a16="http://schemas.microsoft.com/office/drawing/2014/main" id="{D9E0F558-FD65-4034-A0EE-E4397CF31E4C}"/>
-                </a:ext>
-              </a:extLst>
-            </p:cNvPr>
-            <p:cNvCxnSpPr/>
-            <p:nvPr/>
-          </p:nvCxnSpPr>
-          <p:spPr>
-            <a:xfrm>
-              <a:off x="9437569" y="3600000"/>
-              <a:ext cx="0" cy="655200"/>
-            </a:xfrm>
-            <a:prstGeom prst="line">
-              <a:avLst/>
-            </a:prstGeom>
-            <a:ln>
-              <a:solidFill>
-                <a:schemeClr val="tx1"/>
-              </a:solidFill>
-            </a:ln>
-          </p:spPr>
-          <p:style>
-            <a:lnRef idx="1">
-              <a:schemeClr val="accent1"/>
-            </a:lnRef>
-            <a:fillRef idx="0">
-              <a:schemeClr val="accent1"/>
-            </a:fillRef>
-            <a:effectRef idx="0">
-              <a:schemeClr val="accent1"/>
-            </a:effectRef>
-            <a:fontRef idx="minor">
-              <a:schemeClr val="tx1"/>
-            </a:fontRef>
-          </p:style>
-        </p:cxnSp>
-        <p:cxnSp>
-          <p:nvCxnSpPr>
-            <p:cNvPr id="110" name="直線コネクタ 109">
-              <a:extLst>
-                <a:ext uri="{FF2B5EF4-FFF2-40B4-BE49-F238E27FC236}">
-                  <a16:creationId xmlns:a16="http://schemas.microsoft.com/office/drawing/2014/main" id="{BDA4B956-25DD-4D39-B3F4-B8EE474B1A63}"/>
-                </a:ext>
-              </a:extLst>
-            </p:cNvPr>
-            <p:cNvCxnSpPr/>
-            <p:nvPr/>
-          </p:nvCxnSpPr>
-          <p:spPr>
-            <a:xfrm>
-              <a:off x="9527076" y="3600000"/>
-              <a:ext cx="0" cy="655200"/>
-            </a:xfrm>
-            <a:prstGeom prst="line">
-              <a:avLst/>
-            </a:prstGeom>
-            <a:ln>
-              <a:solidFill>
-                <a:schemeClr val="tx1"/>
-              </a:solidFill>
-            </a:ln>
-          </p:spPr>
-          <p:style>
-            <a:lnRef idx="1">
-              <a:schemeClr val="accent1"/>
-            </a:lnRef>
-            <a:fillRef idx="0">
-              <a:schemeClr val="accent1"/>
-            </a:fillRef>
-            <a:effectRef idx="0">
-              <a:schemeClr val="accent1"/>
-            </a:effectRef>
-            <a:fontRef idx="minor">
-              <a:schemeClr val="tx1"/>
-            </a:fontRef>
-          </p:style>
-        </p:cxnSp>
-        <p:cxnSp>
-          <p:nvCxnSpPr>
-            <p:cNvPr id="111" name="直線コネクタ 110">
-              <a:extLst>
-                <a:ext uri="{FF2B5EF4-FFF2-40B4-BE49-F238E27FC236}">
-                  <a16:creationId xmlns:a16="http://schemas.microsoft.com/office/drawing/2014/main" id="{6DCC001F-238F-436F-8DDD-254DC98E928C}"/>
-                </a:ext>
-              </a:extLst>
-            </p:cNvPr>
-            <p:cNvCxnSpPr/>
-            <p:nvPr/>
-          </p:nvCxnSpPr>
-          <p:spPr>
-            <a:xfrm>
-              <a:off x="9616583" y="3600000"/>
-              <a:ext cx="0" cy="655200"/>
-            </a:xfrm>
-            <a:prstGeom prst="line">
-              <a:avLst/>
-            </a:prstGeom>
-            <a:ln>
-              <a:solidFill>
-                <a:schemeClr val="tx1"/>
-              </a:solidFill>
-            </a:ln>
-          </p:spPr>
-          <p:style>
-            <a:lnRef idx="1">
-              <a:schemeClr val="accent1"/>
-            </a:lnRef>
-            <a:fillRef idx="0">
-              <a:schemeClr val="accent1"/>
-            </a:fillRef>
-            <a:effectRef idx="0">
-              <a:schemeClr val="accent1"/>
-            </a:effectRef>
-            <a:fontRef idx="minor">
-              <a:schemeClr val="tx1"/>
-            </a:fontRef>
-          </p:style>
-        </p:cxnSp>
-        <p:cxnSp>
-          <p:nvCxnSpPr>
-            <p:cNvPr id="112" name="直線コネクタ 111">
-              <a:extLst>
-                <a:ext uri="{FF2B5EF4-FFF2-40B4-BE49-F238E27FC236}">
-                  <a16:creationId xmlns:a16="http://schemas.microsoft.com/office/drawing/2014/main" id="{83ED81A3-FB7E-4729-B00D-31B0C31BA7CE}"/>
-                </a:ext>
-              </a:extLst>
-            </p:cNvPr>
-            <p:cNvCxnSpPr/>
-            <p:nvPr/>
-          </p:nvCxnSpPr>
-          <p:spPr>
-            <a:xfrm>
-              <a:off x="9706090" y="3600000"/>
-              <a:ext cx="0" cy="655200"/>
-            </a:xfrm>
-            <a:prstGeom prst="line">
-              <a:avLst/>
-            </a:prstGeom>
-            <a:ln>
-              <a:solidFill>
-                <a:schemeClr val="tx1"/>
-              </a:solidFill>
-            </a:ln>
-          </p:spPr>
-          <p:style>
-            <a:lnRef idx="1">
-              <a:schemeClr val="accent1"/>
-            </a:lnRef>
-            <a:fillRef idx="0">
-              <a:schemeClr val="accent1"/>
-            </a:fillRef>
-            <a:effectRef idx="0">
-              <a:schemeClr val="accent1"/>
-            </a:effectRef>
-            <a:fontRef idx="minor">
-              <a:schemeClr val="tx1"/>
-            </a:fontRef>
-          </p:style>
-        </p:cxnSp>
-        <p:cxnSp>
-          <p:nvCxnSpPr>
-            <p:cNvPr id="113" name="直線コネクタ 112">
-              <a:extLst>
-                <a:ext uri="{FF2B5EF4-FFF2-40B4-BE49-F238E27FC236}">
-                  <a16:creationId xmlns:a16="http://schemas.microsoft.com/office/drawing/2014/main" id="{316C4BD9-E2EB-41B5-B5B0-57326372A798}"/>
-                </a:ext>
-              </a:extLst>
-            </p:cNvPr>
-            <p:cNvCxnSpPr>
-              <a:cxnSpLocks/>
-            </p:cNvCxnSpPr>
-            <p:nvPr/>
-          </p:nvCxnSpPr>
-          <p:spPr>
-            <a:xfrm>
-              <a:off x="9795597" y="3600000"/>
-              <a:ext cx="0" cy="655200"/>
-            </a:xfrm>
-            <a:prstGeom prst="line">
-              <a:avLst/>
-            </a:prstGeom>
-            <a:ln>
-              <a:solidFill>
-                <a:schemeClr val="tx1"/>
-              </a:solidFill>
-            </a:ln>
-          </p:spPr>
-          <p:style>
-            <a:lnRef idx="1">
-              <a:schemeClr val="accent1"/>
-            </a:lnRef>
-            <a:fillRef idx="0">
-              <a:schemeClr val="accent1"/>
-            </a:fillRef>
-            <a:effectRef idx="0">
-              <a:schemeClr val="accent1"/>
-            </a:effectRef>
-            <a:fontRef idx="minor">
-              <a:schemeClr val="tx1"/>
-            </a:fontRef>
-          </p:style>
-        </p:cxnSp>
-        <p:cxnSp>
-          <p:nvCxnSpPr>
-            <p:cNvPr id="114" name="直線コネクタ 113">
-              <a:extLst>
-                <a:ext uri="{FF2B5EF4-FFF2-40B4-BE49-F238E27FC236}">
-                  <a16:creationId xmlns:a16="http://schemas.microsoft.com/office/drawing/2014/main" id="{DEB31CA2-2A80-4D9E-BD56-AE99D4A4AB18}"/>
-                </a:ext>
-              </a:extLst>
-            </p:cNvPr>
-            <p:cNvCxnSpPr>
-              <a:cxnSpLocks/>
-            </p:cNvCxnSpPr>
-            <p:nvPr/>
-          </p:nvCxnSpPr>
-          <p:spPr>
-            <a:xfrm>
-              <a:off x="9885105" y="3600000"/>
-              <a:ext cx="0" cy="655200"/>
-            </a:xfrm>
-            <a:prstGeom prst="line">
-              <a:avLst/>
-            </a:prstGeom>
-            <a:ln>
-              <a:solidFill>
-                <a:schemeClr val="tx1"/>
-              </a:solidFill>
-            </a:ln>
-          </p:spPr>
-          <p:style>
-            <a:lnRef idx="1">
-              <a:schemeClr val="accent1"/>
-            </a:lnRef>
-            <a:fillRef idx="0">
-              <a:schemeClr val="accent1"/>
-            </a:fillRef>
-            <a:effectRef idx="0">
-              <a:schemeClr val="accent1"/>
-            </a:effectRef>
-            <a:fontRef idx="minor">
-              <a:schemeClr val="tx1"/>
-            </a:fontRef>
-          </p:style>
-        </p:cxnSp>
-        <p:cxnSp>
-          <p:nvCxnSpPr>
-            <p:cNvPr id="115" name="直線コネクタ 114">
-              <a:extLst>
-                <a:ext uri="{FF2B5EF4-FFF2-40B4-BE49-F238E27FC236}">
-                  <a16:creationId xmlns:a16="http://schemas.microsoft.com/office/drawing/2014/main" id="{99023F2A-ED9F-4C72-87A7-418FB5408B34}"/>
-                </a:ext>
-              </a:extLst>
-            </p:cNvPr>
-            <p:cNvCxnSpPr>
-              <a:cxnSpLocks/>
-            </p:cNvCxnSpPr>
-            <p:nvPr/>
-          </p:nvCxnSpPr>
-          <p:spPr>
-            <a:xfrm>
-              <a:off x="9974612" y="3600000"/>
-              <a:ext cx="1" cy="655200"/>
-            </a:xfrm>
-            <a:prstGeom prst="line">
-              <a:avLst/>
-            </a:prstGeom>
-            <a:ln>
-              <a:solidFill>
-                <a:schemeClr val="tx1"/>
-              </a:solidFill>
-            </a:ln>
-          </p:spPr>
-          <p:style>
-            <a:lnRef idx="1">
-              <a:schemeClr val="accent1"/>
-            </a:lnRef>
-            <a:fillRef idx="0">
-              <a:schemeClr val="accent1"/>
-            </a:fillRef>
-            <a:effectRef idx="0">
-              <a:schemeClr val="accent1"/>
-            </a:effectRef>
-            <a:fontRef idx="minor">
-              <a:schemeClr val="tx1"/>
-            </a:fontRef>
-          </p:style>
-        </p:cxnSp>
-        <p:cxnSp>
-          <p:nvCxnSpPr>
-            <p:cNvPr id="116" name="直線コネクタ 115">
-              <a:extLst>
-                <a:ext uri="{FF2B5EF4-FFF2-40B4-BE49-F238E27FC236}">
-                  <a16:creationId xmlns:a16="http://schemas.microsoft.com/office/drawing/2014/main" id="{6C2B2BEC-94E8-437B-A7A8-79712D46EAEF}"/>
-                </a:ext>
-              </a:extLst>
-            </p:cNvPr>
-            <p:cNvCxnSpPr>
-              <a:cxnSpLocks/>
-            </p:cNvCxnSpPr>
-            <p:nvPr/>
-          </p:nvCxnSpPr>
-          <p:spPr>
-            <a:xfrm>
-              <a:off x="10064119" y="3600000"/>
-              <a:ext cx="0" cy="655200"/>
-            </a:xfrm>
-            <a:prstGeom prst="line">
-              <a:avLst/>
-            </a:prstGeom>
-            <a:ln>
-              <a:solidFill>
-                <a:schemeClr val="tx1"/>
-              </a:solidFill>
-            </a:ln>
-          </p:spPr>
-          <p:style>
-            <a:lnRef idx="1">
-              <a:schemeClr val="accent1"/>
-            </a:lnRef>
-            <a:fillRef idx="0">
-              <a:schemeClr val="accent1"/>
-            </a:fillRef>
-            <a:effectRef idx="0">
-              <a:schemeClr val="accent1"/>
-            </a:effectRef>
-            <a:fontRef idx="minor">
-              <a:schemeClr val="tx1"/>
-            </a:fontRef>
-          </p:style>
-        </p:cxnSp>
-        <p:cxnSp>
-          <p:nvCxnSpPr>
-            <p:cNvPr id="117" name="直線コネクタ 116">
-              <a:extLst>
-                <a:ext uri="{FF2B5EF4-FFF2-40B4-BE49-F238E27FC236}">
-                  <a16:creationId xmlns:a16="http://schemas.microsoft.com/office/drawing/2014/main" id="{3B5816A4-1F60-4B9C-B3AE-713F7C4D29C5}"/>
-                </a:ext>
-              </a:extLst>
-            </p:cNvPr>
-            <p:cNvCxnSpPr/>
-            <p:nvPr/>
-          </p:nvCxnSpPr>
-          <p:spPr>
-            <a:xfrm>
-              <a:off x="10153626" y="3600000"/>
-              <a:ext cx="0" cy="655200"/>
-            </a:xfrm>
-            <a:prstGeom prst="line">
-              <a:avLst/>
-            </a:prstGeom>
-            <a:ln>
-              <a:solidFill>
-                <a:schemeClr val="tx1"/>
-              </a:solidFill>
-            </a:ln>
-          </p:spPr>
-          <p:style>
-            <a:lnRef idx="1">
-              <a:schemeClr val="accent1"/>
-            </a:lnRef>
-            <a:fillRef idx="0">
-              <a:schemeClr val="accent1"/>
-            </a:fillRef>
-            <a:effectRef idx="0">
-              <a:schemeClr val="accent1"/>
-            </a:effectRef>
-            <a:fontRef idx="minor">
-              <a:schemeClr val="tx1"/>
-            </a:fontRef>
-          </p:style>
-        </p:cxnSp>
-        <p:cxnSp>
-          <p:nvCxnSpPr>
-            <p:cNvPr id="118" name="直線コネクタ 117">
-              <a:extLst>
-                <a:ext uri="{FF2B5EF4-FFF2-40B4-BE49-F238E27FC236}">
-                  <a16:creationId xmlns:a16="http://schemas.microsoft.com/office/drawing/2014/main" id="{46606BBC-0703-4EDF-9D84-170E5469600A}"/>
-                </a:ext>
-              </a:extLst>
-            </p:cNvPr>
-            <p:cNvCxnSpPr/>
-            <p:nvPr/>
-          </p:nvCxnSpPr>
-          <p:spPr>
-            <a:xfrm>
-              <a:off x="10243133" y="3600000"/>
-              <a:ext cx="0" cy="655200"/>
-            </a:xfrm>
-            <a:prstGeom prst="line">
-              <a:avLst/>
-            </a:prstGeom>
-            <a:ln>
-              <a:solidFill>
-                <a:schemeClr val="tx1"/>
-              </a:solidFill>
-            </a:ln>
-          </p:spPr>
-          <p:style>
-            <a:lnRef idx="1">
-              <a:schemeClr val="accent1"/>
-            </a:lnRef>
-            <a:fillRef idx="0">
-              <a:schemeClr val="accent1"/>
-            </a:fillRef>
-            <a:effectRef idx="0">
-              <a:schemeClr val="accent1"/>
-            </a:effectRef>
-            <a:fontRef idx="minor">
-              <a:schemeClr val="tx1"/>
-            </a:fontRef>
-          </p:style>
-        </p:cxnSp>
-        <p:cxnSp>
-          <p:nvCxnSpPr>
-            <p:cNvPr id="119" name="直線コネクタ 118">
-              <a:extLst>
-                <a:ext uri="{FF2B5EF4-FFF2-40B4-BE49-F238E27FC236}">
-                  <a16:creationId xmlns:a16="http://schemas.microsoft.com/office/drawing/2014/main" id="{749C3D8E-BCEA-4EB3-BB08-5FC6D0A8B870}"/>
-                </a:ext>
-              </a:extLst>
-            </p:cNvPr>
-            <p:cNvCxnSpPr/>
-            <p:nvPr/>
-          </p:nvCxnSpPr>
-          <p:spPr>
-            <a:xfrm>
-              <a:off x="10332640" y="3600000"/>
-              <a:ext cx="0" cy="655200"/>
-            </a:xfrm>
-            <a:prstGeom prst="line">
-              <a:avLst/>
-            </a:prstGeom>
-            <a:ln>
-              <a:solidFill>
-                <a:schemeClr val="tx1"/>
-              </a:solidFill>
-            </a:ln>
-          </p:spPr>
-          <p:style>
-            <a:lnRef idx="1">
-              <a:schemeClr val="accent1"/>
-            </a:lnRef>
-            <a:fillRef idx="0">
-              <a:schemeClr val="accent1"/>
-            </a:fillRef>
-            <a:effectRef idx="0">
-              <a:schemeClr val="accent1"/>
-            </a:effectRef>
-            <a:fontRef idx="minor">
-              <a:schemeClr val="tx1"/>
-            </a:fontRef>
-          </p:style>
-        </p:cxnSp>
-        <p:cxnSp>
-          <p:nvCxnSpPr>
-            <p:cNvPr id="120" name="直線コネクタ 119">
-              <a:extLst>
-                <a:ext uri="{FF2B5EF4-FFF2-40B4-BE49-F238E27FC236}">
-                  <a16:creationId xmlns:a16="http://schemas.microsoft.com/office/drawing/2014/main" id="{CA6E7708-0F15-42DE-93DC-ABE4D548C68C}"/>
-                </a:ext>
-              </a:extLst>
-            </p:cNvPr>
-            <p:cNvCxnSpPr/>
-            <p:nvPr/>
-          </p:nvCxnSpPr>
-          <p:spPr>
-            <a:xfrm>
-              <a:off x="10422147" y="3600000"/>
-              <a:ext cx="0" cy="655200"/>
-            </a:xfrm>
-            <a:prstGeom prst="line">
-              <a:avLst/>
-            </a:prstGeom>
-            <a:ln>
-              <a:solidFill>
-                <a:schemeClr val="tx1"/>
-              </a:solidFill>
-            </a:ln>
-          </p:spPr>
-          <p:style>
-            <a:lnRef idx="1">
-              <a:schemeClr val="accent1"/>
-            </a:lnRef>
-            <a:fillRef idx="0">
-              <a:schemeClr val="accent1"/>
-            </a:fillRef>
-            <a:effectRef idx="0">
-              <a:schemeClr val="accent1"/>
-            </a:effectRef>
-            <a:fontRef idx="minor">
-              <a:schemeClr val="tx1"/>
-            </a:fontRef>
-          </p:style>
-        </p:cxnSp>
-        <p:cxnSp>
-          <p:nvCxnSpPr>
-            <p:cNvPr id="121" name="直線コネクタ 120">
-              <a:extLst>
-                <a:ext uri="{FF2B5EF4-FFF2-40B4-BE49-F238E27FC236}">
-                  <a16:creationId xmlns:a16="http://schemas.microsoft.com/office/drawing/2014/main" id="{297015A4-8D70-42A0-847E-B0C99A73F37A}"/>
-                </a:ext>
-              </a:extLst>
-            </p:cNvPr>
-            <p:cNvCxnSpPr/>
-            <p:nvPr/>
-          </p:nvCxnSpPr>
-          <p:spPr>
-            <a:xfrm>
-              <a:off x="10511654" y="3600000"/>
-              <a:ext cx="0" cy="655200"/>
-            </a:xfrm>
-            <a:prstGeom prst="line">
-              <a:avLst/>
-            </a:prstGeom>
-            <a:ln>
-              <a:solidFill>
-                <a:schemeClr val="tx1"/>
-              </a:solidFill>
-            </a:ln>
-          </p:spPr>
-          <p:style>
-            <a:lnRef idx="1">
-              <a:schemeClr val="accent1"/>
-            </a:lnRef>
-            <a:fillRef idx="0">
-              <a:schemeClr val="accent1"/>
-            </a:fillRef>
-            <a:effectRef idx="0">
-              <a:schemeClr val="accent1"/>
-            </a:effectRef>
-            <a:fontRef idx="minor">
-              <a:schemeClr val="tx1"/>
-            </a:fontRef>
-          </p:style>
-        </p:cxnSp>
-      </p:grpSp>
+            <a:off x="7686734" y="3206755"/>
+            <a:ext cx="1581124" cy="369332"/>
+          </a:xfrm>
+          <a:prstGeom prst="rect">
+            <a:avLst/>
+          </a:prstGeom>
+          <a:noFill/>
+        </p:spPr>
+        <p:txBody>
+          <a:bodyPr wrap="square" rtlCol="0">
+            <a:spAutoFit/>
+          </a:bodyPr>
+          <a:lstStyle/>
+          <a:p>
+            <a:pPr algn="ctr"/>
+            <a:r>
+              <a:rPr kumimoji="1" lang="ja-JP" altLang="en-US" dirty="0"/>
+              <a:t>プリント基板</a:t>
+            </a:r>
+          </a:p>
+        </p:txBody>
+      </p:sp>
       <p:grpSp>
         <p:nvGrpSpPr>
           <p:cNvPr id="127" name="グループ化 126">
@@ -8425,7 +5332,7 @@
         </p:nvGrpSpPr>
         <p:grpSpPr>
           <a:xfrm>
-            <a:off x="4150793" y="4505036"/>
+            <a:off x="4148506" y="5316475"/>
             <a:ext cx="3538228" cy="588696"/>
             <a:chOff x="4725750" y="2840304"/>
             <a:chExt cx="1974456" cy="588696"/>
@@ -8537,7 +5444,7 @@
         </p:nvCxnSpPr>
         <p:spPr>
           <a:xfrm flipH="1">
-            <a:off x="4969062" y="3952228"/>
+            <a:off x="4966775" y="4763667"/>
             <a:ext cx="1" cy="552808"/>
           </a:xfrm>
           <a:prstGeom prst="line">
@@ -8578,7 +5485,7 @@
         </p:nvCxnSpPr>
         <p:spPr>
           <a:xfrm flipH="1">
-            <a:off x="6872739" y="3952228"/>
+            <a:off x="6870452" y="4763667"/>
             <a:ext cx="1" cy="552808"/>
           </a:xfrm>
           <a:prstGeom prst="line">
@@ -8605,6 +5512,2880 @@
           </a:fontRef>
         </p:style>
       </p:cxnSp>
+      <p:cxnSp>
+        <p:nvCxnSpPr>
+          <p:cNvPr id="6" name="直線コネクタ 5">
+            <a:extLst>
+              <a:ext uri="{FF2B5EF4-FFF2-40B4-BE49-F238E27FC236}">
+                <a16:creationId xmlns:a16="http://schemas.microsoft.com/office/drawing/2014/main" id="{646C685D-79FA-4B41-8C4C-5730FB10FAEA}"/>
+              </a:ext>
+            </a:extLst>
+          </p:cNvPr>
+          <p:cNvCxnSpPr/>
+          <p:nvPr/>
+        </p:nvCxnSpPr>
+        <p:spPr>
+          <a:xfrm>
+            <a:off x="4148506" y="3004457"/>
+            <a:ext cx="3538228" cy="0"/>
+          </a:xfrm>
+          <a:prstGeom prst="line">
+            <a:avLst/>
+          </a:prstGeom>
+          <a:ln w="12700">
+            <a:solidFill>
+              <a:schemeClr val="tx1"/>
+            </a:solidFill>
+          </a:ln>
+        </p:spPr>
+        <p:style>
+          <a:lnRef idx="1">
+            <a:schemeClr val="accent1"/>
+          </a:lnRef>
+          <a:fillRef idx="0">
+            <a:schemeClr val="accent1"/>
+          </a:fillRef>
+          <a:effectRef idx="0">
+            <a:schemeClr val="accent1"/>
+          </a:effectRef>
+          <a:fontRef idx="minor">
+            <a:schemeClr val="tx1"/>
+          </a:fontRef>
+        </p:style>
+      </p:cxnSp>
+      <p:cxnSp>
+        <p:nvCxnSpPr>
+          <p:cNvPr id="138" name="直線コネクタ 137">
+            <a:extLst>
+              <a:ext uri="{FF2B5EF4-FFF2-40B4-BE49-F238E27FC236}">
+                <a16:creationId xmlns:a16="http://schemas.microsoft.com/office/drawing/2014/main" id="{F28BCA41-BF3C-43D0-A4E1-9E5AFAF6F229}"/>
+              </a:ext>
+            </a:extLst>
+          </p:cNvPr>
+          <p:cNvCxnSpPr/>
+          <p:nvPr/>
+        </p:nvCxnSpPr>
+        <p:spPr>
+          <a:xfrm>
+            <a:off x="4148506" y="3218707"/>
+            <a:ext cx="3538228" cy="0"/>
+          </a:xfrm>
+          <a:prstGeom prst="line">
+            <a:avLst/>
+          </a:prstGeom>
+          <a:ln w="12700">
+            <a:solidFill>
+              <a:schemeClr val="tx1"/>
+            </a:solidFill>
+          </a:ln>
+        </p:spPr>
+        <p:style>
+          <a:lnRef idx="1">
+            <a:schemeClr val="accent1"/>
+          </a:lnRef>
+          <a:fillRef idx="0">
+            <a:schemeClr val="accent1"/>
+          </a:fillRef>
+          <a:effectRef idx="0">
+            <a:schemeClr val="accent1"/>
+          </a:effectRef>
+          <a:fontRef idx="minor">
+            <a:schemeClr val="tx1"/>
+          </a:fontRef>
+        </p:style>
+      </p:cxnSp>
+      <p:sp>
+        <p:nvSpPr>
+          <p:cNvPr id="241" name="楕円 240">
+            <a:extLst>
+              <a:ext uri="{FF2B5EF4-FFF2-40B4-BE49-F238E27FC236}">
+                <a16:creationId xmlns:a16="http://schemas.microsoft.com/office/drawing/2014/main" id="{65DE6C37-C37C-4AC1-8355-B668DD375FBE}"/>
+              </a:ext>
+            </a:extLst>
+          </p:cNvPr>
+          <p:cNvSpPr/>
+          <p:nvPr/>
+        </p:nvSpPr>
+        <p:spPr>
+          <a:xfrm>
+            <a:off x="7124400" y="1426280"/>
+            <a:ext cx="256593" cy="246563"/>
+          </a:xfrm>
+          <a:prstGeom prst="ellipse">
+            <a:avLst/>
+          </a:prstGeom>
+          <a:solidFill>
+            <a:schemeClr val="tx1"/>
+          </a:solidFill>
+          <a:ln>
+            <a:solidFill>
+              <a:schemeClr val="tx1"/>
+            </a:solidFill>
+          </a:ln>
+        </p:spPr>
+        <p:style>
+          <a:lnRef idx="2">
+            <a:schemeClr val="accent1">
+              <a:shade val="50000"/>
+            </a:schemeClr>
+          </a:lnRef>
+          <a:fillRef idx="1">
+            <a:schemeClr val="accent1"/>
+          </a:fillRef>
+          <a:effectRef idx="0">
+            <a:schemeClr val="accent1"/>
+          </a:effectRef>
+          <a:fontRef idx="minor">
+            <a:schemeClr val="lt1"/>
+          </a:fontRef>
+        </p:style>
+        <p:txBody>
+          <a:bodyPr rtlCol="0" anchor="ctr"/>
+          <a:lstStyle/>
+          <a:p>
+            <a:pPr algn="ctr"/>
+            <a:endParaRPr kumimoji="1" lang="ja-JP" altLang="en-US"/>
+          </a:p>
+        </p:txBody>
+      </p:sp>
+      <p:cxnSp>
+        <p:nvCxnSpPr>
+          <p:cNvPr id="242" name="直線コネクタ 241">
+            <a:extLst>
+              <a:ext uri="{FF2B5EF4-FFF2-40B4-BE49-F238E27FC236}">
+                <a16:creationId xmlns:a16="http://schemas.microsoft.com/office/drawing/2014/main" id="{333D4D67-DCAD-4430-A00B-162EBDE1408F}"/>
+              </a:ext>
+            </a:extLst>
+          </p:cNvPr>
+          <p:cNvCxnSpPr>
+            <a:cxnSpLocks/>
+          </p:cNvCxnSpPr>
+          <p:nvPr/>
+        </p:nvCxnSpPr>
+        <p:spPr>
+          <a:xfrm>
+            <a:off x="7188068" y="1641181"/>
+            <a:ext cx="0" cy="1346577"/>
+          </a:xfrm>
+          <a:prstGeom prst="line">
+            <a:avLst/>
+          </a:prstGeom>
+          <a:ln w="12700">
+            <a:solidFill>
+              <a:schemeClr val="tx1"/>
+            </a:solidFill>
+          </a:ln>
+        </p:spPr>
+        <p:style>
+          <a:lnRef idx="1">
+            <a:schemeClr val="accent1"/>
+          </a:lnRef>
+          <a:fillRef idx="0">
+            <a:schemeClr val="accent1"/>
+          </a:fillRef>
+          <a:effectRef idx="0">
+            <a:schemeClr val="accent1"/>
+          </a:effectRef>
+          <a:fontRef idx="minor">
+            <a:schemeClr val="tx1"/>
+          </a:fontRef>
+        </p:style>
+      </p:cxnSp>
+      <p:cxnSp>
+        <p:nvCxnSpPr>
+          <p:cNvPr id="243" name="直線コネクタ 242">
+            <a:extLst>
+              <a:ext uri="{FF2B5EF4-FFF2-40B4-BE49-F238E27FC236}">
+                <a16:creationId xmlns:a16="http://schemas.microsoft.com/office/drawing/2014/main" id="{16B37C88-2A6B-4A61-A487-F65B79F8F234}"/>
+              </a:ext>
+            </a:extLst>
+          </p:cNvPr>
+          <p:cNvCxnSpPr>
+            <a:cxnSpLocks/>
+            <a:endCxn id="244" idx="3"/>
+          </p:cNvCxnSpPr>
+          <p:nvPr/>
+        </p:nvCxnSpPr>
+        <p:spPr>
+          <a:xfrm>
+            <a:off x="7324380" y="1641181"/>
+            <a:ext cx="1" cy="697733"/>
+          </a:xfrm>
+          <a:prstGeom prst="line">
+            <a:avLst/>
+          </a:prstGeom>
+          <a:ln w="12700">
+            <a:solidFill>
+              <a:schemeClr val="tx1"/>
+            </a:solidFill>
+          </a:ln>
+        </p:spPr>
+        <p:style>
+          <a:lnRef idx="1">
+            <a:schemeClr val="accent1"/>
+          </a:lnRef>
+          <a:fillRef idx="0">
+            <a:schemeClr val="accent1"/>
+          </a:fillRef>
+          <a:effectRef idx="0">
+            <a:schemeClr val="accent1"/>
+          </a:effectRef>
+          <a:fontRef idx="minor">
+            <a:schemeClr val="tx1"/>
+          </a:fontRef>
+        </p:style>
+      </p:cxnSp>
+      <p:sp>
+        <p:nvSpPr>
+          <p:cNvPr id="244" name="正方形/長方形 243">
+            <a:extLst>
+              <a:ext uri="{FF2B5EF4-FFF2-40B4-BE49-F238E27FC236}">
+                <a16:creationId xmlns:a16="http://schemas.microsoft.com/office/drawing/2014/main" id="{7A717C21-522E-4B4B-8EDD-8D260CBCAFED}"/>
+              </a:ext>
+            </a:extLst>
+          </p:cNvPr>
+          <p:cNvSpPr/>
+          <p:nvPr/>
+        </p:nvSpPr>
+        <p:spPr bwMode="auto">
+          <a:xfrm rot="16200000">
+            <a:off x="7136090" y="2455521"/>
+            <a:ext cx="376580" cy="143365"/>
+          </a:xfrm>
+          <a:prstGeom prst="rect">
+            <a:avLst/>
+          </a:prstGeom>
+          <a:noFill/>
+          <a:ln w="6350">
+            <a:solidFill>
+              <a:schemeClr val="tx1"/>
+            </a:solidFill>
+            <a:round/>
+            <a:headEnd/>
+            <a:tailEnd/>
+          </a:ln>
+          <a:effectLst/>
+        </p:spPr>
+        <p:txBody>
+          <a:bodyPr rtlCol="0" anchor="ctr"/>
+          <a:lstStyle/>
+          <a:p>
+            <a:pPr algn="ctr"/>
+            <a:endParaRPr kumimoji="1" lang="ja-JP" altLang="en-US"/>
+          </a:p>
+        </p:txBody>
+      </p:sp>
+      <p:cxnSp>
+        <p:nvCxnSpPr>
+          <p:cNvPr id="246" name="直線コネクタ 245">
+            <a:extLst>
+              <a:ext uri="{FF2B5EF4-FFF2-40B4-BE49-F238E27FC236}">
+                <a16:creationId xmlns:a16="http://schemas.microsoft.com/office/drawing/2014/main" id="{C01AA4A3-3958-4570-AFB1-A4612308B79D}"/>
+              </a:ext>
+            </a:extLst>
+          </p:cNvPr>
+          <p:cNvCxnSpPr>
+            <a:cxnSpLocks/>
+            <a:stCxn id="244" idx="1"/>
+          </p:cNvCxnSpPr>
+          <p:nvPr/>
+        </p:nvCxnSpPr>
+        <p:spPr>
+          <a:xfrm flipH="1">
+            <a:off x="7324380" y="2715494"/>
+            <a:ext cx="1" cy="520925"/>
+          </a:xfrm>
+          <a:prstGeom prst="line">
+            <a:avLst/>
+          </a:prstGeom>
+          <a:ln w="12700">
+            <a:solidFill>
+              <a:schemeClr val="tx1"/>
+            </a:solidFill>
+          </a:ln>
+        </p:spPr>
+        <p:style>
+          <a:lnRef idx="1">
+            <a:schemeClr val="accent1"/>
+          </a:lnRef>
+          <a:fillRef idx="0">
+            <a:schemeClr val="accent1"/>
+          </a:fillRef>
+          <a:effectRef idx="0">
+            <a:schemeClr val="accent1"/>
+          </a:effectRef>
+          <a:fontRef idx="minor">
+            <a:schemeClr val="tx1"/>
+          </a:fontRef>
+        </p:style>
+      </p:cxnSp>
+      <p:sp>
+        <p:nvSpPr>
+          <p:cNvPr id="247" name="楕円 246">
+            <a:extLst>
+              <a:ext uri="{FF2B5EF4-FFF2-40B4-BE49-F238E27FC236}">
+                <a16:creationId xmlns:a16="http://schemas.microsoft.com/office/drawing/2014/main" id="{258FB149-0F9E-4AEC-8DA8-A4CB4F031BE6}"/>
+              </a:ext>
+            </a:extLst>
+          </p:cNvPr>
+          <p:cNvSpPr>
+            <a:spLocks noChangeAspect="1"/>
+          </p:cNvSpPr>
+          <p:nvPr/>
+        </p:nvSpPr>
+        <p:spPr>
+          <a:xfrm flipH="1">
+            <a:off x="7292299" y="2202852"/>
+            <a:ext cx="64800" cy="65904"/>
+          </a:xfrm>
+          <a:prstGeom prst="ellipse">
+            <a:avLst/>
+          </a:prstGeom>
+          <a:solidFill>
+            <a:schemeClr val="tx1"/>
+          </a:solidFill>
+          <a:ln>
+            <a:solidFill>
+              <a:schemeClr val="tx1"/>
+            </a:solidFill>
+          </a:ln>
+        </p:spPr>
+        <p:style>
+          <a:lnRef idx="2">
+            <a:schemeClr val="accent1">
+              <a:shade val="50000"/>
+            </a:schemeClr>
+          </a:lnRef>
+          <a:fillRef idx="1">
+            <a:schemeClr val="accent1"/>
+          </a:fillRef>
+          <a:effectRef idx="0">
+            <a:schemeClr val="accent1"/>
+          </a:effectRef>
+          <a:fontRef idx="minor">
+            <a:schemeClr val="lt1"/>
+          </a:fontRef>
+        </p:style>
+        <p:txBody>
+          <a:bodyPr rtlCol="0" anchor="ctr"/>
+          <a:lstStyle/>
+          <a:p>
+            <a:pPr algn="ctr"/>
+            <a:endParaRPr kumimoji="1" lang="ja-JP" altLang="en-US"/>
+          </a:p>
+        </p:txBody>
+      </p:sp>
+      <p:sp>
+        <p:nvSpPr>
+          <p:cNvPr id="248" name="楕円 247">
+            <a:extLst>
+              <a:ext uri="{FF2B5EF4-FFF2-40B4-BE49-F238E27FC236}">
+                <a16:creationId xmlns:a16="http://schemas.microsoft.com/office/drawing/2014/main" id="{16D102F3-65BA-4405-87A1-8F824660050D}"/>
+              </a:ext>
+            </a:extLst>
+          </p:cNvPr>
+          <p:cNvSpPr>
+            <a:spLocks noChangeAspect="1"/>
+          </p:cNvSpPr>
+          <p:nvPr/>
+        </p:nvSpPr>
+        <p:spPr>
+          <a:xfrm flipH="1">
+            <a:off x="7162552" y="2973108"/>
+            <a:ext cx="64800" cy="65904"/>
+          </a:xfrm>
+          <a:prstGeom prst="ellipse">
+            <a:avLst/>
+          </a:prstGeom>
+          <a:solidFill>
+            <a:schemeClr val="tx1"/>
+          </a:solidFill>
+          <a:ln>
+            <a:solidFill>
+              <a:schemeClr val="tx1"/>
+            </a:solidFill>
+          </a:ln>
+        </p:spPr>
+        <p:style>
+          <a:lnRef idx="2">
+            <a:schemeClr val="accent1">
+              <a:shade val="50000"/>
+            </a:schemeClr>
+          </a:lnRef>
+          <a:fillRef idx="1">
+            <a:schemeClr val="accent1"/>
+          </a:fillRef>
+          <a:effectRef idx="0">
+            <a:schemeClr val="accent1"/>
+          </a:effectRef>
+          <a:fontRef idx="minor">
+            <a:schemeClr val="lt1"/>
+          </a:fontRef>
+        </p:style>
+        <p:txBody>
+          <a:bodyPr rtlCol="0" anchor="ctr"/>
+          <a:lstStyle/>
+          <a:p>
+            <a:pPr algn="ctr"/>
+            <a:endParaRPr kumimoji="1" lang="ja-JP" altLang="en-US"/>
+          </a:p>
+        </p:txBody>
+      </p:sp>
+      <p:sp>
+        <p:nvSpPr>
+          <p:cNvPr id="249" name="楕円 248">
+            <a:extLst>
+              <a:ext uri="{FF2B5EF4-FFF2-40B4-BE49-F238E27FC236}">
+                <a16:creationId xmlns:a16="http://schemas.microsoft.com/office/drawing/2014/main" id="{41ACAA51-497E-4F97-BE72-E0AB2453B463}"/>
+              </a:ext>
+            </a:extLst>
+          </p:cNvPr>
+          <p:cNvSpPr>
+            <a:spLocks noChangeAspect="1"/>
+          </p:cNvSpPr>
+          <p:nvPr/>
+        </p:nvSpPr>
+        <p:spPr>
+          <a:xfrm flipH="1">
+            <a:off x="7292299" y="3185755"/>
+            <a:ext cx="64800" cy="65904"/>
+          </a:xfrm>
+          <a:prstGeom prst="ellipse">
+            <a:avLst/>
+          </a:prstGeom>
+          <a:solidFill>
+            <a:schemeClr val="tx1"/>
+          </a:solidFill>
+          <a:ln>
+            <a:solidFill>
+              <a:schemeClr val="tx1"/>
+            </a:solidFill>
+          </a:ln>
+        </p:spPr>
+        <p:style>
+          <a:lnRef idx="2">
+            <a:schemeClr val="accent1">
+              <a:shade val="50000"/>
+            </a:schemeClr>
+          </a:lnRef>
+          <a:fillRef idx="1">
+            <a:schemeClr val="accent1"/>
+          </a:fillRef>
+          <a:effectRef idx="0">
+            <a:schemeClr val="accent1"/>
+          </a:effectRef>
+          <a:fontRef idx="minor">
+            <a:schemeClr val="lt1"/>
+          </a:fontRef>
+        </p:style>
+        <p:txBody>
+          <a:bodyPr rtlCol="0" anchor="ctr"/>
+          <a:lstStyle/>
+          <a:p>
+            <a:pPr algn="ctr"/>
+            <a:endParaRPr kumimoji="1" lang="ja-JP" altLang="en-US"/>
+          </a:p>
+        </p:txBody>
+      </p:sp>
+      <p:sp>
+        <p:nvSpPr>
+          <p:cNvPr id="250" name="楕円 249">
+            <a:extLst>
+              <a:ext uri="{FF2B5EF4-FFF2-40B4-BE49-F238E27FC236}">
+                <a16:creationId xmlns:a16="http://schemas.microsoft.com/office/drawing/2014/main" id="{DB7CCA01-70D6-4486-89A3-9D3FF7D3A6CE}"/>
+              </a:ext>
+            </a:extLst>
+          </p:cNvPr>
+          <p:cNvSpPr/>
+          <p:nvPr/>
+        </p:nvSpPr>
+        <p:spPr>
+          <a:xfrm>
+            <a:off x="6283782" y="1429892"/>
+            <a:ext cx="256593" cy="246563"/>
+          </a:xfrm>
+          <a:prstGeom prst="ellipse">
+            <a:avLst/>
+          </a:prstGeom>
+          <a:solidFill>
+            <a:schemeClr val="tx1"/>
+          </a:solidFill>
+          <a:ln>
+            <a:solidFill>
+              <a:schemeClr val="tx1"/>
+            </a:solidFill>
+          </a:ln>
+        </p:spPr>
+        <p:style>
+          <a:lnRef idx="2">
+            <a:schemeClr val="accent1">
+              <a:shade val="50000"/>
+            </a:schemeClr>
+          </a:lnRef>
+          <a:fillRef idx="1">
+            <a:schemeClr val="accent1"/>
+          </a:fillRef>
+          <a:effectRef idx="0">
+            <a:schemeClr val="accent1"/>
+          </a:effectRef>
+          <a:fontRef idx="minor">
+            <a:schemeClr val="lt1"/>
+          </a:fontRef>
+        </p:style>
+        <p:txBody>
+          <a:bodyPr rtlCol="0" anchor="ctr"/>
+          <a:lstStyle/>
+          <a:p>
+            <a:pPr algn="ctr"/>
+            <a:endParaRPr kumimoji="1" lang="ja-JP" altLang="en-US" dirty="0"/>
+          </a:p>
+        </p:txBody>
+      </p:sp>
+      <p:cxnSp>
+        <p:nvCxnSpPr>
+          <p:cNvPr id="251" name="直線コネクタ 250">
+            <a:extLst>
+              <a:ext uri="{FF2B5EF4-FFF2-40B4-BE49-F238E27FC236}">
+                <a16:creationId xmlns:a16="http://schemas.microsoft.com/office/drawing/2014/main" id="{F1D5193C-F84F-4BB6-BE83-E9F4B0DAA4E4}"/>
+              </a:ext>
+            </a:extLst>
+          </p:cNvPr>
+          <p:cNvCxnSpPr>
+            <a:cxnSpLocks/>
+          </p:cNvCxnSpPr>
+          <p:nvPr/>
+        </p:nvCxnSpPr>
+        <p:spPr>
+          <a:xfrm>
+            <a:off x="6347450" y="1644793"/>
+            <a:ext cx="0" cy="1346577"/>
+          </a:xfrm>
+          <a:prstGeom prst="line">
+            <a:avLst/>
+          </a:prstGeom>
+          <a:ln w="12700">
+            <a:solidFill>
+              <a:schemeClr val="tx1"/>
+            </a:solidFill>
+          </a:ln>
+        </p:spPr>
+        <p:style>
+          <a:lnRef idx="1">
+            <a:schemeClr val="accent1"/>
+          </a:lnRef>
+          <a:fillRef idx="0">
+            <a:schemeClr val="accent1"/>
+          </a:fillRef>
+          <a:effectRef idx="0">
+            <a:schemeClr val="accent1"/>
+          </a:effectRef>
+          <a:fontRef idx="minor">
+            <a:schemeClr val="tx1"/>
+          </a:fontRef>
+        </p:style>
+      </p:cxnSp>
+      <p:cxnSp>
+        <p:nvCxnSpPr>
+          <p:cNvPr id="252" name="直線コネクタ 251">
+            <a:extLst>
+              <a:ext uri="{FF2B5EF4-FFF2-40B4-BE49-F238E27FC236}">
+                <a16:creationId xmlns:a16="http://schemas.microsoft.com/office/drawing/2014/main" id="{D1DF5F33-B1E6-4DF6-AC47-4589185EB5DB}"/>
+              </a:ext>
+            </a:extLst>
+          </p:cNvPr>
+          <p:cNvCxnSpPr>
+            <a:cxnSpLocks/>
+            <a:endCxn id="253" idx="3"/>
+          </p:cNvCxnSpPr>
+          <p:nvPr/>
+        </p:nvCxnSpPr>
+        <p:spPr>
+          <a:xfrm>
+            <a:off x="6483762" y="1644793"/>
+            <a:ext cx="1" cy="697733"/>
+          </a:xfrm>
+          <a:prstGeom prst="line">
+            <a:avLst/>
+          </a:prstGeom>
+          <a:ln w="12700">
+            <a:solidFill>
+              <a:schemeClr val="tx1"/>
+            </a:solidFill>
+          </a:ln>
+        </p:spPr>
+        <p:style>
+          <a:lnRef idx="1">
+            <a:schemeClr val="accent1"/>
+          </a:lnRef>
+          <a:fillRef idx="0">
+            <a:schemeClr val="accent1"/>
+          </a:fillRef>
+          <a:effectRef idx="0">
+            <a:schemeClr val="accent1"/>
+          </a:effectRef>
+          <a:fontRef idx="minor">
+            <a:schemeClr val="tx1"/>
+          </a:fontRef>
+        </p:style>
+      </p:cxnSp>
+      <p:sp>
+        <p:nvSpPr>
+          <p:cNvPr id="253" name="正方形/長方形 252">
+            <a:extLst>
+              <a:ext uri="{FF2B5EF4-FFF2-40B4-BE49-F238E27FC236}">
+                <a16:creationId xmlns:a16="http://schemas.microsoft.com/office/drawing/2014/main" id="{5FDBBD2D-75C0-4C7E-BCF0-68B2100B365A}"/>
+              </a:ext>
+            </a:extLst>
+          </p:cNvPr>
+          <p:cNvSpPr/>
+          <p:nvPr/>
+        </p:nvSpPr>
+        <p:spPr bwMode="auto">
+          <a:xfrm rot="16200000">
+            <a:off x="6295472" y="2459133"/>
+            <a:ext cx="376580" cy="143365"/>
+          </a:xfrm>
+          <a:prstGeom prst="rect">
+            <a:avLst/>
+          </a:prstGeom>
+          <a:noFill/>
+          <a:ln w="6350">
+            <a:solidFill>
+              <a:schemeClr val="tx1"/>
+            </a:solidFill>
+            <a:round/>
+            <a:headEnd/>
+            <a:tailEnd/>
+          </a:ln>
+          <a:effectLst/>
+        </p:spPr>
+        <p:txBody>
+          <a:bodyPr rtlCol="0" anchor="ctr"/>
+          <a:lstStyle/>
+          <a:p>
+            <a:pPr algn="ctr"/>
+            <a:endParaRPr kumimoji="1" lang="ja-JP" altLang="en-US"/>
+          </a:p>
+        </p:txBody>
+      </p:sp>
+      <p:cxnSp>
+        <p:nvCxnSpPr>
+          <p:cNvPr id="255" name="直線コネクタ 254">
+            <a:extLst>
+              <a:ext uri="{FF2B5EF4-FFF2-40B4-BE49-F238E27FC236}">
+                <a16:creationId xmlns:a16="http://schemas.microsoft.com/office/drawing/2014/main" id="{4A330368-55F2-4EA7-8057-80B1393AB4D6}"/>
+              </a:ext>
+            </a:extLst>
+          </p:cNvPr>
+          <p:cNvCxnSpPr>
+            <a:cxnSpLocks/>
+            <a:stCxn id="253" idx="1"/>
+          </p:cNvCxnSpPr>
+          <p:nvPr/>
+        </p:nvCxnSpPr>
+        <p:spPr>
+          <a:xfrm flipH="1">
+            <a:off x="6483762" y="2719106"/>
+            <a:ext cx="1" cy="520925"/>
+          </a:xfrm>
+          <a:prstGeom prst="line">
+            <a:avLst/>
+          </a:prstGeom>
+          <a:ln w="12700">
+            <a:solidFill>
+              <a:schemeClr val="tx1"/>
+            </a:solidFill>
+          </a:ln>
+        </p:spPr>
+        <p:style>
+          <a:lnRef idx="1">
+            <a:schemeClr val="accent1"/>
+          </a:lnRef>
+          <a:fillRef idx="0">
+            <a:schemeClr val="accent1"/>
+          </a:fillRef>
+          <a:effectRef idx="0">
+            <a:schemeClr val="accent1"/>
+          </a:effectRef>
+          <a:fontRef idx="minor">
+            <a:schemeClr val="tx1"/>
+          </a:fontRef>
+        </p:style>
+      </p:cxnSp>
+      <p:sp>
+        <p:nvSpPr>
+          <p:cNvPr id="256" name="楕円 255">
+            <a:extLst>
+              <a:ext uri="{FF2B5EF4-FFF2-40B4-BE49-F238E27FC236}">
+                <a16:creationId xmlns:a16="http://schemas.microsoft.com/office/drawing/2014/main" id="{FD6045C6-82FE-40A8-B29F-FBC3B40AD42D}"/>
+              </a:ext>
+            </a:extLst>
+          </p:cNvPr>
+          <p:cNvSpPr>
+            <a:spLocks noChangeAspect="1"/>
+          </p:cNvSpPr>
+          <p:nvPr/>
+        </p:nvSpPr>
+        <p:spPr>
+          <a:xfrm flipH="1">
+            <a:off x="6451681" y="2206464"/>
+            <a:ext cx="64800" cy="65904"/>
+          </a:xfrm>
+          <a:prstGeom prst="ellipse">
+            <a:avLst/>
+          </a:prstGeom>
+          <a:solidFill>
+            <a:schemeClr val="tx1"/>
+          </a:solidFill>
+          <a:ln>
+            <a:solidFill>
+              <a:schemeClr val="tx1"/>
+            </a:solidFill>
+          </a:ln>
+        </p:spPr>
+        <p:style>
+          <a:lnRef idx="2">
+            <a:schemeClr val="accent1">
+              <a:shade val="50000"/>
+            </a:schemeClr>
+          </a:lnRef>
+          <a:fillRef idx="1">
+            <a:schemeClr val="accent1"/>
+          </a:fillRef>
+          <a:effectRef idx="0">
+            <a:schemeClr val="accent1"/>
+          </a:effectRef>
+          <a:fontRef idx="minor">
+            <a:schemeClr val="lt1"/>
+          </a:fontRef>
+        </p:style>
+        <p:txBody>
+          <a:bodyPr rtlCol="0" anchor="ctr"/>
+          <a:lstStyle/>
+          <a:p>
+            <a:pPr algn="ctr"/>
+            <a:endParaRPr kumimoji="1" lang="ja-JP" altLang="en-US"/>
+          </a:p>
+        </p:txBody>
+      </p:sp>
+      <p:sp>
+        <p:nvSpPr>
+          <p:cNvPr id="257" name="楕円 256">
+            <a:extLst>
+              <a:ext uri="{FF2B5EF4-FFF2-40B4-BE49-F238E27FC236}">
+                <a16:creationId xmlns:a16="http://schemas.microsoft.com/office/drawing/2014/main" id="{F70EA6D1-0BEB-4E86-9272-C00A86376A43}"/>
+              </a:ext>
+            </a:extLst>
+          </p:cNvPr>
+          <p:cNvSpPr>
+            <a:spLocks noChangeAspect="1"/>
+          </p:cNvSpPr>
+          <p:nvPr/>
+        </p:nvSpPr>
+        <p:spPr>
+          <a:xfrm flipH="1">
+            <a:off x="6321934" y="2978396"/>
+            <a:ext cx="64800" cy="65904"/>
+          </a:xfrm>
+          <a:prstGeom prst="ellipse">
+            <a:avLst/>
+          </a:prstGeom>
+          <a:solidFill>
+            <a:schemeClr val="tx1"/>
+          </a:solidFill>
+          <a:ln>
+            <a:solidFill>
+              <a:schemeClr val="tx1"/>
+            </a:solidFill>
+          </a:ln>
+        </p:spPr>
+        <p:style>
+          <a:lnRef idx="2">
+            <a:schemeClr val="accent1">
+              <a:shade val="50000"/>
+            </a:schemeClr>
+          </a:lnRef>
+          <a:fillRef idx="1">
+            <a:schemeClr val="accent1"/>
+          </a:fillRef>
+          <a:effectRef idx="0">
+            <a:schemeClr val="accent1"/>
+          </a:effectRef>
+          <a:fontRef idx="minor">
+            <a:schemeClr val="lt1"/>
+          </a:fontRef>
+        </p:style>
+        <p:txBody>
+          <a:bodyPr rtlCol="0" anchor="ctr"/>
+          <a:lstStyle/>
+          <a:p>
+            <a:pPr algn="ctr"/>
+            <a:endParaRPr kumimoji="1" lang="ja-JP" altLang="en-US" dirty="0"/>
+          </a:p>
+        </p:txBody>
+      </p:sp>
+      <p:sp>
+        <p:nvSpPr>
+          <p:cNvPr id="258" name="楕円 257">
+            <a:extLst>
+              <a:ext uri="{FF2B5EF4-FFF2-40B4-BE49-F238E27FC236}">
+                <a16:creationId xmlns:a16="http://schemas.microsoft.com/office/drawing/2014/main" id="{091EC808-F963-4360-A231-EEB5AFB935BD}"/>
+              </a:ext>
+            </a:extLst>
+          </p:cNvPr>
+          <p:cNvSpPr>
+            <a:spLocks noChangeAspect="1"/>
+          </p:cNvSpPr>
+          <p:nvPr/>
+        </p:nvSpPr>
+        <p:spPr>
+          <a:xfrm flipH="1">
+            <a:off x="6451681" y="3189367"/>
+            <a:ext cx="64800" cy="65904"/>
+          </a:xfrm>
+          <a:prstGeom prst="ellipse">
+            <a:avLst/>
+          </a:prstGeom>
+          <a:solidFill>
+            <a:schemeClr val="tx1"/>
+          </a:solidFill>
+          <a:ln>
+            <a:solidFill>
+              <a:schemeClr val="tx1"/>
+            </a:solidFill>
+          </a:ln>
+        </p:spPr>
+        <p:style>
+          <a:lnRef idx="2">
+            <a:schemeClr val="accent1">
+              <a:shade val="50000"/>
+            </a:schemeClr>
+          </a:lnRef>
+          <a:fillRef idx="1">
+            <a:schemeClr val="accent1"/>
+          </a:fillRef>
+          <a:effectRef idx="0">
+            <a:schemeClr val="accent1"/>
+          </a:effectRef>
+          <a:fontRef idx="minor">
+            <a:schemeClr val="lt1"/>
+          </a:fontRef>
+        </p:style>
+        <p:txBody>
+          <a:bodyPr rtlCol="0" anchor="ctr"/>
+          <a:lstStyle/>
+          <a:p>
+            <a:pPr algn="ctr"/>
+            <a:endParaRPr kumimoji="1" lang="ja-JP" altLang="en-US"/>
+          </a:p>
+        </p:txBody>
+      </p:sp>
+      <p:grpSp>
+        <p:nvGrpSpPr>
+          <p:cNvPr id="262" name="グループ化 261">
+            <a:extLst>
+              <a:ext uri="{FF2B5EF4-FFF2-40B4-BE49-F238E27FC236}">
+                <a16:creationId xmlns:a16="http://schemas.microsoft.com/office/drawing/2014/main" id="{E956B394-EAD5-496B-9746-5325E2745B4A}"/>
+              </a:ext>
+            </a:extLst>
+          </p:cNvPr>
+          <p:cNvGrpSpPr/>
+          <p:nvPr/>
+        </p:nvGrpSpPr>
+        <p:grpSpPr>
+          <a:xfrm>
+            <a:off x="4586743" y="1426280"/>
+            <a:ext cx="1144540" cy="1828991"/>
+            <a:chOff x="4643162" y="1433365"/>
+            <a:chExt cx="1144540" cy="1828991"/>
+          </a:xfrm>
+        </p:grpSpPr>
+        <p:sp>
+          <p:nvSpPr>
+            <p:cNvPr id="263" name="楕円 262">
+              <a:extLst>
+                <a:ext uri="{FF2B5EF4-FFF2-40B4-BE49-F238E27FC236}">
+                  <a16:creationId xmlns:a16="http://schemas.microsoft.com/office/drawing/2014/main" id="{3AEA2AD9-9C6D-4912-AB51-7667F7ADF360}"/>
+                </a:ext>
+              </a:extLst>
+            </p:cNvPr>
+            <p:cNvSpPr/>
+            <p:nvPr/>
+          </p:nvSpPr>
+          <p:spPr>
+            <a:xfrm>
+              <a:off x="5516040" y="1433365"/>
+              <a:ext cx="256593" cy="246563"/>
+            </a:xfrm>
+            <a:prstGeom prst="ellipse">
+              <a:avLst/>
+            </a:prstGeom>
+            <a:solidFill>
+              <a:schemeClr val="tx1"/>
+            </a:solidFill>
+            <a:ln>
+              <a:solidFill>
+                <a:schemeClr val="tx1"/>
+              </a:solidFill>
+            </a:ln>
+          </p:spPr>
+          <p:style>
+            <a:lnRef idx="2">
+              <a:schemeClr val="accent1">
+                <a:shade val="50000"/>
+              </a:schemeClr>
+            </a:lnRef>
+            <a:fillRef idx="1">
+              <a:schemeClr val="accent1"/>
+            </a:fillRef>
+            <a:effectRef idx="0">
+              <a:schemeClr val="accent1"/>
+            </a:effectRef>
+            <a:fontRef idx="minor">
+              <a:schemeClr val="lt1"/>
+            </a:fontRef>
+          </p:style>
+          <p:txBody>
+            <a:bodyPr rtlCol="0" anchor="ctr"/>
+            <a:lstStyle/>
+            <a:p>
+              <a:pPr algn="ctr"/>
+              <a:endParaRPr kumimoji="1" lang="ja-JP" altLang="en-US" dirty="0"/>
+            </a:p>
+          </p:txBody>
+        </p:sp>
+        <p:cxnSp>
+          <p:nvCxnSpPr>
+            <p:cNvPr id="264" name="直線コネクタ 263">
+              <a:extLst>
+                <a:ext uri="{FF2B5EF4-FFF2-40B4-BE49-F238E27FC236}">
+                  <a16:creationId xmlns:a16="http://schemas.microsoft.com/office/drawing/2014/main" id="{B3BA10A9-4F6A-45CC-AD64-82547DD22B94}"/>
+                </a:ext>
+              </a:extLst>
+            </p:cNvPr>
+            <p:cNvCxnSpPr>
+              <a:cxnSpLocks/>
+            </p:cNvCxnSpPr>
+            <p:nvPr/>
+          </p:nvCxnSpPr>
+          <p:spPr>
+            <a:xfrm>
+              <a:off x="5579708" y="1648266"/>
+              <a:ext cx="0" cy="1346577"/>
+            </a:xfrm>
+            <a:prstGeom prst="line">
+              <a:avLst/>
+            </a:prstGeom>
+            <a:ln w="12700">
+              <a:solidFill>
+                <a:schemeClr val="tx1"/>
+              </a:solidFill>
+            </a:ln>
+          </p:spPr>
+          <p:style>
+            <a:lnRef idx="1">
+              <a:schemeClr val="accent1"/>
+            </a:lnRef>
+            <a:fillRef idx="0">
+              <a:schemeClr val="accent1"/>
+            </a:fillRef>
+            <a:effectRef idx="0">
+              <a:schemeClr val="accent1"/>
+            </a:effectRef>
+            <a:fontRef idx="minor">
+              <a:schemeClr val="tx1"/>
+            </a:fontRef>
+          </p:style>
+        </p:cxnSp>
+        <p:cxnSp>
+          <p:nvCxnSpPr>
+            <p:cNvPr id="265" name="直線コネクタ 264">
+              <a:extLst>
+                <a:ext uri="{FF2B5EF4-FFF2-40B4-BE49-F238E27FC236}">
+                  <a16:creationId xmlns:a16="http://schemas.microsoft.com/office/drawing/2014/main" id="{760753EB-9204-475C-9F86-632D5B0A8ADC}"/>
+                </a:ext>
+              </a:extLst>
+            </p:cNvPr>
+            <p:cNvCxnSpPr>
+              <a:cxnSpLocks/>
+              <a:endCxn id="266" idx="3"/>
+            </p:cNvCxnSpPr>
+            <p:nvPr/>
+          </p:nvCxnSpPr>
+          <p:spPr>
+            <a:xfrm>
+              <a:off x="5716020" y="1648266"/>
+              <a:ext cx="1" cy="697733"/>
+            </a:xfrm>
+            <a:prstGeom prst="line">
+              <a:avLst/>
+            </a:prstGeom>
+            <a:ln w="12700">
+              <a:solidFill>
+                <a:schemeClr val="tx1"/>
+              </a:solidFill>
+            </a:ln>
+          </p:spPr>
+          <p:style>
+            <a:lnRef idx="1">
+              <a:schemeClr val="accent1"/>
+            </a:lnRef>
+            <a:fillRef idx="0">
+              <a:schemeClr val="accent1"/>
+            </a:fillRef>
+            <a:effectRef idx="0">
+              <a:schemeClr val="accent1"/>
+            </a:effectRef>
+            <a:fontRef idx="minor">
+              <a:schemeClr val="tx1"/>
+            </a:fontRef>
+          </p:style>
+        </p:cxnSp>
+        <p:sp>
+          <p:nvSpPr>
+            <p:cNvPr id="266" name="正方形/長方形 265">
+              <a:extLst>
+                <a:ext uri="{FF2B5EF4-FFF2-40B4-BE49-F238E27FC236}">
+                  <a16:creationId xmlns:a16="http://schemas.microsoft.com/office/drawing/2014/main" id="{7E5CD34F-B37B-41A2-A405-35490B46F088}"/>
+                </a:ext>
+              </a:extLst>
+            </p:cNvPr>
+            <p:cNvSpPr/>
+            <p:nvPr/>
+          </p:nvSpPr>
+          <p:spPr bwMode="auto">
+            <a:xfrm rot="16200000">
+              <a:off x="5527730" y="2462606"/>
+              <a:ext cx="376580" cy="143365"/>
+            </a:xfrm>
+            <a:prstGeom prst="rect">
+              <a:avLst/>
+            </a:prstGeom>
+            <a:noFill/>
+            <a:ln w="6350">
+              <a:solidFill>
+                <a:schemeClr val="tx1"/>
+              </a:solidFill>
+              <a:round/>
+              <a:headEnd/>
+              <a:tailEnd/>
+            </a:ln>
+            <a:effectLst/>
+          </p:spPr>
+          <p:txBody>
+            <a:bodyPr rtlCol="0" anchor="ctr"/>
+            <a:lstStyle/>
+            <a:p>
+              <a:pPr algn="ctr"/>
+              <a:endParaRPr kumimoji="1" lang="ja-JP" altLang="en-US"/>
+            </a:p>
+          </p:txBody>
+        </p:sp>
+        <p:cxnSp>
+          <p:nvCxnSpPr>
+            <p:cNvPr id="268" name="直線コネクタ 267">
+              <a:extLst>
+                <a:ext uri="{FF2B5EF4-FFF2-40B4-BE49-F238E27FC236}">
+                  <a16:creationId xmlns:a16="http://schemas.microsoft.com/office/drawing/2014/main" id="{9FAF4967-0312-40A5-8243-4C1A7080ADF0}"/>
+                </a:ext>
+              </a:extLst>
+            </p:cNvPr>
+            <p:cNvCxnSpPr>
+              <a:cxnSpLocks/>
+              <a:stCxn id="266" idx="1"/>
+            </p:cNvCxnSpPr>
+            <p:nvPr/>
+          </p:nvCxnSpPr>
+          <p:spPr>
+            <a:xfrm flipH="1">
+              <a:off x="5716020" y="2722579"/>
+              <a:ext cx="1" cy="520925"/>
+            </a:xfrm>
+            <a:prstGeom prst="line">
+              <a:avLst/>
+            </a:prstGeom>
+            <a:ln w="12700">
+              <a:solidFill>
+                <a:schemeClr val="tx1"/>
+              </a:solidFill>
+            </a:ln>
+          </p:spPr>
+          <p:style>
+            <a:lnRef idx="1">
+              <a:schemeClr val="accent1"/>
+            </a:lnRef>
+            <a:fillRef idx="0">
+              <a:schemeClr val="accent1"/>
+            </a:fillRef>
+            <a:effectRef idx="0">
+              <a:schemeClr val="accent1"/>
+            </a:effectRef>
+            <a:fontRef idx="minor">
+              <a:schemeClr val="tx1"/>
+            </a:fontRef>
+          </p:style>
+        </p:cxnSp>
+        <p:sp>
+          <p:nvSpPr>
+            <p:cNvPr id="269" name="楕円 268">
+              <a:extLst>
+                <a:ext uri="{FF2B5EF4-FFF2-40B4-BE49-F238E27FC236}">
+                  <a16:creationId xmlns:a16="http://schemas.microsoft.com/office/drawing/2014/main" id="{5BF0CEAC-56EE-4C49-957F-305F01F3B973}"/>
+                </a:ext>
+              </a:extLst>
+            </p:cNvPr>
+            <p:cNvSpPr>
+              <a:spLocks noChangeAspect="1"/>
+            </p:cNvSpPr>
+            <p:nvPr/>
+          </p:nvSpPr>
+          <p:spPr>
+            <a:xfrm flipH="1">
+              <a:off x="5683939" y="2209937"/>
+              <a:ext cx="64800" cy="65904"/>
+            </a:xfrm>
+            <a:prstGeom prst="ellipse">
+              <a:avLst/>
+            </a:prstGeom>
+            <a:solidFill>
+              <a:schemeClr val="tx1"/>
+            </a:solidFill>
+            <a:ln>
+              <a:solidFill>
+                <a:schemeClr val="tx1"/>
+              </a:solidFill>
+            </a:ln>
+          </p:spPr>
+          <p:style>
+            <a:lnRef idx="2">
+              <a:schemeClr val="accent1">
+                <a:shade val="50000"/>
+              </a:schemeClr>
+            </a:lnRef>
+            <a:fillRef idx="1">
+              <a:schemeClr val="accent1"/>
+            </a:fillRef>
+            <a:effectRef idx="0">
+              <a:schemeClr val="accent1"/>
+            </a:effectRef>
+            <a:fontRef idx="minor">
+              <a:schemeClr val="lt1"/>
+            </a:fontRef>
+          </p:style>
+          <p:txBody>
+            <a:bodyPr rtlCol="0" anchor="ctr"/>
+            <a:lstStyle/>
+            <a:p>
+              <a:pPr algn="ctr"/>
+              <a:endParaRPr kumimoji="1" lang="ja-JP" altLang="en-US"/>
+            </a:p>
+          </p:txBody>
+        </p:sp>
+        <p:sp>
+          <p:nvSpPr>
+            <p:cNvPr id="270" name="楕円 269">
+              <a:extLst>
+                <a:ext uri="{FF2B5EF4-FFF2-40B4-BE49-F238E27FC236}">
+                  <a16:creationId xmlns:a16="http://schemas.microsoft.com/office/drawing/2014/main" id="{7DE1E0FA-1E90-44B9-83AF-1E362DA185A0}"/>
+                </a:ext>
+              </a:extLst>
+            </p:cNvPr>
+            <p:cNvSpPr>
+              <a:spLocks noChangeAspect="1"/>
+            </p:cNvSpPr>
+            <p:nvPr/>
+          </p:nvSpPr>
+          <p:spPr>
+            <a:xfrm flipH="1">
+              <a:off x="5554192" y="2980193"/>
+              <a:ext cx="64800" cy="65904"/>
+            </a:xfrm>
+            <a:prstGeom prst="ellipse">
+              <a:avLst/>
+            </a:prstGeom>
+            <a:solidFill>
+              <a:schemeClr val="tx1"/>
+            </a:solidFill>
+            <a:ln>
+              <a:solidFill>
+                <a:schemeClr val="tx1"/>
+              </a:solidFill>
+            </a:ln>
+          </p:spPr>
+          <p:style>
+            <a:lnRef idx="2">
+              <a:schemeClr val="accent1">
+                <a:shade val="50000"/>
+              </a:schemeClr>
+            </a:lnRef>
+            <a:fillRef idx="1">
+              <a:schemeClr val="accent1"/>
+            </a:fillRef>
+            <a:effectRef idx="0">
+              <a:schemeClr val="accent1"/>
+            </a:effectRef>
+            <a:fontRef idx="minor">
+              <a:schemeClr val="lt1"/>
+            </a:fontRef>
+          </p:style>
+          <p:txBody>
+            <a:bodyPr rtlCol="0" anchor="ctr"/>
+            <a:lstStyle/>
+            <a:p>
+              <a:pPr algn="ctr"/>
+              <a:endParaRPr kumimoji="1" lang="ja-JP" altLang="en-US" dirty="0"/>
+            </a:p>
+          </p:txBody>
+        </p:sp>
+        <p:sp>
+          <p:nvSpPr>
+            <p:cNvPr id="271" name="楕円 270">
+              <a:extLst>
+                <a:ext uri="{FF2B5EF4-FFF2-40B4-BE49-F238E27FC236}">
+                  <a16:creationId xmlns:a16="http://schemas.microsoft.com/office/drawing/2014/main" id="{CF670D09-2A5D-4C5B-8156-2BC5BB5DE179}"/>
+                </a:ext>
+              </a:extLst>
+            </p:cNvPr>
+            <p:cNvSpPr>
+              <a:spLocks noChangeAspect="1"/>
+            </p:cNvSpPr>
+            <p:nvPr/>
+          </p:nvSpPr>
+          <p:spPr>
+            <a:xfrm flipH="1">
+              <a:off x="5683939" y="3192840"/>
+              <a:ext cx="64800" cy="65904"/>
+            </a:xfrm>
+            <a:prstGeom prst="ellipse">
+              <a:avLst/>
+            </a:prstGeom>
+            <a:solidFill>
+              <a:schemeClr val="tx1"/>
+            </a:solidFill>
+            <a:ln>
+              <a:solidFill>
+                <a:schemeClr val="tx1"/>
+              </a:solidFill>
+            </a:ln>
+          </p:spPr>
+          <p:style>
+            <a:lnRef idx="2">
+              <a:schemeClr val="accent1">
+                <a:shade val="50000"/>
+              </a:schemeClr>
+            </a:lnRef>
+            <a:fillRef idx="1">
+              <a:schemeClr val="accent1"/>
+            </a:fillRef>
+            <a:effectRef idx="0">
+              <a:schemeClr val="accent1"/>
+            </a:effectRef>
+            <a:fontRef idx="minor">
+              <a:schemeClr val="lt1"/>
+            </a:fontRef>
+          </p:style>
+          <p:txBody>
+            <a:bodyPr rtlCol="0" anchor="ctr"/>
+            <a:lstStyle/>
+            <a:p>
+              <a:pPr algn="ctr"/>
+              <a:endParaRPr kumimoji="1" lang="ja-JP" altLang="en-US"/>
+            </a:p>
+          </p:txBody>
+        </p:sp>
+        <p:sp>
+          <p:nvSpPr>
+            <p:cNvPr id="272" name="楕円 271">
+              <a:extLst>
+                <a:ext uri="{FF2B5EF4-FFF2-40B4-BE49-F238E27FC236}">
+                  <a16:creationId xmlns:a16="http://schemas.microsoft.com/office/drawing/2014/main" id="{02F952EA-4974-405D-B03E-23AB20528F28}"/>
+                </a:ext>
+              </a:extLst>
+            </p:cNvPr>
+            <p:cNvSpPr/>
+            <p:nvPr/>
+          </p:nvSpPr>
+          <p:spPr>
+            <a:xfrm>
+              <a:off x="4643162" y="1436977"/>
+              <a:ext cx="256593" cy="246563"/>
+            </a:xfrm>
+            <a:prstGeom prst="ellipse">
+              <a:avLst/>
+            </a:prstGeom>
+            <a:solidFill>
+              <a:schemeClr val="tx1"/>
+            </a:solidFill>
+            <a:ln>
+              <a:solidFill>
+                <a:schemeClr val="tx1"/>
+              </a:solidFill>
+            </a:ln>
+          </p:spPr>
+          <p:style>
+            <a:lnRef idx="2">
+              <a:schemeClr val="accent1">
+                <a:shade val="50000"/>
+              </a:schemeClr>
+            </a:lnRef>
+            <a:fillRef idx="1">
+              <a:schemeClr val="accent1"/>
+            </a:fillRef>
+            <a:effectRef idx="0">
+              <a:schemeClr val="accent1"/>
+            </a:effectRef>
+            <a:fontRef idx="minor">
+              <a:schemeClr val="lt1"/>
+            </a:fontRef>
+          </p:style>
+          <p:txBody>
+            <a:bodyPr rtlCol="0" anchor="ctr"/>
+            <a:lstStyle/>
+            <a:p>
+              <a:pPr algn="ctr"/>
+              <a:endParaRPr kumimoji="1" lang="ja-JP" altLang="en-US" dirty="0"/>
+            </a:p>
+          </p:txBody>
+        </p:sp>
+        <p:cxnSp>
+          <p:nvCxnSpPr>
+            <p:cNvPr id="273" name="直線コネクタ 272">
+              <a:extLst>
+                <a:ext uri="{FF2B5EF4-FFF2-40B4-BE49-F238E27FC236}">
+                  <a16:creationId xmlns:a16="http://schemas.microsoft.com/office/drawing/2014/main" id="{69DE3385-C8A2-42AA-813C-64F085F7F012}"/>
+                </a:ext>
+              </a:extLst>
+            </p:cNvPr>
+            <p:cNvCxnSpPr>
+              <a:cxnSpLocks/>
+            </p:cNvCxnSpPr>
+            <p:nvPr/>
+          </p:nvCxnSpPr>
+          <p:spPr>
+            <a:xfrm>
+              <a:off x="4706830" y="1651878"/>
+              <a:ext cx="0" cy="1346577"/>
+            </a:xfrm>
+            <a:prstGeom prst="line">
+              <a:avLst/>
+            </a:prstGeom>
+            <a:ln w="12700">
+              <a:solidFill>
+                <a:schemeClr val="tx1"/>
+              </a:solidFill>
+            </a:ln>
+          </p:spPr>
+          <p:style>
+            <a:lnRef idx="1">
+              <a:schemeClr val="accent1"/>
+            </a:lnRef>
+            <a:fillRef idx="0">
+              <a:schemeClr val="accent1"/>
+            </a:fillRef>
+            <a:effectRef idx="0">
+              <a:schemeClr val="accent1"/>
+            </a:effectRef>
+            <a:fontRef idx="minor">
+              <a:schemeClr val="tx1"/>
+            </a:fontRef>
+          </p:style>
+        </p:cxnSp>
+        <p:cxnSp>
+          <p:nvCxnSpPr>
+            <p:cNvPr id="274" name="直線コネクタ 273">
+              <a:extLst>
+                <a:ext uri="{FF2B5EF4-FFF2-40B4-BE49-F238E27FC236}">
+                  <a16:creationId xmlns:a16="http://schemas.microsoft.com/office/drawing/2014/main" id="{45060DE3-0CAF-44D0-87E4-21A63FB2089A}"/>
+                </a:ext>
+              </a:extLst>
+            </p:cNvPr>
+            <p:cNvCxnSpPr>
+              <a:cxnSpLocks/>
+              <a:endCxn id="275" idx="3"/>
+            </p:cNvCxnSpPr>
+            <p:nvPr/>
+          </p:nvCxnSpPr>
+          <p:spPr>
+            <a:xfrm>
+              <a:off x="4843142" y="1651878"/>
+              <a:ext cx="1" cy="697733"/>
+            </a:xfrm>
+            <a:prstGeom prst="line">
+              <a:avLst/>
+            </a:prstGeom>
+            <a:ln w="12700">
+              <a:solidFill>
+                <a:schemeClr val="tx1"/>
+              </a:solidFill>
+            </a:ln>
+          </p:spPr>
+          <p:style>
+            <a:lnRef idx="1">
+              <a:schemeClr val="accent1"/>
+            </a:lnRef>
+            <a:fillRef idx="0">
+              <a:schemeClr val="accent1"/>
+            </a:fillRef>
+            <a:effectRef idx="0">
+              <a:schemeClr val="accent1"/>
+            </a:effectRef>
+            <a:fontRef idx="minor">
+              <a:schemeClr val="tx1"/>
+            </a:fontRef>
+          </p:style>
+        </p:cxnSp>
+        <p:sp>
+          <p:nvSpPr>
+            <p:cNvPr id="275" name="正方形/長方形 274">
+              <a:extLst>
+                <a:ext uri="{FF2B5EF4-FFF2-40B4-BE49-F238E27FC236}">
+                  <a16:creationId xmlns:a16="http://schemas.microsoft.com/office/drawing/2014/main" id="{03CBB1D3-3B9C-4E4E-9F2A-BB1060AB0A2E}"/>
+                </a:ext>
+              </a:extLst>
+            </p:cNvPr>
+            <p:cNvSpPr/>
+            <p:nvPr/>
+          </p:nvSpPr>
+          <p:spPr bwMode="auto">
+            <a:xfrm rot="16200000">
+              <a:off x="4654852" y="2466218"/>
+              <a:ext cx="376580" cy="143365"/>
+            </a:xfrm>
+            <a:prstGeom prst="rect">
+              <a:avLst/>
+            </a:prstGeom>
+            <a:noFill/>
+            <a:ln w="6350">
+              <a:solidFill>
+                <a:schemeClr val="tx1"/>
+              </a:solidFill>
+              <a:round/>
+              <a:headEnd/>
+              <a:tailEnd/>
+            </a:ln>
+            <a:effectLst/>
+          </p:spPr>
+          <p:txBody>
+            <a:bodyPr rtlCol="0" anchor="ctr"/>
+            <a:lstStyle/>
+            <a:p>
+              <a:pPr algn="ctr"/>
+              <a:endParaRPr kumimoji="1" lang="ja-JP" altLang="en-US"/>
+            </a:p>
+          </p:txBody>
+        </p:sp>
+        <p:sp>
+          <p:nvSpPr>
+            <p:cNvPr id="276" name="テキスト ボックス 275">
+              <a:extLst>
+                <a:ext uri="{FF2B5EF4-FFF2-40B4-BE49-F238E27FC236}">
+                  <a16:creationId xmlns:a16="http://schemas.microsoft.com/office/drawing/2014/main" id="{C5BD4ED4-9D1A-4593-98F7-CABD8383671B}"/>
+                </a:ext>
+              </a:extLst>
+            </p:cNvPr>
+            <p:cNvSpPr txBox="1"/>
+            <p:nvPr/>
+          </p:nvSpPr>
+          <p:spPr>
+            <a:xfrm>
+              <a:off x="4797111" y="2742890"/>
+              <a:ext cx="667588" cy="276999"/>
+            </a:xfrm>
+            <a:prstGeom prst="rect">
+              <a:avLst/>
+            </a:prstGeom>
+            <a:noFill/>
+          </p:spPr>
+          <p:txBody>
+            <a:bodyPr wrap="square" rtlCol="0">
+              <a:spAutoFit/>
+            </a:bodyPr>
+            <a:lstStyle/>
+            <a:p>
+              <a:pPr algn="ctr"/>
+              <a:r>
+                <a:rPr kumimoji="1" lang="en-US" altLang="ja-JP" sz="1200" dirty="0"/>
+                <a:t>10KΩ</a:t>
+              </a:r>
+              <a:endParaRPr kumimoji="1" lang="ja-JP" altLang="en-US" sz="1200" dirty="0"/>
+            </a:p>
+          </p:txBody>
+        </p:sp>
+        <p:cxnSp>
+          <p:nvCxnSpPr>
+            <p:cNvPr id="277" name="直線コネクタ 276">
+              <a:extLst>
+                <a:ext uri="{FF2B5EF4-FFF2-40B4-BE49-F238E27FC236}">
+                  <a16:creationId xmlns:a16="http://schemas.microsoft.com/office/drawing/2014/main" id="{9422C459-E1C6-4213-A867-462BB6158678}"/>
+                </a:ext>
+              </a:extLst>
+            </p:cNvPr>
+            <p:cNvCxnSpPr>
+              <a:cxnSpLocks/>
+              <a:stCxn id="275" idx="1"/>
+            </p:cNvCxnSpPr>
+            <p:nvPr/>
+          </p:nvCxnSpPr>
+          <p:spPr>
+            <a:xfrm flipH="1">
+              <a:off x="4843142" y="2726191"/>
+              <a:ext cx="1" cy="520925"/>
+            </a:xfrm>
+            <a:prstGeom prst="line">
+              <a:avLst/>
+            </a:prstGeom>
+            <a:ln w="12700">
+              <a:solidFill>
+                <a:schemeClr val="tx1"/>
+              </a:solidFill>
+            </a:ln>
+          </p:spPr>
+          <p:style>
+            <a:lnRef idx="1">
+              <a:schemeClr val="accent1"/>
+            </a:lnRef>
+            <a:fillRef idx="0">
+              <a:schemeClr val="accent1"/>
+            </a:fillRef>
+            <a:effectRef idx="0">
+              <a:schemeClr val="accent1"/>
+            </a:effectRef>
+            <a:fontRef idx="minor">
+              <a:schemeClr val="tx1"/>
+            </a:fontRef>
+          </p:style>
+        </p:cxnSp>
+        <p:sp>
+          <p:nvSpPr>
+            <p:cNvPr id="278" name="楕円 277">
+              <a:extLst>
+                <a:ext uri="{FF2B5EF4-FFF2-40B4-BE49-F238E27FC236}">
+                  <a16:creationId xmlns:a16="http://schemas.microsoft.com/office/drawing/2014/main" id="{CF4819F9-F085-4665-99B0-16AAFFEBD774}"/>
+                </a:ext>
+              </a:extLst>
+            </p:cNvPr>
+            <p:cNvSpPr>
+              <a:spLocks noChangeAspect="1"/>
+            </p:cNvSpPr>
+            <p:nvPr/>
+          </p:nvSpPr>
+          <p:spPr>
+            <a:xfrm flipH="1">
+              <a:off x="4811061" y="2213549"/>
+              <a:ext cx="64800" cy="65904"/>
+            </a:xfrm>
+            <a:prstGeom prst="ellipse">
+              <a:avLst/>
+            </a:prstGeom>
+            <a:solidFill>
+              <a:schemeClr val="tx1"/>
+            </a:solidFill>
+            <a:ln>
+              <a:solidFill>
+                <a:schemeClr val="tx1"/>
+              </a:solidFill>
+            </a:ln>
+          </p:spPr>
+          <p:style>
+            <a:lnRef idx="2">
+              <a:schemeClr val="accent1">
+                <a:shade val="50000"/>
+              </a:schemeClr>
+            </a:lnRef>
+            <a:fillRef idx="1">
+              <a:schemeClr val="accent1"/>
+            </a:fillRef>
+            <a:effectRef idx="0">
+              <a:schemeClr val="accent1"/>
+            </a:effectRef>
+            <a:fontRef idx="minor">
+              <a:schemeClr val="lt1"/>
+            </a:fontRef>
+          </p:style>
+          <p:txBody>
+            <a:bodyPr rtlCol="0" anchor="ctr"/>
+            <a:lstStyle/>
+            <a:p>
+              <a:pPr algn="ctr"/>
+              <a:endParaRPr kumimoji="1" lang="ja-JP" altLang="en-US"/>
+            </a:p>
+          </p:txBody>
+        </p:sp>
+        <p:sp>
+          <p:nvSpPr>
+            <p:cNvPr id="279" name="楕円 278">
+              <a:extLst>
+                <a:ext uri="{FF2B5EF4-FFF2-40B4-BE49-F238E27FC236}">
+                  <a16:creationId xmlns:a16="http://schemas.microsoft.com/office/drawing/2014/main" id="{AF8A9116-8636-4B51-8335-2605AEFB51B7}"/>
+                </a:ext>
+              </a:extLst>
+            </p:cNvPr>
+            <p:cNvSpPr>
+              <a:spLocks noChangeAspect="1"/>
+            </p:cNvSpPr>
+            <p:nvPr/>
+          </p:nvSpPr>
+          <p:spPr>
+            <a:xfrm flipH="1">
+              <a:off x="4681315" y="2981045"/>
+              <a:ext cx="64800" cy="65904"/>
+            </a:xfrm>
+            <a:prstGeom prst="ellipse">
+              <a:avLst/>
+            </a:prstGeom>
+            <a:solidFill>
+              <a:schemeClr val="tx1"/>
+            </a:solidFill>
+            <a:ln>
+              <a:solidFill>
+                <a:schemeClr val="tx1"/>
+              </a:solidFill>
+            </a:ln>
+          </p:spPr>
+          <p:style>
+            <a:lnRef idx="2">
+              <a:schemeClr val="accent1">
+                <a:shade val="50000"/>
+              </a:schemeClr>
+            </a:lnRef>
+            <a:fillRef idx="1">
+              <a:schemeClr val="accent1"/>
+            </a:fillRef>
+            <a:effectRef idx="0">
+              <a:schemeClr val="accent1"/>
+            </a:effectRef>
+            <a:fontRef idx="minor">
+              <a:schemeClr val="lt1"/>
+            </a:fontRef>
+          </p:style>
+          <p:txBody>
+            <a:bodyPr rtlCol="0" anchor="ctr"/>
+            <a:lstStyle/>
+            <a:p>
+              <a:pPr algn="ctr"/>
+              <a:endParaRPr kumimoji="1" lang="ja-JP" altLang="en-US" dirty="0"/>
+            </a:p>
+          </p:txBody>
+        </p:sp>
+        <p:sp>
+          <p:nvSpPr>
+            <p:cNvPr id="280" name="楕円 279">
+              <a:extLst>
+                <a:ext uri="{FF2B5EF4-FFF2-40B4-BE49-F238E27FC236}">
+                  <a16:creationId xmlns:a16="http://schemas.microsoft.com/office/drawing/2014/main" id="{2832E673-2906-4E4C-AF7E-C3780382240D}"/>
+                </a:ext>
+              </a:extLst>
+            </p:cNvPr>
+            <p:cNvSpPr>
+              <a:spLocks noChangeAspect="1"/>
+            </p:cNvSpPr>
+            <p:nvPr/>
+          </p:nvSpPr>
+          <p:spPr>
+            <a:xfrm flipH="1">
+              <a:off x="4811061" y="3196452"/>
+              <a:ext cx="64800" cy="65904"/>
+            </a:xfrm>
+            <a:prstGeom prst="ellipse">
+              <a:avLst/>
+            </a:prstGeom>
+            <a:solidFill>
+              <a:schemeClr val="tx1"/>
+            </a:solidFill>
+            <a:ln>
+              <a:solidFill>
+                <a:schemeClr val="tx1"/>
+              </a:solidFill>
+            </a:ln>
+          </p:spPr>
+          <p:style>
+            <a:lnRef idx="2">
+              <a:schemeClr val="accent1">
+                <a:shade val="50000"/>
+              </a:schemeClr>
+            </a:lnRef>
+            <a:fillRef idx="1">
+              <a:schemeClr val="accent1"/>
+            </a:fillRef>
+            <a:effectRef idx="0">
+              <a:schemeClr val="accent1"/>
+            </a:effectRef>
+            <a:fontRef idx="minor">
+              <a:schemeClr val="lt1"/>
+            </a:fontRef>
+          </p:style>
+          <p:txBody>
+            <a:bodyPr rtlCol="0" anchor="ctr"/>
+            <a:lstStyle/>
+            <a:p>
+              <a:pPr algn="ctr"/>
+              <a:endParaRPr kumimoji="1" lang="ja-JP" altLang="en-US"/>
+            </a:p>
+          </p:txBody>
+        </p:sp>
+      </p:grpSp>
+      <p:grpSp>
+        <p:nvGrpSpPr>
+          <p:cNvPr id="288" name="グループ化 287">
+            <a:extLst>
+              <a:ext uri="{FF2B5EF4-FFF2-40B4-BE49-F238E27FC236}">
+                <a16:creationId xmlns:a16="http://schemas.microsoft.com/office/drawing/2014/main" id="{125C074C-DC7E-49C5-A1DC-0B63CD95C24F}"/>
+              </a:ext>
+            </a:extLst>
+          </p:cNvPr>
+          <p:cNvGrpSpPr/>
+          <p:nvPr/>
+        </p:nvGrpSpPr>
+        <p:grpSpPr>
+          <a:xfrm>
+            <a:off x="4244726" y="3908261"/>
+            <a:ext cx="1493004" cy="869154"/>
+            <a:chOff x="4147206" y="3897109"/>
+            <a:chExt cx="1493004" cy="869154"/>
+          </a:xfrm>
+        </p:grpSpPr>
+        <p:grpSp>
+          <p:nvGrpSpPr>
+            <p:cNvPr id="19" name="グループ化 18">
+              <a:extLst>
+                <a:ext uri="{FF2B5EF4-FFF2-40B4-BE49-F238E27FC236}">
+                  <a16:creationId xmlns:a16="http://schemas.microsoft.com/office/drawing/2014/main" id="{D9171E12-5B1A-4304-86CE-1C08B7D35F64}"/>
+                </a:ext>
+              </a:extLst>
+            </p:cNvPr>
+            <p:cNvGrpSpPr/>
+            <p:nvPr/>
+          </p:nvGrpSpPr>
+          <p:grpSpPr>
+            <a:xfrm>
+              <a:off x="4150794" y="3903281"/>
+              <a:ext cx="1476726" cy="862982"/>
+              <a:chOff x="4191674" y="3936775"/>
+              <a:chExt cx="1104097" cy="590395"/>
+            </a:xfrm>
+          </p:grpSpPr>
+          <p:sp>
+            <p:nvSpPr>
+              <p:cNvPr id="14" name="正方形/長方形 13">
+                <a:extLst>
+                  <a:ext uri="{FF2B5EF4-FFF2-40B4-BE49-F238E27FC236}">
+                    <a16:creationId xmlns:a16="http://schemas.microsoft.com/office/drawing/2014/main" id="{FB7087BF-D541-485F-A9A1-EA3D8B91FD8A}"/>
+                  </a:ext>
+                </a:extLst>
+              </p:cNvPr>
+              <p:cNvSpPr/>
+              <p:nvPr/>
+            </p:nvSpPr>
+            <p:spPr>
+              <a:xfrm>
+                <a:off x="4191674" y="3936775"/>
+                <a:ext cx="1104097" cy="588696"/>
+              </a:xfrm>
+              <a:prstGeom prst="rect">
+                <a:avLst/>
+              </a:prstGeom>
+              <a:noFill/>
+              <a:ln>
+                <a:solidFill>
+                  <a:schemeClr val="tx1"/>
+                </a:solidFill>
+              </a:ln>
+            </p:spPr>
+            <p:style>
+              <a:lnRef idx="2">
+                <a:schemeClr val="accent1">
+                  <a:shade val="50000"/>
+                </a:schemeClr>
+              </a:lnRef>
+              <a:fillRef idx="1">
+                <a:schemeClr val="accent1"/>
+              </a:fillRef>
+              <a:effectRef idx="0">
+                <a:schemeClr val="accent1"/>
+              </a:effectRef>
+              <a:fontRef idx="minor">
+                <a:schemeClr val="lt1"/>
+              </a:fontRef>
+            </p:style>
+            <p:txBody>
+              <a:bodyPr rtlCol="0" anchor="ctr"/>
+              <a:lstStyle/>
+              <a:p>
+                <a:pPr algn="ctr"/>
+                <a:endParaRPr kumimoji="1" lang="ja-JP" altLang="en-US"/>
+              </a:p>
+            </p:txBody>
+          </p:sp>
+          <p:sp>
+            <p:nvSpPr>
+              <p:cNvPr id="15" name="テキスト ボックス 14">
+                <a:extLst>
+                  <a:ext uri="{FF2B5EF4-FFF2-40B4-BE49-F238E27FC236}">
+                    <a16:creationId xmlns:a16="http://schemas.microsoft.com/office/drawing/2014/main" id="{BED16EF8-D75D-43AE-AFA8-E707A692DD6A}"/>
+                  </a:ext>
+                </a:extLst>
+              </p:cNvPr>
+              <p:cNvSpPr txBox="1"/>
+              <p:nvPr/>
+            </p:nvSpPr>
+            <p:spPr>
+              <a:xfrm>
+                <a:off x="4191674" y="4285456"/>
+                <a:ext cx="1104097" cy="241714"/>
+              </a:xfrm>
+              <a:prstGeom prst="rect">
+                <a:avLst/>
+              </a:prstGeom>
+              <a:noFill/>
+            </p:spPr>
+            <p:txBody>
+              <a:bodyPr wrap="square" rtlCol="0">
+                <a:spAutoFit/>
+              </a:bodyPr>
+              <a:lstStyle/>
+              <a:p>
+                <a:r>
+                  <a:rPr lang="ja-JP" altLang="en-US" dirty="0"/>
+                  <a:t>マイコン</a:t>
+                </a:r>
+                <a:endParaRPr kumimoji="1" lang="ja-JP" altLang="en-US" dirty="0"/>
+              </a:p>
+            </p:txBody>
+          </p:sp>
+        </p:grpSp>
+        <p:sp>
+          <p:nvSpPr>
+            <p:cNvPr id="2" name="テキスト ボックス 1">
+              <a:extLst>
+                <a:ext uri="{FF2B5EF4-FFF2-40B4-BE49-F238E27FC236}">
+                  <a16:creationId xmlns:a16="http://schemas.microsoft.com/office/drawing/2014/main" id="{69E9F361-24A2-447A-BA62-55F4BCB8B10F}"/>
+                </a:ext>
+              </a:extLst>
+            </p:cNvPr>
+            <p:cNvSpPr txBox="1"/>
+            <p:nvPr/>
+          </p:nvSpPr>
+          <p:spPr>
+            <a:xfrm>
+              <a:off x="5070713" y="4212265"/>
+              <a:ext cx="556807" cy="276999"/>
+            </a:xfrm>
+            <a:prstGeom prst="rect">
+              <a:avLst/>
+            </a:prstGeom>
+            <a:noFill/>
+          </p:spPr>
+          <p:txBody>
+            <a:bodyPr wrap="square" rtlCol="0">
+              <a:spAutoFit/>
+            </a:bodyPr>
+            <a:lstStyle/>
+            <a:p>
+              <a:pPr algn="r"/>
+              <a:r>
+                <a:rPr kumimoji="1" lang="en-US" altLang="ja-JP" sz="1200" dirty="0"/>
+                <a:t>5V</a:t>
+              </a:r>
+              <a:endParaRPr kumimoji="1" lang="ja-JP" altLang="en-US" sz="1200" dirty="0"/>
+            </a:p>
+          </p:txBody>
+        </p:sp>
+        <p:sp>
+          <p:nvSpPr>
+            <p:cNvPr id="136" name="テキスト ボックス 135">
+              <a:extLst>
+                <a:ext uri="{FF2B5EF4-FFF2-40B4-BE49-F238E27FC236}">
+                  <a16:creationId xmlns:a16="http://schemas.microsoft.com/office/drawing/2014/main" id="{FF17B214-99A6-4955-B9CA-56BE34F491A8}"/>
+                </a:ext>
+              </a:extLst>
+            </p:cNvPr>
+            <p:cNvSpPr txBox="1"/>
+            <p:nvPr/>
+          </p:nvSpPr>
+          <p:spPr>
+            <a:xfrm>
+              <a:off x="5083403" y="4482658"/>
+              <a:ext cx="556807" cy="276999"/>
+            </a:xfrm>
+            <a:prstGeom prst="rect">
+              <a:avLst/>
+            </a:prstGeom>
+            <a:noFill/>
+          </p:spPr>
+          <p:txBody>
+            <a:bodyPr wrap="square" rtlCol="0">
+              <a:spAutoFit/>
+            </a:bodyPr>
+            <a:lstStyle/>
+            <a:p>
+              <a:pPr algn="r"/>
+              <a:r>
+                <a:rPr lang="en-US" altLang="ja-JP" sz="1200" dirty="0"/>
+                <a:t>GND</a:t>
+              </a:r>
+              <a:endParaRPr kumimoji="1" lang="ja-JP" altLang="en-US" sz="1200" dirty="0"/>
+            </a:p>
+          </p:txBody>
+        </p:sp>
+        <p:sp>
+          <p:nvSpPr>
+            <p:cNvPr id="281" name="テキスト ボックス 280">
+              <a:extLst>
+                <a:ext uri="{FF2B5EF4-FFF2-40B4-BE49-F238E27FC236}">
+                  <a16:creationId xmlns:a16="http://schemas.microsoft.com/office/drawing/2014/main" id="{8CE6AE16-8DE6-4287-A754-3B6E4B941585}"/>
+                </a:ext>
+              </a:extLst>
+            </p:cNvPr>
+            <p:cNvSpPr txBox="1"/>
+            <p:nvPr/>
+          </p:nvSpPr>
+          <p:spPr>
+            <a:xfrm>
+              <a:off x="4147206" y="3897109"/>
+              <a:ext cx="1483902" cy="276999"/>
+            </a:xfrm>
+            <a:prstGeom prst="rect">
+              <a:avLst/>
+            </a:prstGeom>
+            <a:noFill/>
+          </p:spPr>
+          <p:txBody>
+            <a:bodyPr wrap="square" rtlCol="0">
+              <a:spAutoFit/>
+            </a:bodyPr>
+            <a:lstStyle/>
+            <a:p>
+              <a:pPr algn="ctr"/>
+              <a:r>
+                <a:rPr lang="ja-JP" altLang="en-US" sz="1200" dirty="0"/>
+                <a:t>アナログ</a:t>
+              </a:r>
+              <a:r>
+                <a:rPr lang="en-US" altLang="ja-JP" sz="1200" dirty="0"/>
+                <a:t>IN</a:t>
+              </a:r>
+              <a:endParaRPr kumimoji="1" lang="ja-JP" altLang="en-US" sz="1200" dirty="0"/>
+            </a:p>
+          </p:txBody>
+        </p:sp>
+      </p:grpSp>
+      <p:grpSp>
+        <p:nvGrpSpPr>
+          <p:cNvPr id="289" name="グループ化 288">
+            <a:extLst>
+              <a:ext uri="{FF2B5EF4-FFF2-40B4-BE49-F238E27FC236}">
+                <a16:creationId xmlns:a16="http://schemas.microsoft.com/office/drawing/2014/main" id="{AB99C6FA-E3BC-43C3-AE3B-F6A5D491B0C8}"/>
+              </a:ext>
+            </a:extLst>
+          </p:cNvPr>
+          <p:cNvGrpSpPr/>
+          <p:nvPr/>
+        </p:nvGrpSpPr>
+        <p:grpSpPr>
+          <a:xfrm>
+            <a:off x="6127319" y="3898212"/>
+            <a:ext cx="1483902" cy="869154"/>
+            <a:chOff x="4147206" y="3897109"/>
+            <a:chExt cx="1483902" cy="869154"/>
+          </a:xfrm>
+        </p:grpSpPr>
+        <p:grpSp>
+          <p:nvGrpSpPr>
+            <p:cNvPr id="290" name="グループ化 289">
+              <a:extLst>
+                <a:ext uri="{FF2B5EF4-FFF2-40B4-BE49-F238E27FC236}">
+                  <a16:creationId xmlns:a16="http://schemas.microsoft.com/office/drawing/2014/main" id="{752F9C36-B9C2-41A0-9F17-4A05DF9EC2FF}"/>
+                </a:ext>
+              </a:extLst>
+            </p:cNvPr>
+            <p:cNvGrpSpPr/>
+            <p:nvPr/>
+          </p:nvGrpSpPr>
+          <p:grpSpPr>
+            <a:xfrm>
+              <a:off x="4150794" y="3903281"/>
+              <a:ext cx="1476726" cy="862982"/>
+              <a:chOff x="4191674" y="3936775"/>
+              <a:chExt cx="1104097" cy="590395"/>
+            </a:xfrm>
+          </p:grpSpPr>
+          <p:sp>
+            <p:nvSpPr>
+              <p:cNvPr id="294" name="正方形/長方形 293">
+                <a:extLst>
+                  <a:ext uri="{FF2B5EF4-FFF2-40B4-BE49-F238E27FC236}">
+                    <a16:creationId xmlns:a16="http://schemas.microsoft.com/office/drawing/2014/main" id="{DA5389DD-3325-4BF6-B960-24250282EEDF}"/>
+                  </a:ext>
+                </a:extLst>
+              </p:cNvPr>
+              <p:cNvSpPr/>
+              <p:nvPr/>
+            </p:nvSpPr>
+            <p:spPr>
+              <a:xfrm>
+                <a:off x="4191674" y="3936775"/>
+                <a:ext cx="1104097" cy="588696"/>
+              </a:xfrm>
+              <a:prstGeom prst="rect">
+                <a:avLst/>
+              </a:prstGeom>
+              <a:noFill/>
+              <a:ln>
+                <a:solidFill>
+                  <a:schemeClr val="tx1"/>
+                </a:solidFill>
+              </a:ln>
+            </p:spPr>
+            <p:style>
+              <a:lnRef idx="2">
+                <a:schemeClr val="accent1">
+                  <a:shade val="50000"/>
+                </a:schemeClr>
+              </a:lnRef>
+              <a:fillRef idx="1">
+                <a:schemeClr val="accent1"/>
+              </a:fillRef>
+              <a:effectRef idx="0">
+                <a:schemeClr val="accent1"/>
+              </a:effectRef>
+              <a:fontRef idx="minor">
+                <a:schemeClr val="lt1"/>
+              </a:fontRef>
+            </p:style>
+            <p:txBody>
+              <a:bodyPr rtlCol="0" anchor="ctr"/>
+              <a:lstStyle/>
+              <a:p>
+                <a:pPr algn="ctr"/>
+                <a:endParaRPr kumimoji="1" lang="ja-JP" altLang="en-US"/>
+              </a:p>
+            </p:txBody>
+          </p:sp>
+          <p:sp>
+            <p:nvSpPr>
+              <p:cNvPr id="295" name="テキスト ボックス 294">
+                <a:extLst>
+                  <a:ext uri="{FF2B5EF4-FFF2-40B4-BE49-F238E27FC236}">
+                    <a16:creationId xmlns:a16="http://schemas.microsoft.com/office/drawing/2014/main" id="{747A6880-D97B-4C66-9853-A90D6817DAFC}"/>
+                  </a:ext>
+                </a:extLst>
+              </p:cNvPr>
+              <p:cNvSpPr txBox="1"/>
+              <p:nvPr/>
+            </p:nvSpPr>
+            <p:spPr>
+              <a:xfrm>
+                <a:off x="4191674" y="4285456"/>
+                <a:ext cx="1104097" cy="241714"/>
+              </a:xfrm>
+              <a:prstGeom prst="rect">
+                <a:avLst/>
+              </a:prstGeom>
+              <a:noFill/>
+            </p:spPr>
+            <p:txBody>
+              <a:bodyPr wrap="square" rtlCol="0">
+                <a:spAutoFit/>
+              </a:bodyPr>
+              <a:lstStyle/>
+              <a:p>
+                <a:r>
+                  <a:rPr lang="ja-JP" altLang="en-US" dirty="0"/>
+                  <a:t>マイコン</a:t>
+                </a:r>
+                <a:endParaRPr kumimoji="1" lang="ja-JP" altLang="en-US" dirty="0"/>
+              </a:p>
+            </p:txBody>
+          </p:sp>
+        </p:grpSp>
+        <p:sp>
+          <p:nvSpPr>
+            <p:cNvPr id="293" name="テキスト ボックス 292">
+              <a:extLst>
+                <a:ext uri="{FF2B5EF4-FFF2-40B4-BE49-F238E27FC236}">
+                  <a16:creationId xmlns:a16="http://schemas.microsoft.com/office/drawing/2014/main" id="{7DD30727-0E3D-4D6B-912B-583CE0FD1BBD}"/>
+                </a:ext>
+              </a:extLst>
+            </p:cNvPr>
+            <p:cNvSpPr txBox="1"/>
+            <p:nvPr/>
+          </p:nvSpPr>
+          <p:spPr>
+            <a:xfrm>
+              <a:off x="4147206" y="3897109"/>
+              <a:ext cx="1483902" cy="276999"/>
+            </a:xfrm>
+            <a:prstGeom prst="rect">
+              <a:avLst/>
+            </a:prstGeom>
+            <a:noFill/>
+          </p:spPr>
+          <p:txBody>
+            <a:bodyPr wrap="square" rtlCol="0">
+              <a:spAutoFit/>
+            </a:bodyPr>
+            <a:lstStyle/>
+            <a:p>
+              <a:pPr algn="ctr"/>
+              <a:r>
+                <a:rPr lang="ja-JP" altLang="en-US" sz="1200" dirty="0"/>
+                <a:t>アナログ</a:t>
+              </a:r>
+              <a:r>
+                <a:rPr lang="en-US" altLang="ja-JP" sz="1200" dirty="0"/>
+                <a:t>IN</a:t>
+              </a:r>
+              <a:endParaRPr kumimoji="1" lang="ja-JP" altLang="en-US" sz="1200" dirty="0"/>
+            </a:p>
+          </p:txBody>
+        </p:sp>
+      </p:grpSp>
+      <p:cxnSp>
+        <p:nvCxnSpPr>
+          <p:cNvPr id="301" name="コネクタ: カギ線 300">
+            <a:extLst>
+              <a:ext uri="{FF2B5EF4-FFF2-40B4-BE49-F238E27FC236}">
+                <a16:creationId xmlns:a16="http://schemas.microsoft.com/office/drawing/2014/main" id="{AF062FE7-B4FB-4AB6-A649-F43E8D79036D}"/>
+              </a:ext>
+            </a:extLst>
+          </p:cNvPr>
+          <p:cNvCxnSpPr>
+            <a:cxnSpLocks/>
+            <a:stCxn id="2" idx="3"/>
+          </p:cNvCxnSpPr>
+          <p:nvPr/>
+        </p:nvCxnSpPr>
+        <p:spPr>
+          <a:xfrm flipV="1">
+            <a:off x="5725040" y="3218707"/>
+            <a:ext cx="139899" cy="1143210"/>
+          </a:xfrm>
+          <a:prstGeom prst="bentConnector2">
+            <a:avLst/>
+          </a:prstGeom>
+          <a:ln w="12700">
+            <a:solidFill>
+              <a:schemeClr val="tx1"/>
+            </a:solidFill>
+          </a:ln>
+        </p:spPr>
+        <p:style>
+          <a:lnRef idx="1">
+            <a:schemeClr val="accent1"/>
+          </a:lnRef>
+          <a:fillRef idx="0">
+            <a:schemeClr val="accent1"/>
+          </a:fillRef>
+          <a:effectRef idx="0">
+            <a:schemeClr val="accent1"/>
+          </a:effectRef>
+          <a:fontRef idx="minor">
+            <a:schemeClr val="tx1"/>
+          </a:fontRef>
+        </p:style>
+      </p:cxnSp>
+      <p:cxnSp>
+        <p:nvCxnSpPr>
+          <p:cNvPr id="305" name="コネクタ: カギ線 304">
+            <a:extLst>
+              <a:ext uri="{FF2B5EF4-FFF2-40B4-BE49-F238E27FC236}">
+                <a16:creationId xmlns:a16="http://schemas.microsoft.com/office/drawing/2014/main" id="{6064E540-0076-4295-9F4F-AC898C5A13B7}"/>
+              </a:ext>
+            </a:extLst>
+          </p:cNvPr>
+          <p:cNvCxnSpPr>
+            <a:stCxn id="136" idx="3"/>
+          </p:cNvCxnSpPr>
+          <p:nvPr/>
+        </p:nvCxnSpPr>
+        <p:spPr>
+          <a:xfrm flipV="1">
+            <a:off x="5737730" y="3004457"/>
+            <a:ext cx="250376" cy="1627853"/>
+          </a:xfrm>
+          <a:prstGeom prst="bentConnector2">
+            <a:avLst/>
+          </a:prstGeom>
+          <a:ln w="12700">
+            <a:solidFill>
+              <a:schemeClr val="tx1"/>
+            </a:solidFill>
+          </a:ln>
+        </p:spPr>
+        <p:style>
+          <a:lnRef idx="1">
+            <a:schemeClr val="accent1"/>
+          </a:lnRef>
+          <a:fillRef idx="0">
+            <a:schemeClr val="accent1"/>
+          </a:fillRef>
+          <a:effectRef idx="0">
+            <a:schemeClr val="accent1"/>
+          </a:effectRef>
+          <a:fontRef idx="minor">
+            <a:schemeClr val="tx1"/>
+          </a:fontRef>
+        </p:style>
+      </p:cxnSp>
+      <p:sp>
+        <p:nvSpPr>
+          <p:cNvPr id="306" name="楕円 305">
+            <a:extLst>
+              <a:ext uri="{FF2B5EF4-FFF2-40B4-BE49-F238E27FC236}">
+                <a16:creationId xmlns:a16="http://schemas.microsoft.com/office/drawing/2014/main" id="{911E1C84-422E-4933-B2CE-8E775050C239}"/>
+              </a:ext>
+            </a:extLst>
+          </p:cNvPr>
+          <p:cNvSpPr>
+            <a:spLocks noChangeAspect="1"/>
+          </p:cNvSpPr>
+          <p:nvPr/>
+        </p:nvSpPr>
+        <p:spPr>
+          <a:xfrm flipH="1">
+            <a:off x="5959061" y="2973960"/>
+            <a:ext cx="64800" cy="65904"/>
+          </a:xfrm>
+          <a:prstGeom prst="ellipse">
+            <a:avLst/>
+          </a:prstGeom>
+          <a:solidFill>
+            <a:schemeClr val="tx1"/>
+          </a:solidFill>
+          <a:ln>
+            <a:solidFill>
+              <a:schemeClr val="tx1"/>
+            </a:solidFill>
+          </a:ln>
+        </p:spPr>
+        <p:style>
+          <a:lnRef idx="2">
+            <a:schemeClr val="accent1">
+              <a:shade val="50000"/>
+            </a:schemeClr>
+          </a:lnRef>
+          <a:fillRef idx="1">
+            <a:schemeClr val="accent1"/>
+          </a:fillRef>
+          <a:effectRef idx="0">
+            <a:schemeClr val="accent1"/>
+          </a:effectRef>
+          <a:fontRef idx="minor">
+            <a:schemeClr val="lt1"/>
+          </a:fontRef>
+        </p:style>
+        <p:txBody>
+          <a:bodyPr rtlCol="0" anchor="ctr"/>
+          <a:lstStyle/>
+          <a:p>
+            <a:pPr algn="ctr"/>
+            <a:endParaRPr kumimoji="1" lang="ja-JP" altLang="en-US"/>
+          </a:p>
+        </p:txBody>
+      </p:sp>
+      <p:sp>
+        <p:nvSpPr>
+          <p:cNvPr id="307" name="楕円 306">
+            <a:extLst>
+              <a:ext uri="{FF2B5EF4-FFF2-40B4-BE49-F238E27FC236}">
+                <a16:creationId xmlns:a16="http://schemas.microsoft.com/office/drawing/2014/main" id="{B5454F44-6E31-4BCF-B3E7-C1CB2D2375DB}"/>
+              </a:ext>
+            </a:extLst>
+          </p:cNvPr>
+          <p:cNvSpPr>
+            <a:spLocks noChangeAspect="1"/>
+          </p:cNvSpPr>
+          <p:nvPr/>
+        </p:nvSpPr>
+        <p:spPr>
+          <a:xfrm flipH="1">
+            <a:off x="5830149" y="3183759"/>
+            <a:ext cx="64800" cy="65904"/>
+          </a:xfrm>
+          <a:prstGeom prst="ellipse">
+            <a:avLst/>
+          </a:prstGeom>
+          <a:solidFill>
+            <a:schemeClr val="tx1"/>
+          </a:solidFill>
+          <a:ln>
+            <a:solidFill>
+              <a:schemeClr val="tx1"/>
+            </a:solidFill>
+          </a:ln>
+        </p:spPr>
+        <p:style>
+          <a:lnRef idx="2">
+            <a:schemeClr val="accent1">
+              <a:shade val="50000"/>
+            </a:schemeClr>
+          </a:lnRef>
+          <a:fillRef idx="1">
+            <a:schemeClr val="accent1"/>
+          </a:fillRef>
+          <a:effectRef idx="0">
+            <a:schemeClr val="accent1"/>
+          </a:effectRef>
+          <a:fontRef idx="minor">
+            <a:schemeClr val="lt1"/>
+          </a:fontRef>
+        </p:style>
+        <p:txBody>
+          <a:bodyPr rtlCol="0" anchor="ctr"/>
+          <a:lstStyle/>
+          <a:p>
+            <a:pPr algn="ctr"/>
+            <a:endParaRPr kumimoji="1" lang="ja-JP" altLang="en-US"/>
+          </a:p>
+        </p:txBody>
+      </p:sp>
+      <p:cxnSp>
+        <p:nvCxnSpPr>
+          <p:cNvPr id="312" name="コネクタ: カギ線 311">
+            <a:extLst>
+              <a:ext uri="{FF2B5EF4-FFF2-40B4-BE49-F238E27FC236}">
+                <a16:creationId xmlns:a16="http://schemas.microsoft.com/office/drawing/2014/main" id="{2933D2A2-FF80-469D-B27A-A19153818D3C}"/>
+              </a:ext>
+            </a:extLst>
+          </p:cNvPr>
+          <p:cNvCxnSpPr>
+            <a:cxnSpLocks/>
+          </p:cNvCxnSpPr>
+          <p:nvPr/>
+        </p:nvCxnSpPr>
+        <p:spPr>
+          <a:xfrm rot="10800000" flipV="1">
+            <a:off x="5340194" y="2235804"/>
+            <a:ext cx="287573" cy="1678629"/>
+          </a:xfrm>
+          <a:prstGeom prst="bentConnector2">
+            <a:avLst/>
+          </a:prstGeom>
+          <a:ln w="12700">
+            <a:solidFill>
+              <a:schemeClr val="tx1"/>
+            </a:solidFill>
+          </a:ln>
+        </p:spPr>
+        <p:style>
+          <a:lnRef idx="1">
+            <a:schemeClr val="accent1"/>
+          </a:lnRef>
+          <a:fillRef idx="0">
+            <a:schemeClr val="accent1"/>
+          </a:fillRef>
+          <a:effectRef idx="0">
+            <a:schemeClr val="accent1"/>
+          </a:effectRef>
+          <a:fontRef idx="minor">
+            <a:schemeClr val="tx1"/>
+          </a:fontRef>
+        </p:style>
+      </p:cxnSp>
+      <p:cxnSp>
+        <p:nvCxnSpPr>
+          <p:cNvPr id="320" name="コネクタ: カギ線 319">
+            <a:extLst>
+              <a:ext uri="{FF2B5EF4-FFF2-40B4-BE49-F238E27FC236}">
+                <a16:creationId xmlns:a16="http://schemas.microsoft.com/office/drawing/2014/main" id="{2C3CFA5F-1296-408B-B263-0304793CB254}"/>
+              </a:ext>
+            </a:extLst>
+          </p:cNvPr>
+          <p:cNvCxnSpPr>
+            <a:cxnSpLocks/>
+            <a:stCxn id="247" idx="6"/>
+          </p:cNvCxnSpPr>
+          <p:nvPr/>
+        </p:nvCxnSpPr>
+        <p:spPr>
+          <a:xfrm rot="10800000" flipV="1">
+            <a:off x="7059163" y="2235804"/>
+            <a:ext cx="233136" cy="1662408"/>
+          </a:xfrm>
+          <a:prstGeom prst="bentConnector2">
+            <a:avLst/>
+          </a:prstGeom>
+          <a:ln w="12700">
+            <a:solidFill>
+              <a:schemeClr val="tx1"/>
+            </a:solidFill>
+          </a:ln>
+        </p:spPr>
+        <p:style>
+          <a:lnRef idx="1">
+            <a:schemeClr val="accent1"/>
+          </a:lnRef>
+          <a:fillRef idx="0">
+            <a:schemeClr val="accent1"/>
+          </a:fillRef>
+          <a:effectRef idx="0">
+            <a:schemeClr val="accent1"/>
+          </a:effectRef>
+          <a:fontRef idx="minor">
+            <a:schemeClr val="tx1"/>
+          </a:fontRef>
+        </p:style>
+      </p:cxnSp>
+      <p:cxnSp>
+        <p:nvCxnSpPr>
+          <p:cNvPr id="322" name="コネクタ: カギ線 321">
+            <a:extLst>
+              <a:ext uri="{FF2B5EF4-FFF2-40B4-BE49-F238E27FC236}">
+                <a16:creationId xmlns:a16="http://schemas.microsoft.com/office/drawing/2014/main" id="{24246308-F341-40E5-A897-7B66E0202209}"/>
+              </a:ext>
+            </a:extLst>
+          </p:cNvPr>
+          <p:cNvCxnSpPr>
+            <a:cxnSpLocks/>
+            <a:stCxn id="278" idx="6"/>
+          </p:cNvCxnSpPr>
+          <p:nvPr/>
+        </p:nvCxnSpPr>
+        <p:spPr>
+          <a:xfrm rot="10800000" flipV="1">
+            <a:off x="4495872" y="2239416"/>
+            <a:ext cx="258771" cy="1675016"/>
+          </a:xfrm>
+          <a:prstGeom prst="bentConnector2">
+            <a:avLst/>
+          </a:prstGeom>
+          <a:ln w="12700">
+            <a:solidFill>
+              <a:schemeClr val="tx1"/>
+            </a:solidFill>
+          </a:ln>
+        </p:spPr>
+        <p:style>
+          <a:lnRef idx="1">
+            <a:schemeClr val="accent1"/>
+          </a:lnRef>
+          <a:fillRef idx="0">
+            <a:schemeClr val="accent1"/>
+          </a:fillRef>
+          <a:effectRef idx="0">
+            <a:schemeClr val="accent1"/>
+          </a:effectRef>
+          <a:fontRef idx="minor">
+            <a:schemeClr val="tx1"/>
+          </a:fontRef>
+        </p:style>
+      </p:cxnSp>
+      <p:cxnSp>
+        <p:nvCxnSpPr>
+          <p:cNvPr id="326" name="コネクタ: カギ線 325">
+            <a:extLst>
+              <a:ext uri="{FF2B5EF4-FFF2-40B4-BE49-F238E27FC236}">
+                <a16:creationId xmlns:a16="http://schemas.microsoft.com/office/drawing/2014/main" id="{39496011-A876-496D-923B-3AAE784A1E26}"/>
+              </a:ext>
+            </a:extLst>
+          </p:cNvPr>
+          <p:cNvCxnSpPr>
+            <a:stCxn id="256" idx="6"/>
+          </p:cNvCxnSpPr>
+          <p:nvPr/>
+        </p:nvCxnSpPr>
+        <p:spPr>
+          <a:xfrm rot="10800000" flipV="1">
+            <a:off x="6214683" y="2239416"/>
+            <a:ext cx="236998" cy="1658796"/>
+          </a:xfrm>
+          <a:prstGeom prst="bentConnector2">
+            <a:avLst/>
+          </a:prstGeom>
+          <a:ln w="12700">
+            <a:solidFill>
+              <a:schemeClr val="tx1"/>
+            </a:solidFill>
+          </a:ln>
+        </p:spPr>
+        <p:style>
+          <a:lnRef idx="1">
+            <a:schemeClr val="accent1"/>
+          </a:lnRef>
+          <a:fillRef idx="0">
+            <a:schemeClr val="accent1"/>
+          </a:fillRef>
+          <a:effectRef idx="0">
+            <a:schemeClr val="accent1"/>
+          </a:effectRef>
+          <a:fontRef idx="minor">
+            <a:schemeClr val="tx1"/>
+          </a:fontRef>
+        </p:style>
+      </p:cxnSp>
+      <p:sp>
+        <p:nvSpPr>
+          <p:cNvPr id="328" name="テキスト ボックス 327">
+            <a:extLst>
+              <a:ext uri="{FF2B5EF4-FFF2-40B4-BE49-F238E27FC236}">
+                <a16:creationId xmlns:a16="http://schemas.microsoft.com/office/drawing/2014/main" id="{0C551134-A7C3-4EA3-B869-F9A72BCC28F0}"/>
+              </a:ext>
+            </a:extLst>
+          </p:cNvPr>
+          <p:cNvSpPr txBox="1"/>
+          <p:nvPr/>
+        </p:nvSpPr>
+        <p:spPr>
+          <a:xfrm>
+            <a:off x="6181236" y="3469269"/>
+            <a:ext cx="936543" cy="369332"/>
+          </a:xfrm>
+          <a:prstGeom prst="rect">
+            <a:avLst/>
+          </a:prstGeom>
+          <a:noFill/>
+        </p:spPr>
+        <p:txBody>
+          <a:bodyPr wrap="square" rtlCol="0">
+            <a:spAutoFit/>
+          </a:bodyPr>
+          <a:lstStyle/>
+          <a:p>
+            <a:pPr algn="ctr"/>
+            <a:r>
+              <a:rPr kumimoji="1" lang="ja-JP" altLang="en-US" dirty="0"/>
+              <a:t>・・・</a:t>
+            </a:r>
+          </a:p>
+        </p:txBody>
+      </p:sp>
+      <p:sp>
+        <p:nvSpPr>
+          <p:cNvPr id="329" name="テキスト ボックス 328">
+            <a:extLst>
+              <a:ext uri="{FF2B5EF4-FFF2-40B4-BE49-F238E27FC236}">
+                <a16:creationId xmlns:a16="http://schemas.microsoft.com/office/drawing/2014/main" id="{BF1D898D-CAA4-499A-BB7E-E671C69863EE}"/>
+              </a:ext>
+            </a:extLst>
+          </p:cNvPr>
+          <p:cNvSpPr txBox="1"/>
+          <p:nvPr/>
+        </p:nvSpPr>
+        <p:spPr>
+          <a:xfrm>
+            <a:off x="4811547" y="1425139"/>
+            <a:ext cx="655130" cy="276999"/>
+          </a:xfrm>
+          <a:prstGeom prst="rect">
+            <a:avLst/>
+          </a:prstGeom>
+          <a:noFill/>
+        </p:spPr>
+        <p:txBody>
+          <a:bodyPr wrap="square" rtlCol="0">
+            <a:spAutoFit/>
+          </a:bodyPr>
+          <a:lstStyle/>
+          <a:p>
+            <a:pPr algn="ctr"/>
+            <a:r>
+              <a:rPr kumimoji="1" lang="ja-JP" altLang="en-US" sz="1200" dirty="0"/>
+              <a:t>・・・</a:t>
+            </a:r>
+          </a:p>
+        </p:txBody>
+      </p:sp>
+      <p:sp>
+        <p:nvSpPr>
+          <p:cNvPr id="330" name="テキスト ボックス 329">
+            <a:extLst>
+              <a:ext uri="{FF2B5EF4-FFF2-40B4-BE49-F238E27FC236}">
+                <a16:creationId xmlns:a16="http://schemas.microsoft.com/office/drawing/2014/main" id="{6E56F9E3-9B28-4B9E-BC38-0AA7434204DA}"/>
+              </a:ext>
+            </a:extLst>
+          </p:cNvPr>
+          <p:cNvSpPr txBox="1"/>
+          <p:nvPr/>
+        </p:nvSpPr>
+        <p:spPr>
+          <a:xfrm>
+            <a:off x="4454516" y="3543518"/>
+            <a:ext cx="936543" cy="369332"/>
+          </a:xfrm>
+          <a:prstGeom prst="rect">
+            <a:avLst/>
+          </a:prstGeom>
+          <a:noFill/>
+        </p:spPr>
+        <p:txBody>
+          <a:bodyPr wrap="square" rtlCol="0">
+            <a:spAutoFit/>
+          </a:bodyPr>
+          <a:lstStyle/>
+          <a:p>
+            <a:pPr algn="ctr"/>
+            <a:r>
+              <a:rPr kumimoji="1" lang="ja-JP" altLang="en-US" dirty="0"/>
+              <a:t>・・・</a:t>
+            </a:r>
+          </a:p>
+        </p:txBody>
+      </p:sp>
+      <p:sp>
+        <p:nvSpPr>
+          <p:cNvPr id="335" name="楕円 334">
+            <a:extLst>
+              <a:ext uri="{FF2B5EF4-FFF2-40B4-BE49-F238E27FC236}">
+                <a16:creationId xmlns:a16="http://schemas.microsoft.com/office/drawing/2014/main" id="{7729507F-291F-4B5E-8E3F-25F8089FAF8C}"/>
+              </a:ext>
+            </a:extLst>
+          </p:cNvPr>
+          <p:cNvSpPr/>
+          <p:nvPr/>
+        </p:nvSpPr>
+        <p:spPr>
+          <a:xfrm>
+            <a:off x="4148506" y="1264601"/>
+            <a:ext cx="3538228" cy="561671"/>
+          </a:xfrm>
+          <a:prstGeom prst="ellipse">
+            <a:avLst/>
+          </a:prstGeom>
+          <a:noFill/>
+          <a:ln>
+            <a:solidFill>
+              <a:srgbClr val="FF0000"/>
+            </a:solidFill>
+            <a:prstDash val="dash"/>
+          </a:ln>
+        </p:spPr>
+        <p:style>
+          <a:lnRef idx="2">
+            <a:schemeClr val="accent1">
+              <a:shade val="50000"/>
+            </a:schemeClr>
+          </a:lnRef>
+          <a:fillRef idx="1">
+            <a:schemeClr val="accent1"/>
+          </a:fillRef>
+          <a:effectRef idx="0">
+            <a:schemeClr val="accent1"/>
+          </a:effectRef>
+          <a:fontRef idx="minor">
+            <a:schemeClr val="lt1"/>
+          </a:fontRef>
+        </p:style>
+        <p:txBody>
+          <a:bodyPr rtlCol="0" anchor="ctr"/>
+          <a:lstStyle/>
+          <a:p>
+            <a:pPr algn="ctr"/>
+            <a:endParaRPr kumimoji="1" lang="ja-JP" altLang="en-US"/>
+          </a:p>
+        </p:txBody>
+      </p:sp>
+      <p:sp>
+        <p:nvSpPr>
+          <p:cNvPr id="336" name="テキスト ボックス 335">
+            <a:extLst>
+              <a:ext uri="{FF2B5EF4-FFF2-40B4-BE49-F238E27FC236}">
+                <a16:creationId xmlns:a16="http://schemas.microsoft.com/office/drawing/2014/main" id="{5869EE16-E191-4E6A-B873-D79571F6B5B3}"/>
+              </a:ext>
+            </a:extLst>
+          </p:cNvPr>
+          <p:cNvSpPr txBox="1"/>
+          <p:nvPr/>
+        </p:nvSpPr>
+        <p:spPr>
+          <a:xfrm>
+            <a:off x="7686734" y="1486746"/>
+            <a:ext cx="1362754" cy="369332"/>
+          </a:xfrm>
+          <a:prstGeom prst="rect">
+            <a:avLst/>
+          </a:prstGeom>
+          <a:noFill/>
+        </p:spPr>
+        <p:txBody>
+          <a:bodyPr wrap="square" rtlCol="0">
+            <a:spAutoFit/>
+          </a:bodyPr>
+          <a:lstStyle/>
+          <a:p>
+            <a:pPr algn="ctr"/>
+            <a:r>
+              <a:rPr kumimoji="1" lang="ja-JP" altLang="en-US" dirty="0">
+                <a:solidFill>
+                  <a:srgbClr val="FF0000"/>
+                </a:solidFill>
+              </a:rPr>
+              <a:t>ヘルメット</a:t>
+            </a:r>
+          </a:p>
+        </p:txBody>
+      </p:sp>
+      <p:sp>
+        <p:nvSpPr>
+          <p:cNvPr id="337" name="吹き出し: 四角形 336">
+            <a:extLst>
+              <a:ext uri="{FF2B5EF4-FFF2-40B4-BE49-F238E27FC236}">
+                <a16:creationId xmlns:a16="http://schemas.microsoft.com/office/drawing/2014/main" id="{CD742FA8-9B36-4A6A-BE94-0C272C490AC8}"/>
+              </a:ext>
+            </a:extLst>
+          </p:cNvPr>
+          <p:cNvSpPr/>
+          <p:nvPr/>
+        </p:nvSpPr>
+        <p:spPr>
+          <a:xfrm>
+            <a:off x="7089685" y="730435"/>
+            <a:ext cx="1827738" cy="371764"/>
+          </a:xfrm>
+          <a:prstGeom prst="wedgeRectCallout">
+            <a:avLst>
+              <a:gd name="adj1" fmla="val -33492"/>
+              <a:gd name="adj2" fmla="val 110793"/>
+            </a:avLst>
+          </a:prstGeom>
+          <a:noFill/>
+          <a:ln>
+            <a:solidFill>
+              <a:schemeClr val="tx1"/>
+            </a:solidFill>
+          </a:ln>
+        </p:spPr>
+        <p:style>
+          <a:lnRef idx="2">
+            <a:schemeClr val="accent1">
+              <a:shade val="50000"/>
+            </a:schemeClr>
+          </a:lnRef>
+          <a:fillRef idx="1">
+            <a:schemeClr val="accent1"/>
+          </a:fillRef>
+          <a:effectRef idx="0">
+            <a:schemeClr val="accent1"/>
+          </a:effectRef>
+          <a:fontRef idx="minor">
+            <a:schemeClr val="lt1"/>
+          </a:fontRef>
+        </p:style>
+        <p:txBody>
+          <a:bodyPr rtlCol="0" anchor="ctr"/>
+          <a:lstStyle/>
+          <a:p>
+            <a:pPr algn="ctr"/>
+            <a:endParaRPr kumimoji="1" lang="ja-JP" altLang="en-US" dirty="0"/>
+          </a:p>
+        </p:txBody>
+      </p:sp>
+      <p:sp>
+        <p:nvSpPr>
+          <p:cNvPr id="338" name="テキスト ボックス 337">
+            <a:extLst>
+              <a:ext uri="{FF2B5EF4-FFF2-40B4-BE49-F238E27FC236}">
+                <a16:creationId xmlns:a16="http://schemas.microsoft.com/office/drawing/2014/main" id="{96CA1151-9BAA-4A8A-AB97-360901E4FA47}"/>
+              </a:ext>
+            </a:extLst>
+          </p:cNvPr>
+          <p:cNvSpPr txBox="1"/>
+          <p:nvPr/>
+        </p:nvSpPr>
+        <p:spPr>
+          <a:xfrm>
+            <a:off x="7089685" y="730435"/>
+            <a:ext cx="1827738" cy="369332"/>
+          </a:xfrm>
+          <a:prstGeom prst="rect">
+            <a:avLst/>
+          </a:prstGeom>
+          <a:noFill/>
+        </p:spPr>
+        <p:txBody>
+          <a:bodyPr wrap="square" rtlCol="0">
+            <a:spAutoFit/>
+          </a:bodyPr>
+          <a:lstStyle/>
+          <a:p>
+            <a:pPr algn="ctr"/>
+            <a:r>
+              <a:rPr lang="ja-JP" altLang="en-US" dirty="0"/>
+              <a:t>圧力センサ</a:t>
+            </a:r>
+            <a:r>
+              <a:rPr lang="en-US" altLang="ja-JP" dirty="0"/>
+              <a:t>32</a:t>
+            </a:r>
+            <a:r>
+              <a:rPr lang="ja-JP" altLang="en-US" dirty="0"/>
+              <a:t>個</a:t>
+            </a:r>
+            <a:endParaRPr kumimoji="1" lang="ja-JP" altLang="en-US" dirty="0"/>
+          </a:p>
+        </p:txBody>
+      </p:sp>
+      <p:sp>
+        <p:nvSpPr>
+          <p:cNvPr id="339" name="テキスト ボックス 338">
+            <a:extLst>
+              <a:ext uri="{FF2B5EF4-FFF2-40B4-BE49-F238E27FC236}">
+                <a16:creationId xmlns:a16="http://schemas.microsoft.com/office/drawing/2014/main" id="{E9CBA2F1-317E-4BA6-B3DF-C7F0EAAF27A9}"/>
+              </a:ext>
+            </a:extLst>
+          </p:cNvPr>
+          <p:cNvSpPr txBox="1"/>
+          <p:nvPr/>
+        </p:nvSpPr>
+        <p:spPr>
+          <a:xfrm>
+            <a:off x="5659602" y="1430184"/>
+            <a:ext cx="655130" cy="276999"/>
+          </a:xfrm>
+          <a:prstGeom prst="rect">
+            <a:avLst/>
+          </a:prstGeom>
+          <a:noFill/>
+        </p:spPr>
+        <p:txBody>
+          <a:bodyPr wrap="square" rtlCol="0">
+            <a:spAutoFit/>
+          </a:bodyPr>
+          <a:lstStyle/>
+          <a:p>
+            <a:pPr algn="ctr"/>
+            <a:r>
+              <a:rPr kumimoji="1" lang="ja-JP" altLang="en-US" sz="1200" dirty="0"/>
+              <a:t>・・・</a:t>
+            </a:r>
+          </a:p>
+        </p:txBody>
+      </p:sp>
+      <p:sp>
+        <p:nvSpPr>
+          <p:cNvPr id="340" name="テキスト ボックス 339">
+            <a:extLst>
+              <a:ext uri="{FF2B5EF4-FFF2-40B4-BE49-F238E27FC236}">
+                <a16:creationId xmlns:a16="http://schemas.microsoft.com/office/drawing/2014/main" id="{83FE1B22-1225-436C-93D5-C59453FA1AA9}"/>
+              </a:ext>
+            </a:extLst>
+          </p:cNvPr>
+          <p:cNvSpPr txBox="1"/>
+          <p:nvPr/>
+        </p:nvSpPr>
+        <p:spPr>
+          <a:xfrm>
+            <a:off x="6485473" y="1431571"/>
+            <a:ext cx="655130" cy="276999"/>
+          </a:xfrm>
+          <a:prstGeom prst="rect">
+            <a:avLst/>
+          </a:prstGeom>
+          <a:noFill/>
+        </p:spPr>
+        <p:txBody>
+          <a:bodyPr wrap="square" rtlCol="0">
+            <a:spAutoFit/>
+          </a:bodyPr>
+          <a:lstStyle/>
+          <a:p>
+            <a:pPr algn="ctr"/>
+            <a:r>
+              <a:rPr kumimoji="1" lang="ja-JP" altLang="en-US" sz="1200" dirty="0"/>
+              <a:t>・・・</a:t>
+            </a:r>
+          </a:p>
+        </p:txBody>
+      </p:sp>
     </p:spTree>
     <p:extLst>
       <p:ext uri="{BB962C8B-B14F-4D97-AF65-F5344CB8AC3E}">

--- a/ヘルメット/卒論/初稿/figure/source/fig_data.pptx
+++ b/ヘルメット/卒論/初稿/figure/source/fig_data.pptx
@@ -213,7 +213,7 @@
           <a:p>
             <a:fld id="{FE7EBC21-68F0-43CA-8DF5-D6844F9F3C2E}" type="datetimeFigureOut">
               <a:rPr kumimoji="1" lang="ja-JP" altLang="en-US" smtClean="0"/>
-              <a:t>2020/1/27</a:t>
+              <a:t>2020/1/28</a:t>
             </a:fld>
             <a:endParaRPr kumimoji="1" lang="ja-JP" altLang="en-US"/>
           </a:p>
@@ -733,7 +733,7 @@
           <a:p>
             <a:fld id="{28B1BEA1-2738-4C19-B133-02ABBF3E6E0C}" type="datetime1">
               <a:rPr kumimoji="1" lang="ja-JP" altLang="en-US" smtClean="0"/>
-              <a:t>2020/1/27</a:t>
+              <a:t>2020/1/28</a:t>
             </a:fld>
             <a:endParaRPr kumimoji="1" lang="ja-JP" altLang="en-US"/>
           </a:p>
@@ -1107,7 +1107,7 @@
           <a:p>
             <a:fld id="{321A0775-4641-4FD1-8F30-8577C8E45459}" type="datetime1">
               <a:rPr kumimoji="1" lang="ja-JP" altLang="en-US" smtClean="0"/>
-              <a:t>2020/1/27</a:t>
+              <a:t>2020/1/28</a:t>
             </a:fld>
             <a:endParaRPr kumimoji="1" lang="ja-JP" altLang="en-US"/>
           </a:p>
@@ -1317,7 +1317,7 @@
           <a:p>
             <a:fld id="{1A958096-B04A-44A1-BF3F-4EF7C63AEE7F}" type="datetime1">
               <a:rPr kumimoji="1" lang="ja-JP" altLang="en-US" smtClean="0"/>
-              <a:t>2020/1/27</a:t>
+              <a:t>2020/1/28</a:t>
             </a:fld>
             <a:endParaRPr kumimoji="1" lang="ja-JP" altLang="en-US"/>
           </a:p>
@@ -1517,7 +1517,7 @@
           <a:p>
             <a:fld id="{7E4BC299-9A2B-46B3-A868-72E6088D753F}" type="datetime1">
               <a:rPr kumimoji="1" lang="ja-JP" altLang="en-US" smtClean="0"/>
-              <a:t>2020/1/27</a:t>
+              <a:t>2020/1/28</a:t>
             </a:fld>
             <a:endParaRPr kumimoji="1" lang="ja-JP" altLang="en-US"/>
           </a:p>
@@ -1951,7 +1951,7 @@
           <a:p>
             <a:fld id="{5730D93F-C6A8-45DB-973B-2E9B74BB5747}" type="datetime1">
               <a:rPr kumimoji="1" lang="ja-JP" altLang="en-US" smtClean="0"/>
-              <a:t>2020/1/27</a:t>
+              <a:t>2020/1/28</a:t>
             </a:fld>
             <a:endParaRPr kumimoji="1" lang="ja-JP" altLang="en-US"/>
           </a:p>
@@ -2244,7 +2244,7 @@
           <a:p>
             <a:fld id="{8C8FBA03-08C5-445A-9675-5DD0E048D580}" type="datetime1">
               <a:rPr kumimoji="1" lang="ja-JP" altLang="en-US" smtClean="0"/>
-              <a:t>2020/1/27</a:t>
+              <a:t>2020/1/28</a:t>
             </a:fld>
             <a:endParaRPr kumimoji="1" lang="ja-JP" altLang="en-US"/>
           </a:p>
@@ -2672,7 +2672,7 @@
           <a:p>
             <a:fld id="{F22B3BE6-F63B-45DF-9657-6FEF2EDB1F30}" type="datetime1">
               <a:rPr kumimoji="1" lang="ja-JP" altLang="en-US" smtClean="0"/>
-              <a:t>2020/1/27</a:t>
+              <a:t>2020/1/28</a:t>
             </a:fld>
             <a:endParaRPr kumimoji="1" lang="ja-JP" altLang="en-US"/>
           </a:p>
@@ -2789,7 +2789,7 @@
           <a:p>
             <a:fld id="{C1D6E599-F080-45CC-8481-C833508C9D12}" type="datetime1">
               <a:rPr kumimoji="1" lang="ja-JP" altLang="en-US" smtClean="0"/>
-              <a:t>2020/1/27</a:t>
+              <a:t>2020/1/28</a:t>
             </a:fld>
             <a:endParaRPr kumimoji="1" lang="ja-JP" altLang="en-US"/>
           </a:p>
@@ -2884,7 +2884,7 @@
           <a:p>
             <a:fld id="{7D9B8A7E-64BC-4577-982E-7EC7218FD10F}" type="datetime1">
               <a:rPr kumimoji="1" lang="ja-JP" altLang="en-US" smtClean="0"/>
-              <a:t>2020/1/27</a:t>
+              <a:t>2020/1/28</a:t>
             </a:fld>
             <a:endParaRPr kumimoji="1" lang="ja-JP" altLang="en-US"/>
           </a:p>
@@ -3191,7 +3191,7 @@
           <a:p>
             <a:fld id="{8373066C-4ED1-4359-AD45-A7DE722C8BF8}" type="datetime1">
               <a:rPr kumimoji="1" lang="ja-JP" altLang="en-US" smtClean="0"/>
-              <a:t>2020/1/27</a:t>
+              <a:t>2020/1/28</a:t>
             </a:fld>
             <a:endParaRPr kumimoji="1" lang="ja-JP" altLang="en-US"/>
           </a:p>
@@ -3443,7 +3443,7 @@
           <a:p>
             <a:fld id="{BC0FD902-686B-4A0D-9EB1-37C4F06B03EF}" type="datetime1">
               <a:rPr kumimoji="1" lang="ja-JP" altLang="en-US" smtClean="0"/>
-              <a:t>2020/1/27</a:t>
+              <a:t>2020/1/28</a:t>
             </a:fld>
             <a:endParaRPr kumimoji="1" lang="ja-JP" altLang="en-US"/>
           </a:p>
@@ -3686,7 +3686,7 @@
           <a:p>
             <a:fld id="{E90FD2C9-6400-40CA-9626-E4ED2CBDBD1C}" type="datetime1">
               <a:rPr kumimoji="1" lang="ja-JP" altLang="en-US" smtClean="0"/>
-              <a:t>2020/1/27</a:t>
+              <a:t>2020/1/28</a:t>
             </a:fld>
             <a:endParaRPr kumimoji="1" lang="ja-JP" altLang="en-US"/>
           </a:p>
@@ -4269,8 +4269,8 @@
         </p:nvSpPr>
         <p:spPr>
           <a:xfrm>
-            <a:off x="1333179" y="1640087"/>
-            <a:ext cx="2487343" cy="783772"/>
+            <a:off x="1249979" y="1532740"/>
+            <a:ext cx="2685583" cy="997526"/>
           </a:xfrm>
           <a:prstGeom prst="ellipse">
             <a:avLst/>
@@ -4321,8 +4321,8 @@
         </p:nvSpPr>
         <p:spPr>
           <a:xfrm>
-            <a:off x="1333177" y="1847307"/>
-            <a:ext cx="2487345" cy="369332"/>
+            <a:off x="1206220" y="1721599"/>
+            <a:ext cx="2751289" cy="646331"/>
           </a:xfrm>
           <a:prstGeom prst="rect">
             <a:avLst/>
@@ -4337,9 +4337,22 @@
           <a:p>
             <a:pPr algn="ctr"/>
             <a:r>
-              <a:rPr kumimoji="1" lang="ja-JP" altLang="en-US" dirty="0"/>
-              <a:t>プロトタイプデバイス</a:t>
-            </a:r>
+              <a:rPr lang="ja-JP" altLang="en-US" dirty="0"/>
+              <a:t>ヘルメットに搭載された</a:t>
+            </a:r>
+            <a:endParaRPr lang="en-US" altLang="ja-JP" dirty="0"/>
+          </a:p>
+          <a:p>
+            <a:pPr algn="ctr"/>
+            <a:r>
+              <a:rPr lang="en-US" altLang="ja-JP" dirty="0"/>
+              <a:t>32</a:t>
+            </a:r>
+            <a:r>
+              <a:rPr lang="ja-JP" altLang="en-US" dirty="0"/>
+              <a:t>個の圧力センサ</a:t>
+            </a:r>
+            <a:endParaRPr kumimoji="1" lang="ja-JP" altLang="en-US" dirty="0"/>
           </a:p>
         </p:txBody>
       </p:sp>
@@ -4458,15 +4471,14 @@
           </p:cNvPr>
           <p:cNvCxnSpPr>
             <a:cxnSpLocks/>
-            <a:stCxn id="14" idx="3"/>
-            <a:endCxn id="7" idx="1"/>
+            <a:endCxn id="118" idx="1"/>
           </p:cNvCxnSpPr>
           <p:nvPr/>
         </p:nvCxnSpPr>
         <p:spPr>
-          <a:xfrm flipV="1">
-            <a:off x="3820522" y="2031505"/>
-            <a:ext cx="1576030" cy="468"/>
+          <a:xfrm>
+            <a:off x="3935562" y="2031503"/>
+            <a:ext cx="1460990" cy="1"/>
           </a:xfrm>
           <a:prstGeom prst="straightConnector1">
             <a:avLst/>
